--- a/TheStory/ProgrammierungII_Gruppe6Mün_EscapeRoom_Präsentation.pptx
+++ b/TheStory/ProgrammierungII_Gruppe6Mün_EscapeRoom_Präsentation.pptx
@@ -1,6 +1,6 @@
 
 <file path=ppt/presentation.xml><?xml version="1.0" encoding="utf-8"?>
-<p:presentation xmlns:a="http://schemas.openxmlformats.org/drawingml/2006/main" xmlns:r="http://schemas.openxmlformats.org/officeDocument/2006/relationships" xmlns:p="http://schemas.openxmlformats.org/presentationml/2006/main" saveSubsetFonts="1" autoCompressPictures="0">
+<p:presentation xmlns:a="http://schemas.openxmlformats.org/drawingml/2006/main" xmlns:r="http://schemas.openxmlformats.org/officeDocument/2006/relationships" xmlns:p="http://schemas.openxmlformats.org/presentationml/2006/main" showSpecialPlsOnTitleSld="0" saveSubsetFonts="1" autoCompressPictures="0">
   <p:sldMasterIdLst>
     <p:sldMasterId id="2147483648" r:id="rId1"/>
     <p:sldMasterId id="2147483665" r:id="rId2"/>
@@ -8,14 +8,24 @@
     <p:sldMasterId id="2147483667" r:id="rId4"/>
   </p:sldMasterIdLst>
   <p:notesMasterIdLst>
-    <p:notesMasterId r:id="rId10"/>
+    <p:notesMasterId r:id="rId20"/>
   </p:notesMasterIdLst>
   <p:sldIdLst>
     <p:sldId id="273" r:id="rId5"/>
     <p:sldId id="268" r:id="rId6"/>
     <p:sldId id="274" r:id="rId7"/>
-    <p:sldId id="269" r:id="rId8"/>
-    <p:sldId id="270" r:id="rId9"/>
+    <p:sldId id="280" r:id="rId8"/>
+    <p:sldId id="275" r:id="rId9"/>
+    <p:sldId id="276" r:id="rId10"/>
+    <p:sldId id="277" r:id="rId11"/>
+    <p:sldId id="278" r:id="rId12"/>
+    <p:sldId id="279" r:id="rId13"/>
+    <p:sldId id="281" r:id="rId14"/>
+    <p:sldId id="282" r:id="rId15"/>
+    <p:sldId id="283" r:id="rId16"/>
+    <p:sldId id="284" r:id="rId17"/>
+    <p:sldId id="285" r:id="rId18"/>
+    <p:sldId id="286" r:id="rId19"/>
   </p:sldIdLst>
   <p:sldSz cx="12192000" cy="6858000"/>
   <p:notesSz cx="6858000" cy="9144000"/>
@@ -2801,7 +2811,7 @@
             <a:fld id="{1E11B3E1-2F11-664F-BDDB-AEF17C1F15BA}" type="datetimeFigureOut">
               <a:rPr lang="de-DE" smtClean="0"/>
               <a:pPr/>
-              <a:t>25.11.2020</a:t>
+              <a:t>03.12.2020</a:t>
             </a:fld>
             <a:endParaRPr lang="de-DE" dirty="0"/>
           </a:p>
@@ -3411,7 +3421,7 @@
             <a:spLocks noGrp="1"/>
           </p:cNvSpPr>
           <p:nvPr>
-            <p:ph type="body" sz="quarter" idx="10" hasCustomPrompt="1"/>
+            <p:ph type="body" sz="quarter" idx="10"/>
           </p:nvPr>
         </p:nvSpPr>
         <p:spPr>
@@ -3494,16 +3504,7 @@
             </a:lvl5pPr>
           </a:lstStyle>
           <a:p>
-            <a:r>
-              <a:rPr lang="de-DE" dirty="0"/>
-              <a:t>Überschrift</a:t>
-            </a:r>
-          </a:p>
-          <a:p>
-            <a:r>
-              <a:rPr lang="de-DE" dirty="0"/>
-              <a:t>ggf. Zweizeiler</a:t>
-            </a:r>
+            <a:endParaRPr lang="de-DE" dirty="0"/>
           </a:p>
         </p:txBody>
       </p:sp>
@@ -4311,8 +4312,9 @@
           <a:p>
             <a:r>
               <a:rPr lang="de-DE" dirty="0"/>
-              <a:t>Hochschule Wismar \ Fakultät für Ingenieurwissenschaften \ Bereich .... </a:t>
-            </a:r>
+              <a:t>Bachelor IT-Forensik</a:t>
+            </a:r>
+            <a:endParaRPr lang="en-GB" dirty="0"/>
           </a:p>
         </p:txBody>
       </p:sp>
@@ -39279,6 +39281,7 @@
   <p:sldLayoutIdLst>
     <p:sldLayoutId id="2147483650" r:id="rId1"/>
   </p:sldLayoutIdLst>
+  <p:hf sldNum="0" hdr="0" dt="0"/>
   <p:txStyles>
     <p:titleStyle>
       <a:lvl1pPr algn="l" defTabSz="914400" rtl="0" eaLnBrk="1" latinLnBrk="0" hangingPunct="1">
@@ -39628,6 +39631,7 @@
   <p:sldLayoutIdLst>
     <p:sldLayoutId id="2147483666" r:id="rId1"/>
   </p:sldLayoutIdLst>
+  <p:hf sldNum="0" hdr="0" dt="0"/>
   <p:txStyles>
     <p:titleStyle>
       <a:lvl1pPr algn="l" defTabSz="914400" rtl="0" eaLnBrk="1" latinLnBrk="0" hangingPunct="1">
@@ -39977,6 +39981,7 @@
   <p:sldLayoutIdLst>
     <p:sldLayoutId id="2147483664" r:id="rId1"/>
   </p:sldLayoutIdLst>
+  <p:hf sldNum="0" hdr="0" dt="0"/>
   <p:txStyles>
     <p:titleStyle>
       <a:lvl1pPr algn="l" defTabSz="914400" rtl="0" eaLnBrk="1" latinLnBrk="0" hangingPunct="1">
@@ -40326,6 +40331,7 @@
   <p:sldLayoutIdLst>
     <p:sldLayoutId id="2147483668" r:id="rId1"/>
   </p:sldLayoutIdLst>
+  <p:hf sldNum="0" hdr="0" dt="0"/>
   <p:txStyles>
     <p:titleStyle>
       <a:lvl1pPr algn="l" defTabSz="914400" rtl="0" eaLnBrk="1" latinLnBrk="0" hangingPunct="1">
@@ -40648,10 +40654,23 @@
           </a:p>
           <a:p>
             <a:r>
-              <a:rPr lang="de-DE"/>
+              <a:rPr lang="de-DE" dirty="0"/>
+              <a:t>Die Veränderung der Rahmenbedingung („</a:t>
+            </a:r>
+            <a:r>
+              <a:rPr lang="de-DE" dirty="0" err="1"/>
+              <a:t>Cheaten</a:t>
+            </a:r>
+            <a:r>
+              <a:rPr lang="de-DE" dirty="0"/>
+              <a:t>“)</a:t>
+            </a:r>
+          </a:p>
+          <a:p>
+            <a:r>
+              <a:rPr lang="de-DE" dirty="0"/>
               <a:t>Charlies Geschichte</a:t>
             </a:r>
-            <a:endParaRPr lang="de-DE" dirty="0"/>
           </a:p>
         </p:txBody>
       </p:sp>
@@ -40739,6 +40758,1548 @@
     <p:extLst>
       <p:ext uri="{BB962C8B-B14F-4D97-AF65-F5344CB8AC3E}">
         <p14:creationId xmlns:p14="http://schemas.microsoft.com/office/powerpoint/2010/main" val="272243121"/>
+      </p:ext>
+    </p:extLst>
+  </p:cSld>
+  <p:clrMapOvr>
+    <a:masterClrMapping/>
+  </p:clrMapOvr>
+</p:sld>
+</file>
+
+<file path=ppt/slides/slide10.xml><?xml version="1.0" encoding="utf-8"?>
+<p:sld xmlns:a="http://schemas.openxmlformats.org/drawingml/2006/main" xmlns:r="http://schemas.openxmlformats.org/officeDocument/2006/relationships" xmlns:p="http://schemas.openxmlformats.org/presentationml/2006/main">
+  <p:cSld>
+    <p:spTree>
+      <p:nvGrpSpPr>
+        <p:cNvPr id="1" name=""/>
+        <p:cNvGrpSpPr/>
+        <p:nvPr/>
+      </p:nvGrpSpPr>
+      <p:grpSpPr>
+        <a:xfrm>
+          <a:off x="0" y="0"/>
+          <a:ext cx="0" cy="0"/>
+          <a:chOff x="0" y="0"/>
+          <a:chExt cx="0" cy="0"/>
+        </a:xfrm>
+      </p:grpSpPr>
+      <p:sp>
+        <p:nvSpPr>
+          <p:cNvPr id="2" name="Textplatzhalter 1">
+            <a:extLst>
+              <a:ext uri="{FF2B5EF4-FFF2-40B4-BE49-F238E27FC236}">
+                <a16:creationId xmlns:a16="http://schemas.microsoft.com/office/drawing/2014/main" id="{58043257-AFBB-40AA-AEDE-D92257657C6D}"/>
+              </a:ext>
+            </a:extLst>
+          </p:cNvPr>
+          <p:cNvSpPr>
+            <a:spLocks noGrp="1"/>
+          </p:cNvSpPr>
+          <p:nvPr>
+            <p:ph type="body" sz="quarter" idx="10"/>
+          </p:nvPr>
+        </p:nvSpPr>
+        <p:spPr/>
+        <p:txBody>
+          <a:bodyPr/>
+          <a:lstStyle/>
+          <a:p>
+            <a:r>
+              <a:rPr lang="de-DE" dirty="0"/>
+              <a:t>Charlie nutzt seine Einhornmagie am See</a:t>
+            </a:r>
+          </a:p>
+          <a:p>
+            <a:endParaRPr lang="en-GB" dirty="0"/>
+          </a:p>
+        </p:txBody>
+      </p:sp>
+      <p:sp>
+        <p:nvSpPr>
+          <p:cNvPr id="3" name="Textplatzhalter 2">
+            <a:extLst>
+              <a:ext uri="{FF2B5EF4-FFF2-40B4-BE49-F238E27FC236}">
+                <a16:creationId xmlns:a16="http://schemas.microsoft.com/office/drawing/2014/main" id="{0C186C55-5A4B-414D-B2A6-B8EE432F3E02}"/>
+              </a:ext>
+            </a:extLst>
+          </p:cNvPr>
+          <p:cNvSpPr>
+            <a:spLocks noGrp="1"/>
+          </p:cNvSpPr>
+          <p:nvPr>
+            <p:ph type="body" sz="quarter" idx="11"/>
+          </p:nvPr>
+        </p:nvSpPr>
+        <p:spPr/>
+        <p:txBody>
+          <a:bodyPr/>
+          <a:lstStyle/>
+          <a:p>
+            <a:r>
+              <a:rPr lang="de-DE" dirty="0"/>
+              <a:t>Eine Caesar Verschlüsselung</a:t>
+            </a:r>
+          </a:p>
+          <a:p>
+            <a:endParaRPr lang="de-DE" dirty="0"/>
+          </a:p>
+          <a:p>
+            <a:r>
+              <a:rPr lang="de-DE" dirty="0"/>
+              <a:t>Verschiedene Wege führen nach Rom und unser Algorithmus</a:t>
+            </a:r>
+            <a:br>
+              <a:rPr lang="de-DE" dirty="0"/>
+            </a:br>
+            <a:r>
+              <a:rPr lang="de-DE" dirty="0"/>
+              <a:t>sogar auch.</a:t>
+            </a:r>
+          </a:p>
+          <a:p>
+            <a:endParaRPr lang="de-DE" dirty="0"/>
+          </a:p>
+          <a:p>
+            <a:r>
+              <a:rPr lang="de-DE" dirty="0"/>
+              <a:t>Unser Gedanke dabei:</a:t>
+            </a:r>
+          </a:p>
+          <a:p>
+            <a:r>
+              <a:rPr lang="de-DE" dirty="0"/>
+              <a:t>Nutzung der Funktion zur Verschlüsselung zum Entschlüsseln.</a:t>
+            </a:r>
+          </a:p>
+          <a:p>
+            <a:r>
+              <a:rPr lang="de-DE" dirty="0"/>
+              <a:t>Und mal ein iterativer Algorithmus.</a:t>
+            </a:r>
+          </a:p>
+          <a:p>
+            <a:endParaRPr lang="de-DE" dirty="0"/>
+          </a:p>
+          <a:p>
+            <a:endParaRPr lang="de-DE" dirty="0"/>
+          </a:p>
+          <a:p>
+            <a:endParaRPr lang="en-GB" dirty="0"/>
+          </a:p>
+        </p:txBody>
+      </p:sp>
+      <p:sp>
+        <p:nvSpPr>
+          <p:cNvPr id="4" name="Textplatzhalter 3">
+            <a:extLst>
+              <a:ext uri="{FF2B5EF4-FFF2-40B4-BE49-F238E27FC236}">
+                <a16:creationId xmlns:a16="http://schemas.microsoft.com/office/drawing/2014/main" id="{EBAFF6B2-09B3-4C1C-BDB7-1A33FDA0991A}"/>
+              </a:ext>
+            </a:extLst>
+          </p:cNvPr>
+          <p:cNvSpPr>
+            <a:spLocks noGrp="1"/>
+          </p:cNvSpPr>
+          <p:nvPr>
+            <p:ph type="body" sz="quarter" idx="12"/>
+          </p:nvPr>
+        </p:nvSpPr>
+        <p:spPr/>
+        <p:txBody>
+          <a:bodyPr/>
+          <a:lstStyle/>
+          <a:p>
+            <a:endParaRPr lang="en-GB" dirty="0"/>
+          </a:p>
+        </p:txBody>
+      </p:sp>
+      <p:pic>
+        <p:nvPicPr>
+          <p:cNvPr id="4098" name="Picture 2" descr="Bildergebnis für caesar comic haudraufwienix">
+            <a:extLst>
+              <a:ext uri="{FF2B5EF4-FFF2-40B4-BE49-F238E27FC236}">
+                <a16:creationId xmlns:a16="http://schemas.microsoft.com/office/drawing/2014/main" id="{3DCF2824-B683-4676-9C40-92E74CC87A77}"/>
+              </a:ext>
+            </a:extLst>
+          </p:cNvPr>
+          <p:cNvPicPr>
+            <a:picLocks noChangeAspect="1" noChangeArrowheads="1"/>
+          </p:cNvPicPr>
+          <p:nvPr/>
+        </p:nvPicPr>
+        <p:blipFill>
+          <a:blip r:embed="rId2">
+            <a:extLst>
+              <a:ext uri="{28A0092B-C50C-407E-A947-70E740481C1C}">
+                <a14:useLocalDpi xmlns:a14="http://schemas.microsoft.com/office/drawing/2010/main" val="0"/>
+              </a:ext>
+            </a:extLst>
+          </a:blip>
+          <a:srcRect/>
+          <a:stretch>
+            <a:fillRect/>
+          </a:stretch>
+        </p:blipFill>
+        <p:spPr bwMode="auto">
+          <a:xfrm>
+            <a:off x="9811650" y="2197275"/>
+            <a:ext cx="1581150" cy="2762250"/>
+          </a:xfrm>
+          <a:prstGeom prst="rect">
+            <a:avLst/>
+          </a:prstGeom>
+          <a:noFill/>
+          <a:extLst>
+            <a:ext uri="{909E8E84-426E-40DD-AFC4-6F175D3DCCD1}">
+              <a14:hiddenFill xmlns:a14="http://schemas.microsoft.com/office/drawing/2010/main">
+                <a:solidFill>
+                  <a:srgbClr val="FFFFFF"/>
+                </a:solidFill>
+              </a14:hiddenFill>
+            </a:ext>
+          </a:extLst>
+        </p:spPr>
+      </p:pic>
+    </p:spTree>
+    <p:extLst>
+      <p:ext uri="{BB962C8B-B14F-4D97-AF65-F5344CB8AC3E}">
+        <p14:creationId xmlns:p14="http://schemas.microsoft.com/office/powerpoint/2010/main" val="3420700824"/>
+      </p:ext>
+    </p:extLst>
+  </p:cSld>
+  <p:clrMapOvr>
+    <a:masterClrMapping/>
+  </p:clrMapOvr>
+</p:sld>
+</file>
+
+<file path=ppt/slides/slide11.xml><?xml version="1.0" encoding="utf-8"?>
+<p:sld xmlns:a="http://schemas.openxmlformats.org/drawingml/2006/main" xmlns:r="http://schemas.openxmlformats.org/officeDocument/2006/relationships" xmlns:p="http://schemas.openxmlformats.org/presentationml/2006/main">
+  <p:cSld>
+    <p:spTree>
+      <p:nvGrpSpPr>
+        <p:cNvPr id="1" name=""/>
+        <p:cNvGrpSpPr/>
+        <p:nvPr/>
+      </p:nvGrpSpPr>
+      <p:grpSpPr>
+        <a:xfrm>
+          <a:off x="0" y="0"/>
+          <a:ext cx="0" cy="0"/>
+          <a:chOff x="0" y="0"/>
+          <a:chExt cx="0" cy="0"/>
+        </a:xfrm>
+      </p:grpSpPr>
+      <p:sp>
+        <p:nvSpPr>
+          <p:cNvPr id="2" name="Textplatzhalter 1">
+            <a:extLst>
+              <a:ext uri="{FF2B5EF4-FFF2-40B4-BE49-F238E27FC236}">
+                <a16:creationId xmlns:a16="http://schemas.microsoft.com/office/drawing/2014/main" id="{FC022BCC-A381-460E-896A-3D68C560DEBD}"/>
+              </a:ext>
+            </a:extLst>
+          </p:cNvPr>
+          <p:cNvSpPr>
+            <a:spLocks noGrp="1"/>
+          </p:cNvSpPr>
+          <p:nvPr>
+            <p:ph type="body" sz="quarter" idx="10"/>
+          </p:nvPr>
+        </p:nvSpPr>
+        <p:spPr/>
+        <p:txBody>
+          <a:bodyPr/>
+          <a:lstStyle/>
+          <a:p>
+            <a:r>
+              <a:rPr lang="de-DE" dirty="0"/>
+              <a:t>Das Kaninchen und der Laptop</a:t>
+            </a:r>
+          </a:p>
+          <a:p>
+            <a:endParaRPr lang="en-GB" dirty="0"/>
+          </a:p>
+        </p:txBody>
+      </p:sp>
+      <p:sp>
+        <p:nvSpPr>
+          <p:cNvPr id="3" name="Textplatzhalter 2">
+            <a:extLst>
+              <a:ext uri="{FF2B5EF4-FFF2-40B4-BE49-F238E27FC236}">
+                <a16:creationId xmlns:a16="http://schemas.microsoft.com/office/drawing/2014/main" id="{E3D15129-2BF3-4A3F-B14F-2DB916FD3C99}"/>
+              </a:ext>
+            </a:extLst>
+          </p:cNvPr>
+          <p:cNvSpPr>
+            <a:spLocks noGrp="1"/>
+          </p:cNvSpPr>
+          <p:nvPr>
+            <p:ph type="body" sz="quarter" idx="11"/>
+          </p:nvPr>
+        </p:nvSpPr>
+        <p:spPr/>
+        <p:txBody>
+          <a:bodyPr/>
+          <a:lstStyle/>
+          <a:p>
+            <a:r>
+              <a:rPr lang="de-DE" dirty="0"/>
+              <a:t>Das Uppercase-Problem</a:t>
+            </a:r>
+          </a:p>
+          <a:p>
+            <a:r>
+              <a:rPr lang="de-DE" dirty="0"/>
+              <a:t>Es gibt natürlich eine Einfache Lösung: &lt;string&gt;.lower()</a:t>
+            </a:r>
+          </a:p>
+          <a:p>
+            <a:endParaRPr lang="de-DE" dirty="0"/>
+          </a:p>
+          <a:p>
+            <a:r>
+              <a:rPr lang="de-DE" dirty="0"/>
+              <a:t>Aber eine andere Wahl wäre ebenso denkbar:</a:t>
+            </a:r>
+          </a:p>
+          <a:p>
+            <a:r>
+              <a:rPr lang="de-DE" dirty="0"/>
+              <a:t>Großbuchstaben sind im ASCII-Bereich 65</a:t>
+            </a:r>
+            <a:r>
+              <a:rPr lang="de-DE" baseline="-25000" dirty="0"/>
+              <a:t>10</a:t>
+            </a:r>
+            <a:r>
+              <a:rPr lang="de-DE" dirty="0"/>
+              <a:t> bis 90</a:t>
+            </a:r>
+            <a:r>
+              <a:rPr lang="de-DE" baseline="-25000" dirty="0"/>
+              <a:t>10</a:t>
+            </a:r>
+          </a:p>
+          <a:p>
+            <a:r>
+              <a:rPr lang="de-DE" dirty="0"/>
+              <a:t>Eine Iteration über jeden Buchstaben mit einer Addition</a:t>
+            </a:r>
+            <a:br>
+              <a:rPr lang="de-DE" dirty="0"/>
+            </a:br>
+            <a:r>
+              <a:rPr lang="de-DE" dirty="0"/>
+              <a:t>des ASCII Codes in Dezimaldarstellung mit 32</a:t>
+            </a:r>
+            <a:r>
+              <a:rPr lang="de-DE" baseline="-25000" dirty="0"/>
+              <a:t>10</a:t>
+            </a:r>
+          </a:p>
+          <a:p>
+            <a:endParaRPr lang="en-GB" dirty="0"/>
+          </a:p>
+          <a:p>
+            <a:r>
+              <a:rPr lang="de-DE" dirty="0"/>
+              <a:t>Verschiedene Möglichkeiten der Iteration über den Text</a:t>
+            </a:r>
+          </a:p>
+        </p:txBody>
+      </p:sp>
+      <p:sp>
+        <p:nvSpPr>
+          <p:cNvPr id="4" name="Textplatzhalter 3">
+            <a:extLst>
+              <a:ext uri="{FF2B5EF4-FFF2-40B4-BE49-F238E27FC236}">
+                <a16:creationId xmlns:a16="http://schemas.microsoft.com/office/drawing/2014/main" id="{AF59692B-C93F-4BA3-B269-1AC66ABE0E32}"/>
+              </a:ext>
+            </a:extLst>
+          </p:cNvPr>
+          <p:cNvSpPr>
+            <a:spLocks noGrp="1"/>
+          </p:cNvSpPr>
+          <p:nvPr>
+            <p:ph type="body" sz="quarter" idx="12"/>
+          </p:nvPr>
+        </p:nvSpPr>
+        <p:spPr/>
+        <p:txBody>
+          <a:bodyPr/>
+          <a:lstStyle/>
+          <a:p>
+            <a:endParaRPr lang="en-GB" dirty="0"/>
+          </a:p>
+        </p:txBody>
+      </p:sp>
+      <p:pic>
+        <p:nvPicPr>
+          <p:cNvPr id="3074" name="Picture 2" descr="Bildergebnis für ascii tabelle">
+            <a:extLst>
+              <a:ext uri="{FF2B5EF4-FFF2-40B4-BE49-F238E27FC236}">
+                <a16:creationId xmlns:a16="http://schemas.microsoft.com/office/drawing/2014/main" id="{4E4A6867-2E44-4964-AADC-A67123411281}"/>
+              </a:ext>
+            </a:extLst>
+          </p:cNvPr>
+          <p:cNvPicPr>
+            <a:picLocks noChangeAspect="1" noChangeArrowheads="1"/>
+          </p:cNvPicPr>
+          <p:nvPr/>
+        </p:nvPicPr>
+        <p:blipFill>
+          <a:blip r:embed="rId2">
+            <a:extLst>
+              <a:ext uri="{28A0092B-C50C-407E-A947-70E740481C1C}">
+                <a14:useLocalDpi xmlns:a14="http://schemas.microsoft.com/office/drawing/2010/main" val="0"/>
+              </a:ext>
+            </a:extLst>
+          </a:blip>
+          <a:srcRect/>
+          <a:stretch>
+            <a:fillRect/>
+          </a:stretch>
+        </p:blipFill>
+        <p:spPr bwMode="auto">
+          <a:xfrm>
+            <a:off x="8963925" y="3429000"/>
+            <a:ext cx="2428875" cy="1714500"/>
+          </a:xfrm>
+          <a:prstGeom prst="rect">
+            <a:avLst/>
+          </a:prstGeom>
+          <a:noFill/>
+          <a:extLst>
+            <a:ext uri="{909E8E84-426E-40DD-AFC4-6F175D3DCCD1}">
+              <a14:hiddenFill xmlns:a14="http://schemas.microsoft.com/office/drawing/2010/main">
+                <a:solidFill>
+                  <a:srgbClr val="FFFFFF"/>
+                </a:solidFill>
+              </a14:hiddenFill>
+            </a:ext>
+          </a:extLst>
+        </p:spPr>
+      </p:pic>
+    </p:spTree>
+    <p:extLst>
+      <p:ext uri="{BB962C8B-B14F-4D97-AF65-F5344CB8AC3E}">
+        <p14:creationId xmlns:p14="http://schemas.microsoft.com/office/powerpoint/2010/main" val="2275816282"/>
+      </p:ext>
+    </p:extLst>
+  </p:cSld>
+  <p:clrMapOvr>
+    <a:masterClrMapping/>
+  </p:clrMapOvr>
+</p:sld>
+</file>
+
+<file path=ppt/slides/slide12.xml><?xml version="1.0" encoding="utf-8"?>
+<p:sld xmlns:a="http://schemas.openxmlformats.org/drawingml/2006/main" xmlns:r="http://schemas.openxmlformats.org/officeDocument/2006/relationships" xmlns:p="http://schemas.openxmlformats.org/presentationml/2006/main">
+  <p:cSld>
+    <p:spTree>
+      <p:nvGrpSpPr>
+        <p:cNvPr id="1" name=""/>
+        <p:cNvGrpSpPr/>
+        <p:nvPr/>
+      </p:nvGrpSpPr>
+      <p:grpSpPr>
+        <a:xfrm>
+          <a:off x="0" y="0"/>
+          <a:ext cx="0" cy="0"/>
+          <a:chOff x="0" y="0"/>
+          <a:chExt cx="0" cy="0"/>
+        </a:xfrm>
+      </p:grpSpPr>
+      <p:sp>
+        <p:nvSpPr>
+          <p:cNvPr id="2" name="Textplatzhalter 1">
+            <a:extLst>
+              <a:ext uri="{FF2B5EF4-FFF2-40B4-BE49-F238E27FC236}">
+                <a16:creationId xmlns:a16="http://schemas.microsoft.com/office/drawing/2014/main" id="{3F4D9FA4-F561-4ECB-BE7E-FF96E398E65C}"/>
+              </a:ext>
+            </a:extLst>
+          </p:cNvPr>
+          <p:cNvSpPr>
+            <a:spLocks noGrp="1"/>
+          </p:cNvSpPr>
+          <p:nvPr>
+            <p:ph type="body" sz="quarter" idx="10"/>
+          </p:nvPr>
+        </p:nvSpPr>
+        <p:spPr/>
+        <p:txBody>
+          <a:bodyPr/>
+          <a:lstStyle/>
+          <a:p>
+            <a:r>
+              <a:rPr lang="de-DE" dirty="0"/>
+              <a:t>Die hilfsbereite Eule</a:t>
+            </a:r>
+          </a:p>
+          <a:p>
+            <a:endParaRPr lang="en-GB" dirty="0"/>
+          </a:p>
+        </p:txBody>
+      </p:sp>
+      <p:sp>
+        <p:nvSpPr>
+          <p:cNvPr id="3" name="Textplatzhalter 2">
+            <a:extLst>
+              <a:ext uri="{FF2B5EF4-FFF2-40B4-BE49-F238E27FC236}">
+                <a16:creationId xmlns:a16="http://schemas.microsoft.com/office/drawing/2014/main" id="{C9ED46A1-7329-4E7B-8784-7B50B9C78939}"/>
+              </a:ext>
+            </a:extLst>
+          </p:cNvPr>
+          <p:cNvSpPr>
+            <a:spLocks noGrp="1"/>
+          </p:cNvSpPr>
+          <p:nvPr>
+            <p:ph type="body" sz="quarter" idx="11"/>
+          </p:nvPr>
+        </p:nvSpPr>
+        <p:spPr/>
+        <p:txBody>
+          <a:bodyPr/>
+          <a:lstStyle/>
+          <a:p>
+            <a:r>
+              <a:rPr lang="de-DE" dirty="0"/>
+              <a:t>Die Anzahl der Kombinationen (nicht Variation)</a:t>
+            </a:r>
+          </a:p>
+          <a:p>
+            <a:endParaRPr lang="de-DE" dirty="0"/>
+          </a:p>
+          <a:p>
+            <a:r>
+              <a:rPr lang="de-DE" dirty="0"/>
+              <a:t>Es ist in dem Fall wichtig zu verstehen, was eine Kombination ist. Auch haben wir uns hier für einen rekursiven Algorithmus entschieden. Etwas Ausprobieren haben wir aber übergelassen: mit oder ohne „Zurücklegen“.</a:t>
+            </a:r>
+          </a:p>
+          <a:p>
+            <a:endParaRPr lang="de-DE" dirty="0"/>
+          </a:p>
+          <a:p>
+            <a:r>
+              <a:rPr lang="de-DE" dirty="0"/>
+              <a:t>Zum Vergleich haben wir ebenfalls das Codebeispiel für die Variation hinzugefügt.</a:t>
+            </a:r>
+          </a:p>
+        </p:txBody>
+      </p:sp>
+      <p:sp>
+        <p:nvSpPr>
+          <p:cNvPr id="4" name="Textplatzhalter 3">
+            <a:extLst>
+              <a:ext uri="{FF2B5EF4-FFF2-40B4-BE49-F238E27FC236}">
+                <a16:creationId xmlns:a16="http://schemas.microsoft.com/office/drawing/2014/main" id="{DCCF3AE4-7EE6-465D-BCBC-4B8F6C75DCA2}"/>
+              </a:ext>
+            </a:extLst>
+          </p:cNvPr>
+          <p:cNvSpPr>
+            <a:spLocks noGrp="1"/>
+          </p:cNvSpPr>
+          <p:nvPr>
+            <p:ph type="body" sz="quarter" idx="12"/>
+          </p:nvPr>
+        </p:nvSpPr>
+        <p:spPr/>
+        <p:txBody>
+          <a:bodyPr/>
+          <a:lstStyle/>
+          <a:p>
+            <a:endParaRPr lang="en-GB" dirty="0"/>
+          </a:p>
+        </p:txBody>
+      </p:sp>
+    </p:spTree>
+    <p:extLst>
+      <p:ext uri="{BB962C8B-B14F-4D97-AF65-F5344CB8AC3E}">
+        <p14:creationId xmlns:p14="http://schemas.microsoft.com/office/powerpoint/2010/main" val="4268626703"/>
+      </p:ext>
+    </p:extLst>
+  </p:cSld>
+  <p:clrMapOvr>
+    <a:masterClrMapping/>
+  </p:clrMapOvr>
+</p:sld>
+</file>
+
+<file path=ppt/slides/slide13.xml><?xml version="1.0" encoding="utf-8"?>
+<p:sld xmlns:a="http://schemas.openxmlformats.org/drawingml/2006/main" xmlns:r="http://schemas.openxmlformats.org/officeDocument/2006/relationships" xmlns:p="http://schemas.openxmlformats.org/presentationml/2006/main">
+  <p:cSld>
+    <p:spTree>
+      <p:nvGrpSpPr>
+        <p:cNvPr id="1" name=""/>
+        <p:cNvGrpSpPr/>
+        <p:nvPr/>
+      </p:nvGrpSpPr>
+      <p:grpSpPr>
+        <a:xfrm>
+          <a:off x="0" y="0"/>
+          <a:ext cx="0" cy="0"/>
+          <a:chOff x="0" y="0"/>
+          <a:chExt cx="0" cy="0"/>
+        </a:xfrm>
+      </p:grpSpPr>
+      <p:sp>
+        <p:nvSpPr>
+          <p:cNvPr id="2" name="Textplatzhalter 1">
+            <a:extLst>
+              <a:ext uri="{FF2B5EF4-FFF2-40B4-BE49-F238E27FC236}">
+                <a16:creationId xmlns:a16="http://schemas.microsoft.com/office/drawing/2014/main" id="{A15E5244-C4E0-4204-BC56-C5BB1EEB3831}"/>
+              </a:ext>
+            </a:extLst>
+          </p:cNvPr>
+          <p:cNvSpPr>
+            <a:spLocks noGrp="1"/>
+          </p:cNvSpPr>
+          <p:nvPr>
+            <p:ph type="body" sz="quarter" idx="10"/>
+          </p:nvPr>
+        </p:nvSpPr>
+        <p:spPr/>
+        <p:txBody>
+          <a:bodyPr/>
+          <a:lstStyle/>
+          <a:p>
+            <a:r>
+              <a:rPr lang="de-DE" dirty="0"/>
+              <a:t>Charlie an den Steilklippen</a:t>
+            </a:r>
+          </a:p>
+          <a:p>
+            <a:endParaRPr lang="en-GB" dirty="0"/>
+          </a:p>
+        </p:txBody>
+      </p:sp>
+      <p:sp>
+        <p:nvSpPr>
+          <p:cNvPr id="3" name="Textplatzhalter 2">
+            <a:extLst>
+              <a:ext uri="{FF2B5EF4-FFF2-40B4-BE49-F238E27FC236}">
+                <a16:creationId xmlns:a16="http://schemas.microsoft.com/office/drawing/2014/main" id="{6AC353D0-78E3-4F17-810D-2E31B09707A2}"/>
+              </a:ext>
+            </a:extLst>
+          </p:cNvPr>
+          <p:cNvSpPr>
+            <a:spLocks noGrp="1"/>
+          </p:cNvSpPr>
+          <p:nvPr>
+            <p:ph type="body" sz="quarter" idx="11"/>
+          </p:nvPr>
+        </p:nvSpPr>
+        <p:spPr/>
+        <p:txBody>
+          <a:bodyPr/>
+          <a:lstStyle/>
+          <a:p>
+            <a:pPr algn="ctr"/>
+            <a:r>
+              <a:rPr lang="de-DE" dirty="0"/>
+              <a:t>Ein Ergebnis ohne Vokale</a:t>
+            </a:r>
+          </a:p>
+          <a:p>
+            <a:pPr algn="ctr"/>
+            <a:r>
+              <a:rPr lang="de-DE" dirty="0"/>
+              <a:t>oder auch</a:t>
+            </a:r>
+          </a:p>
+          <a:p>
+            <a:pPr algn="ctr"/>
+            <a:r>
+              <a:rPr lang="de-DE" dirty="0"/>
+              <a:t>n rgbns hn Vkl</a:t>
+            </a:r>
+          </a:p>
+          <a:p>
+            <a:endParaRPr lang="de-DE" dirty="0"/>
+          </a:p>
+          <a:p>
+            <a:r>
+              <a:rPr lang="de-DE" dirty="0"/>
+              <a:t>Andere Möglichkeiten wäre eine Substitution des Strings mit einer RegEx gewesen. In dem Fall wäre der ersetzende Wert ein Vokal und der ersetzende Wert leer gewesen.</a:t>
+            </a:r>
+          </a:p>
+          <a:p>
+            <a:endParaRPr lang="de-DE" dirty="0"/>
+          </a:p>
+          <a:p>
+            <a:r>
+              <a:rPr lang="de-DE" dirty="0"/>
+              <a:t>Aber ein Einhorn liebte:</a:t>
+            </a:r>
+          </a:p>
+          <a:p>
+            <a:endParaRPr lang="en-GB" dirty="0"/>
+          </a:p>
+        </p:txBody>
+      </p:sp>
+      <p:sp>
+        <p:nvSpPr>
+          <p:cNvPr id="4" name="Textplatzhalter 3">
+            <a:extLst>
+              <a:ext uri="{FF2B5EF4-FFF2-40B4-BE49-F238E27FC236}">
+                <a16:creationId xmlns:a16="http://schemas.microsoft.com/office/drawing/2014/main" id="{BEE5E84C-4E42-4FF9-82FC-70EEDFB026F5}"/>
+              </a:ext>
+            </a:extLst>
+          </p:cNvPr>
+          <p:cNvSpPr>
+            <a:spLocks noGrp="1"/>
+          </p:cNvSpPr>
+          <p:nvPr>
+            <p:ph type="body" sz="quarter" idx="12"/>
+          </p:nvPr>
+        </p:nvSpPr>
+        <p:spPr/>
+        <p:txBody>
+          <a:bodyPr/>
+          <a:lstStyle/>
+          <a:p>
+            <a:endParaRPr lang="en-GB" dirty="0"/>
+          </a:p>
+        </p:txBody>
+      </p:sp>
+      <p:pic>
+        <p:nvPicPr>
+          <p:cNvPr id="6146" name="Picture 2" descr="Bildergebnis für schleife comic">
+            <a:extLst>
+              <a:ext uri="{FF2B5EF4-FFF2-40B4-BE49-F238E27FC236}">
+                <a16:creationId xmlns:a16="http://schemas.microsoft.com/office/drawing/2014/main" id="{BD755EF0-DE99-4C1C-8BBD-B006D4EF2398}"/>
+              </a:ext>
+            </a:extLst>
+          </p:cNvPr>
+          <p:cNvPicPr>
+            <a:picLocks noChangeAspect="1" noChangeArrowheads="1"/>
+          </p:cNvPicPr>
+          <p:nvPr/>
+        </p:nvPicPr>
+        <p:blipFill>
+          <a:blip r:embed="rId2">
+            <a:extLst>
+              <a:ext uri="{28A0092B-C50C-407E-A947-70E740481C1C}">
+                <a14:useLocalDpi xmlns:a14="http://schemas.microsoft.com/office/drawing/2010/main" val="0"/>
+              </a:ext>
+            </a:extLst>
+          </a:blip>
+          <a:srcRect/>
+          <a:stretch>
+            <a:fillRect/>
+          </a:stretch>
+        </p:blipFill>
+        <p:spPr bwMode="auto">
+          <a:xfrm>
+            <a:off x="4218002" y="4402800"/>
+            <a:ext cx="1109007" cy="1272440"/>
+          </a:xfrm>
+          <a:prstGeom prst="rect">
+            <a:avLst/>
+          </a:prstGeom>
+          <a:noFill/>
+          <a:extLst>
+            <a:ext uri="{909E8E84-426E-40DD-AFC4-6F175D3DCCD1}">
+              <a14:hiddenFill xmlns:a14="http://schemas.microsoft.com/office/drawing/2010/main">
+                <a:solidFill>
+                  <a:srgbClr val="FFFFFF"/>
+                </a:solidFill>
+              </a14:hiddenFill>
+            </a:ext>
+          </a:extLst>
+        </p:spPr>
+      </p:pic>
+      <p:pic>
+        <p:nvPicPr>
+          <p:cNvPr id="8" name="Picture 2" descr="Bildergebnis für schleife comic">
+            <a:extLst>
+              <a:ext uri="{FF2B5EF4-FFF2-40B4-BE49-F238E27FC236}">
+                <a16:creationId xmlns:a16="http://schemas.microsoft.com/office/drawing/2014/main" id="{B978A6C1-AE45-4987-9913-702E650E1E2D}"/>
+              </a:ext>
+            </a:extLst>
+          </p:cNvPr>
+          <p:cNvPicPr>
+            <a:picLocks noChangeAspect="1" noChangeArrowheads="1"/>
+          </p:cNvPicPr>
+          <p:nvPr/>
+        </p:nvPicPr>
+        <p:blipFill>
+          <a:blip r:embed="rId2">
+            <a:extLst>
+              <a:ext uri="{28A0092B-C50C-407E-A947-70E740481C1C}">
+                <a14:useLocalDpi xmlns:a14="http://schemas.microsoft.com/office/drawing/2010/main" val="0"/>
+              </a:ext>
+            </a:extLst>
+          </a:blip>
+          <a:srcRect/>
+          <a:stretch>
+            <a:fillRect/>
+          </a:stretch>
+        </p:blipFill>
+        <p:spPr bwMode="auto">
+          <a:xfrm>
+            <a:off x="5327009" y="4402800"/>
+            <a:ext cx="1109007" cy="1272440"/>
+          </a:xfrm>
+          <a:prstGeom prst="rect">
+            <a:avLst/>
+          </a:prstGeom>
+          <a:noFill/>
+          <a:extLst>
+            <a:ext uri="{909E8E84-426E-40DD-AFC4-6F175D3DCCD1}">
+              <a14:hiddenFill xmlns:a14="http://schemas.microsoft.com/office/drawing/2010/main">
+                <a:solidFill>
+                  <a:srgbClr val="FFFFFF"/>
+                </a:solidFill>
+              </a14:hiddenFill>
+            </a:ext>
+          </a:extLst>
+        </p:spPr>
+      </p:pic>
+      <p:pic>
+        <p:nvPicPr>
+          <p:cNvPr id="9" name="Picture 2" descr="Bildergebnis für schleife comic">
+            <a:extLst>
+              <a:ext uri="{FF2B5EF4-FFF2-40B4-BE49-F238E27FC236}">
+                <a16:creationId xmlns:a16="http://schemas.microsoft.com/office/drawing/2014/main" id="{8314E6FD-E579-44BB-8B37-EE214952CFFB}"/>
+              </a:ext>
+            </a:extLst>
+          </p:cNvPr>
+          <p:cNvPicPr>
+            <a:picLocks noChangeAspect="1" noChangeArrowheads="1"/>
+          </p:cNvPicPr>
+          <p:nvPr/>
+        </p:nvPicPr>
+        <p:blipFill>
+          <a:blip r:embed="rId2">
+            <a:extLst>
+              <a:ext uri="{28A0092B-C50C-407E-A947-70E740481C1C}">
+                <a14:useLocalDpi xmlns:a14="http://schemas.microsoft.com/office/drawing/2010/main" val="0"/>
+              </a:ext>
+            </a:extLst>
+          </a:blip>
+          <a:srcRect/>
+          <a:stretch>
+            <a:fillRect/>
+          </a:stretch>
+        </p:blipFill>
+        <p:spPr bwMode="auto">
+          <a:xfrm>
+            <a:off x="6436016" y="4402800"/>
+            <a:ext cx="1109007" cy="1272440"/>
+          </a:xfrm>
+          <a:prstGeom prst="rect">
+            <a:avLst/>
+          </a:prstGeom>
+          <a:noFill/>
+          <a:extLst>
+            <a:ext uri="{909E8E84-426E-40DD-AFC4-6F175D3DCCD1}">
+              <a14:hiddenFill xmlns:a14="http://schemas.microsoft.com/office/drawing/2010/main">
+                <a:solidFill>
+                  <a:srgbClr val="FFFFFF"/>
+                </a:solidFill>
+              </a14:hiddenFill>
+            </a:ext>
+          </a:extLst>
+        </p:spPr>
+      </p:pic>
+    </p:spTree>
+    <p:extLst>
+      <p:ext uri="{BB962C8B-B14F-4D97-AF65-F5344CB8AC3E}">
+        <p14:creationId xmlns:p14="http://schemas.microsoft.com/office/powerpoint/2010/main" val="61467611"/>
+      </p:ext>
+    </p:extLst>
+  </p:cSld>
+  <p:clrMapOvr>
+    <a:masterClrMapping/>
+  </p:clrMapOvr>
+</p:sld>
+</file>
+
+<file path=ppt/slides/slide14.xml><?xml version="1.0" encoding="utf-8"?>
+<p:sld xmlns:a="http://schemas.openxmlformats.org/drawingml/2006/main" xmlns:r="http://schemas.openxmlformats.org/officeDocument/2006/relationships" xmlns:p="http://schemas.openxmlformats.org/presentationml/2006/main">
+  <p:cSld>
+    <p:spTree>
+      <p:nvGrpSpPr>
+        <p:cNvPr id="1" name=""/>
+        <p:cNvGrpSpPr/>
+        <p:nvPr/>
+      </p:nvGrpSpPr>
+      <p:grpSpPr>
+        <a:xfrm>
+          <a:off x="0" y="0"/>
+          <a:ext cx="0" cy="0"/>
+          <a:chOff x="0" y="0"/>
+          <a:chExt cx="0" cy="0"/>
+        </a:xfrm>
+      </p:grpSpPr>
+      <p:sp>
+        <p:nvSpPr>
+          <p:cNvPr id="2" name="Textplatzhalter 1">
+            <a:extLst>
+              <a:ext uri="{FF2B5EF4-FFF2-40B4-BE49-F238E27FC236}">
+                <a16:creationId xmlns:a16="http://schemas.microsoft.com/office/drawing/2014/main" id="{0DD3190B-F8AB-4234-91FD-9970F8AB0FD1}"/>
+              </a:ext>
+            </a:extLst>
+          </p:cNvPr>
+          <p:cNvSpPr>
+            <a:spLocks noGrp="1"/>
+          </p:cNvSpPr>
+          <p:nvPr>
+            <p:ph type="body" sz="quarter" idx="10"/>
+          </p:nvPr>
+        </p:nvSpPr>
+        <p:spPr/>
+        <p:txBody>
+          <a:bodyPr/>
+          <a:lstStyle/>
+          <a:p>
+            <a:r>
+              <a:rPr lang="de-DE" dirty="0"/>
+              <a:t>Die drei Eichhörnchen</a:t>
+            </a:r>
+          </a:p>
+          <a:p>
+            <a:endParaRPr lang="en-GB" dirty="0"/>
+          </a:p>
+        </p:txBody>
+      </p:sp>
+      <p:sp>
+        <p:nvSpPr>
+          <p:cNvPr id="3" name="Textplatzhalter 2">
+            <a:extLst>
+              <a:ext uri="{FF2B5EF4-FFF2-40B4-BE49-F238E27FC236}">
+                <a16:creationId xmlns:a16="http://schemas.microsoft.com/office/drawing/2014/main" id="{FE08E0A5-E0DF-4F25-8EC1-18C5C3AD0BC9}"/>
+              </a:ext>
+            </a:extLst>
+          </p:cNvPr>
+          <p:cNvSpPr>
+            <a:spLocks noGrp="1"/>
+          </p:cNvSpPr>
+          <p:nvPr>
+            <p:ph type="body" sz="quarter" idx="11"/>
+          </p:nvPr>
+        </p:nvSpPr>
+        <p:spPr/>
+        <p:txBody>
+          <a:bodyPr/>
+          <a:lstStyle/>
+          <a:p>
+            <a:r>
+              <a:rPr lang="de-DE" dirty="0"/>
+              <a:t>Ein nicht ganz so magisches Quadrat:</a:t>
+            </a:r>
+          </a:p>
+          <a:p>
+            <a:endParaRPr lang="de-DE" dirty="0"/>
+          </a:p>
+          <a:p>
+            <a:r>
+              <a:rPr lang="de-DE" dirty="0"/>
+              <a:t>Wann ist ein magisches Quadrat? Wir haben allerdings sehr viele Algorithmen dazu gefunden und wollten das etwas anders gestalten:</a:t>
+            </a:r>
+          </a:p>
+          <a:p>
+            <a:pPr marL="342900" indent="-342900">
+              <a:buFontTx/>
+              <a:buChar char="-"/>
+            </a:pPr>
+            <a:r>
+              <a:rPr lang="de-DE" dirty="0"/>
+              <a:t>Summe der Zeilen ergibt immer die „magische Summe“</a:t>
+            </a:r>
+          </a:p>
+          <a:p>
+            <a:pPr marL="342900" indent="-342900">
+              <a:buFontTx/>
+              <a:buChar char="-"/>
+            </a:pPr>
+            <a:r>
+              <a:rPr lang="de-DE" dirty="0"/>
+              <a:t>Jede Zahl darf im Quadrat nur einmal vorkommen.</a:t>
+            </a:r>
+          </a:p>
+          <a:p>
+            <a:pPr marL="342900" indent="-342900">
+              <a:buFontTx/>
+              <a:buChar char="-"/>
+            </a:pPr>
+            <a:endParaRPr lang="de-DE" dirty="0"/>
+          </a:p>
+          <a:p>
+            <a:r>
+              <a:rPr lang="de-DE" dirty="0"/>
+              <a:t>… und es gibt natürlich nicht nur eine Lösung, darum auch die Änderung am Framework.</a:t>
+            </a:r>
+            <a:endParaRPr lang="en-GB" dirty="0"/>
+          </a:p>
+          <a:p>
+            <a:endParaRPr lang="en-GB" dirty="0"/>
+          </a:p>
+        </p:txBody>
+      </p:sp>
+      <p:sp>
+        <p:nvSpPr>
+          <p:cNvPr id="4" name="Textplatzhalter 3">
+            <a:extLst>
+              <a:ext uri="{FF2B5EF4-FFF2-40B4-BE49-F238E27FC236}">
+                <a16:creationId xmlns:a16="http://schemas.microsoft.com/office/drawing/2014/main" id="{91E1160B-016C-4C71-B718-CC272EAE3E77}"/>
+              </a:ext>
+            </a:extLst>
+          </p:cNvPr>
+          <p:cNvSpPr>
+            <a:spLocks noGrp="1"/>
+          </p:cNvSpPr>
+          <p:nvPr>
+            <p:ph type="body" sz="quarter" idx="12"/>
+          </p:nvPr>
+        </p:nvSpPr>
+        <p:spPr/>
+        <p:txBody>
+          <a:bodyPr/>
+          <a:lstStyle/>
+          <a:p>
+            <a:endParaRPr lang="en-GB" dirty="0"/>
+          </a:p>
+        </p:txBody>
+      </p:sp>
+    </p:spTree>
+    <p:extLst>
+      <p:ext uri="{BB962C8B-B14F-4D97-AF65-F5344CB8AC3E}">
+        <p14:creationId xmlns:p14="http://schemas.microsoft.com/office/powerpoint/2010/main" val="3197693419"/>
+      </p:ext>
+    </p:extLst>
+  </p:cSld>
+  <p:clrMapOvr>
+    <a:masterClrMapping/>
+  </p:clrMapOvr>
+</p:sld>
+</file>
+
+<file path=ppt/slides/slide15.xml><?xml version="1.0" encoding="utf-8"?>
+<p:sld xmlns:a="http://schemas.openxmlformats.org/drawingml/2006/main" xmlns:r="http://schemas.openxmlformats.org/officeDocument/2006/relationships" xmlns:p="http://schemas.openxmlformats.org/presentationml/2006/main">
+  <p:cSld>
+    <p:spTree>
+      <p:nvGrpSpPr>
+        <p:cNvPr id="1" name=""/>
+        <p:cNvGrpSpPr/>
+        <p:nvPr/>
+      </p:nvGrpSpPr>
+      <p:grpSpPr>
+        <a:xfrm>
+          <a:off x="0" y="0"/>
+          <a:ext cx="0" cy="0"/>
+          <a:chOff x="0" y="0"/>
+          <a:chExt cx="0" cy="0"/>
+        </a:xfrm>
+      </p:grpSpPr>
+      <p:sp>
+        <p:nvSpPr>
+          <p:cNvPr id="6" name="Rechteck 5">
+            <a:extLst>
+              <a:ext uri="{FF2B5EF4-FFF2-40B4-BE49-F238E27FC236}">
+                <a16:creationId xmlns:a16="http://schemas.microsoft.com/office/drawing/2014/main" id="{4934F17E-41F7-41F6-92E8-248E6D97B305}"/>
+              </a:ext>
+            </a:extLst>
+          </p:cNvPr>
+          <p:cNvSpPr/>
+          <p:nvPr/>
+        </p:nvSpPr>
+        <p:spPr>
+          <a:xfrm>
+            <a:off x="2315361" y="2374084"/>
+            <a:ext cx="7743039" cy="3431098"/>
+          </a:xfrm>
+          <a:prstGeom prst="rect">
+            <a:avLst/>
+          </a:prstGeom>
+          <a:solidFill>
+            <a:schemeClr val="bg1"/>
+          </a:solidFill>
+        </p:spPr>
+        <p:style>
+          <a:lnRef idx="2">
+            <a:schemeClr val="accent1">
+              <a:shade val="50000"/>
+            </a:schemeClr>
+          </a:lnRef>
+          <a:fillRef idx="1">
+            <a:schemeClr val="accent1"/>
+          </a:fillRef>
+          <a:effectRef idx="0">
+            <a:schemeClr val="accent1"/>
+          </a:effectRef>
+          <a:fontRef idx="minor">
+            <a:schemeClr val="lt1"/>
+          </a:fontRef>
+        </p:style>
+        <p:txBody>
+          <a:bodyPr rtlCol="0" anchor="ctr"/>
+          <a:lstStyle/>
+          <a:p>
+            <a:pPr algn="ctr"/>
+            <a:endParaRPr lang="en-GB" dirty="0"/>
+          </a:p>
+        </p:txBody>
+      </p:sp>
+      <p:sp>
+        <p:nvSpPr>
+          <p:cNvPr id="2" name="Textplatzhalter 1">
+            <a:extLst>
+              <a:ext uri="{FF2B5EF4-FFF2-40B4-BE49-F238E27FC236}">
+                <a16:creationId xmlns:a16="http://schemas.microsoft.com/office/drawing/2014/main" id="{D09BF6BA-FE00-49F7-9C78-43049F9B4E79}"/>
+              </a:ext>
+            </a:extLst>
+          </p:cNvPr>
+          <p:cNvSpPr>
+            <a:spLocks noGrp="1"/>
+          </p:cNvSpPr>
+          <p:nvPr>
+            <p:ph type="body" sz="quarter" idx="10"/>
+          </p:nvPr>
+        </p:nvSpPr>
+        <p:spPr/>
+        <p:txBody>
+          <a:bodyPr/>
+          <a:lstStyle/>
+          <a:p>
+            <a:r>
+              <a:rPr lang="de-DE" dirty="0"/>
+              <a:t>Ein Happy End</a:t>
+            </a:r>
+            <a:endParaRPr lang="en-GB" dirty="0"/>
+          </a:p>
+        </p:txBody>
+      </p:sp>
+      <p:sp>
+        <p:nvSpPr>
+          <p:cNvPr id="3" name="Textplatzhalter 2">
+            <a:extLst>
+              <a:ext uri="{FF2B5EF4-FFF2-40B4-BE49-F238E27FC236}">
+                <a16:creationId xmlns:a16="http://schemas.microsoft.com/office/drawing/2014/main" id="{7D4F3D1D-C996-4873-8A45-57B12997EA8D}"/>
+              </a:ext>
+            </a:extLst>
+          </p:cNvPr>
+          <p:cNvSpPr>
+            <a:spLocks noGrp="1"/>
+          </p:cNvSpPr>
+          <p:nvPr>
+            <p:ph type="body" sz="quarter" idx="11"/>
+          </p:nvPr>
+        </p:nvSpPr>
+        <p:spPr/>
+        <p:txBody>
+          <a:bodyPr/>
+          <a:lstStyle/>
+          <a:p>
+            <a:pPr algn="ctr"/>
+            <a:r>
+              <a:rPr lang="de-DE" sz="2000" dirty="0"/>
+              <a:t>“Herzlichen Glückwunsch zum 419. Geburtstag Charlie! Das ist deine Überraschungsparty”</a:t>
+            </a:r>
+          </a:p>
+        </p:txBody>
+      </p:sp>
+      <p:sp>
+        <p:nvSpPr>
+          <p:cNvPr id="4" name="Textplatzhalter 3">
+            <a:extLst>
+              <a:ext uri="{FF2B5EF4-FFF2-40B4-BE49-F238E27FC236}">
+                <a16:creationId xmlns:a16="http://schemas.microsoft.com/office/drawing/2014/main" id="{083C4B58-98C5-459F-AB84-B95CAFB9290F}"/>
+              </a:ext>
+            </a:extLst>
+          </p:cNvPr>
+          <p:cNvSpPr>
+            <a:spLocks noGrp="1"/>
+          </p:cNvSpPr>
+          <p:nvPr>
+            <p:ph type="body" sz="quarter" idx="12"/>
+          </p:nvPr>
+        </p:nvSpPr>
+        <p:spPr/>
+        <p:txBody>
+          <a:bodyPr/>
+          <a:lstStyle/>
+          <a:p>
+            <a:endParaRPr lang="en-GB" dirty="0"/>
+          </a:p>
+        </p:txBody>
+      </p:sp>
+      <p:pic>
+        <p:nvPicPr>
+          <p:cNvPr id="2050" name="Picture 2" descr="Bildergebnis für party comic">
+            <a:extLst>
+              <a:ext uri="{FF2B5EF4-FFF2-40B4-BE49-F238E27FC236}">
+                <a16:creationId xmlns:a16="http://schemas.microsoft.com/office/drawing/2014/main" id="{7E6F0EC2-FF46-4954-8012-F986E9119BAF}"/>
+              </a:ext>
+            </a:extLst>
+          </p:cNvPr>
+          <p:cNvPicPr>
+            <a:picLocks noChangeAspect="1" noChangeArrowheads="1"/>
+          </p:cNvPicPr>
+          <p:nvPr/>
+        </p:nvPicPr>
+        <p:blipFill>
+          <a:blip r:embed="rId2">
+            <a:extLst>
+              <a:ext uri="{28A0092B-C50C-407E-A947-70E740481C1C}">
+                <a14:useLocalDpi xmlns:a14="http://schemas.microsoft.com/office/drawing/2010/main" val="0"/>
+              </a:ext>
+            </a:extLst>
+          </a:blip>
+          <a:srcRect/>
+          <a:stretch>
+            <a:fillRect/>
+          </a:stretch>
+        </p:blipFill>
+        <p:spPr bwMode="auto">
+          <a:xfrm>
+            <a:off x="5353050" y="3100257"/>
+            <a:ext cx="1485900" cy="1714500"/>
+          </a:xfrm>
+          <a:prstGeom prst="rect">
+            <a:avLst/>
+          </a:prstGeom>
+          <a:extLst>
+            <a:ext uri="{909E8E84-426E-40DD-AFC4-6F175D3DCCD1}">
+              <a14:hiddenFill xmlns:a14="http://schemas.microsoft.com/office/drawing/2010/main">
+                <a:solidFill>
+                  <a:srgbClr val="FFFFFF"/>
+                </a:solidFill>
+              </a14:hiddenFill>
+            </a:ext>
+          </a:extLst>
+        </p:spPr>
+      </p:pic>
+      <p:sp>
+        <p:nvSpPr>
+          <p:cNvPr id="7" name="Ellipse 6">
+            <a:extLst>
+              <a:ext uri="{FF2B5EF4-FFF2-40B4-BE49-F238E27FC236}">
+                <a16:creationId xmlns:a16="http://schemas.microsoft.com/office/drawing/2014/main" id="{E6EB642E-840A-4219-BFBE-4696BB624BF7}"/>
+              </a:ext>
+            </a:extLst>
+          </p:cNvPr>
+          <p:cNvSpPr/>
+          <p:nvPr/>
+        </p:nvSpPr>
+        <p:spPr>
+          <a:xfrm>
+            <a:off x="3352357" y="2520000"/>
+            <a:ext cx="961198" cy="961198"/>
+          </a:xfrm>
+          <a:prstGeom prst="ellipse">
+            <a:avLst/>
+          </a:prstGeom>
+          <a:blipFill>
+            <a:blip r:embed="rId3">
+              <a:extLst>
+                <a:ext uri="{28A0092B-C50C-407E-A947-70E740481C1C}">
+                  <a14:useLocalDpi xmlns:a14="http://schemas.microsoft.com/office/drawing/2010/main" val="0"/>
+                </a:ext>
+              </a:extLst>
+            </a:blip>
+            <a:srcRect/>
+            <a:stretch>
+              <a:fillRect/>
+            </a:stretch>
+          </a:blipFill>
+        </p:spPr>
+        <p:style>
+          <a:lnRef idx="2">
+            <a:schemeClr val="lt1">
+              <a:hueOff val="0"/>
+              <a:satOff val="0"/>
+              <a:lumOff val="0"/>
+              <a:alphaOff val="0"/>
+            </a:schemeClr>
+          </a:lnRef>
+          <a:fillRef idx="1">
+            <a:scrgbClr r="0" g="0" b="0"/>
+          </a:fillRef>
+          <a:effectRef idx="0">
+            <a:schemeClr val="accent1">
+              <a:tint val="50000"/>
+              <a:hueOff val="0"/>
+              <a:satOff val="0"/>
+              <a:lumOff val="0"/>
+              <a:alphaOff val="0"/>
+            </a:schemeClr>
+          </a:effectRef>
+          <a:fontRef idx="minor">
+            <a:schemeClr val="lt1">
+              <a:hueOff val="0"/>
+              <a:satOff val="0"/>
+              <a:lumOff val="0"/>
+              <a:alphaOff val="0"/>
+            </a:schemeClr>
+          </a:fontRef>
+        </p:style>
+      </p:sp>
+      <p:sp>
+        <p:nvSpPr>
+          <p:cNvPr id="8" name="Ellipse 7">
+            <a:extLst>
+              <a:ext uri="{FF2B5EF4-FFF2-40B4-BE49-F238E27FC236}">
+                <a16:creationId xmlns:a16="http://schemas.microsoft.com/office/drawing/2014/main" id="{C067A90F-99A0-4714-8955-6D30EF8DA19B}"/>
+              </a:ext>
+            </a:extLst>
+          </p:cNvPr>
+          <p:cNvSpPr/>
+          <p:nvPr/>
+        </p:nvSpPr>
+        <p:spPr>
+          <a:xfrm>
+            <a:off x="7878445" y="2520000"/>
+            <a:ext cx="961198" cy="961198"/>
+          </a:xfrm>
+          <a:prstGeom prst="ellipse">
+            <a:avLst/>
+          </a:prstGeom>
+          <a:blipFill>
+            <a:blip r:embed="rId4"/>
+            <a:srcRect/>
+            <a:stretch>
+              <a:fillRect/>
+            </a:stretch>
+          </a:blipFill>
+        </p:spPr>
+        <p:style>
+          <a:lnRef idx="2">
+            <a:schemeClr val="lt1">
+              <a:hueOff val="0"/>
+              <a:satOff val="0"/>
+              <a:lumOff val="0"/>
+              <a:alphaOff val="0"/>
+            </a:schemeClr>
+          </a:lnRef>
+          <a:fillRef idx="1">
+            <a:scrgbClr r="0" g="0" b="0"/>
+          </a:fillRef>
+          <a:effectRef idx="0">
+            <a:schemeClr val="accent1">
+              <a:tint val="50000"/>
+              <a:hueOff val="0"/>
+              <a:satOff val="0"/>
+              <a:lumOff val="0"/>
+              <a:alphaOff val="0"/>
+            </a:schemeClr>
+          </a:effectRef>
+          <a:fontRef idx="minor">
+            <a:schemeClr val="lt1">
+              <a:hueOff val="0"/>
+              <a:satOff val="0"/>
+              <a:lumOff val="0"/>
+              <a:alphaOff val="0"/>
+            </a:schemeClr>
+          </a:fontRef>
+        </p:style>
+      </p:sp>
+      <p:sp>
+        <p:nvSpPr>
+          <p:cNvPr id="9" name="Ellipse 8">
+            <a:extLst>
+              <a:ext uri="{FF2B5EF4-FFF2-40B4-BE49-F238E27FC236}">
+                <a16:creationId xmlns:a16="http://schemas.microsoft.com/office/drawing/2014/main" id="{7C60D982-058A-4EE6-962E-5DC573F9B1AC}"/>
+              </a:ext>
+            </a:extLst>
+          </p:cNvPr>
+          <p:cNvSpPr/>
+          <p:nvPr/>
+        </p:nvSpPr>
+        <p:spPr>
+          <a:xfrm>
+            <a:off x="2391159" y="3853559"/>
+            <a:ext cx="961198" cy="961198"/>
+          </a:xfrm>
+          <a:prstGeom prst="ellipse">
+            <a:avLst/>
+          </a:prstGeom>
+          <a:blipFill>
+            <a:blip r:embed="rId5"/>
+            <a:srcRect/>
+            <a:stretch>
+              <a:fillRect/>
+            </a:stretch>
+          </a:blipFill>
+        </p:spPr>
+        <p:style>
+          <a:lnRef idx="2">
+            <a:schemeClr val="lt1">
+              <a:hueOff val="0"/>
+              <a:satOff val="0"/>
+              <a:lumOff val="0"/>
+              <a:alphaOff val="0"/>
+            </a:schemeClr>
+          </a:lnRef>
+          <a:fillRef idx="1">
+            <a:scrgbClr r="0" g="0" b="0"/>
+          </a:fillRef>
+          <a:effectRef idx="0">
+            <a:schemeClr val="accent1">
+              <a:tint val="50000"/>
+              <a:hueOff val="0"/>
+              <a:satOff val="0"/>
+              <a:lumOff val="0"/>
+              <a:alphaOff val="0"/>
+            </a:schemeClr>
+          </a:effectRef>
+          <a:fontRef idx="minor">
+            <a:schemeClr val="lt1">
+              <a:hueOff val="0"/>
+              <a:satOff val="0"/>
+              <a:lumOff val="0"/>
+              <a:alphaOff val="0"/>
+            </a:schemeClr>
+          </a:fontRef>
+        </p:style>
+      </p:sp>
+      <p:pic>
+        <p:nvPicPr>
+          <p:cNvPr id="10" name="Picture 2" descr="@The-Magic-Unicorns">
+            <a:extLst>
+              <a:ext uri="{FF2B5EF4-FFF2-40B4-BE49-F238E27FC236}">
+                <a16:creationId xmlns:a16="http://schemas.microsoft.com/office/drawing/2014/main" id="{10F1A7BF-A230-43D5-9EDC-2FF71DDA503D}"/>
+              </a:ext>
+            </a:extLst>
+          </p:cNvPr>
+          <p:cNvPicPr>
+            <a:picLocks noChangeAspect="1" noChangeArrowheads="1"/>
+          </p:cNvPicPr>
+          <p:nvPr/>
+        </p:nvPicPr>
+        <p:blipFill>
+          <a:blip r:embed="rId6">
+            <a:extLst>
+              <a:ext uri="{28A0092B-C50C-407E-A947-70E740481C1C}">
+                <a14:useLocalDpi xmlns:a14="http://schemas.microsoft.com/office/drawing/2010/main" val="0"/>
+              </a:ext>
+            </a:extLst>
+          </a:blip>
+          <a:srcRect/>
+          <a:stretch>
+            <a:fillRect/>
+          </a:stretch>
+        </p:blipFill>
+        <p:spPr bwMode="auto">
+          <a:xfrm>
+            <a:off x="9015812" y="3853559"/>
+            <a:ext cx="961199" cy="961199"/>
+          </a:xfrm>
+          <a:prstGeom prst="rect">
+            <a:avLst/>
+          </a:prstGeom>
+          <a:noFill/>
+          <a:extLst>
+            <a:ext uri="{909E8E84-426E-40DD-AFC4-6F175D3DCCD1}">
+              <a14:hiddenFill xmlns:a14="http://schemas.microsoft.com/office/drawing/2010/main">
+                <a:solidFill>
+                  <a:srgbClr val="FFFFFF"/>
+                </a:solidFill>
+              </a14:hiddenFill>
+            </a:ext>
+          </a:extLst>
+        </p:spPr>
+      </p:pic>
+      <p:pic>
+        <p:nvPicPr>
+          <p:cNvPr id="2052" name="Picture 4" descr="Bildergebnis für eichhörnchen comic">
+            <a:extLst>
+              <a:ext uri="{FF2B5EF4-FFF2-40B4-BE49-F238E27FC236}">
+                <a16:creationId xmlns:a16="http://schemas.microsoft.com/office/drawing/2014/main" id="{1DABA7F5-CBF0-4D30-96CC-659E7135B017}"/>
+              </a:ext>
+            </a:extLst>
+          </p:cNvPr>
+          <p:cNvPicPr>
+            <a:picLocks noChangeAspect="1" noChangeArrowheads="1"/>
+          </p:cNvPicPr>
+          <p:nvPr/>
+        </p:nvPicPr>
+        <p:blipFill>
+          <a:blip r:embed="rId7">
+            <a:extLst>
+              <a:ext uri="{28A0092B-C50C-407E-A947-70E740481C1C}">
+                <a14:useLocalDpi xmlns:a14="http://schemas.microsoft.com/office/drawing/2010/main" val="0"/>
+              </a:ext>
+            </a:extLst>
+          </a:blip>
+          <a:srcRect/>
+          <a:stretch>
+            <a:fillRect/>
+          </a:stretch>
+        </p:blipFill>
+        <p:spPr bwMode="auto">
+          <a:xfrm>
+            <a:off x="3698157" y="4402798"/>
+            <a:ext cx="1230796" cy="1295575"/>
+          </a:xfrm>
+          <a:prstGeom prst="rect">
+            <a:avLst/>
+          </a:prstGeom>
+          <a:noFill/>
+          <a:extLst>
+            <a:ext uri="{909E8E84-426E-40DD-AFC4-6F175D3DCCD1}">
+              <a14:hiddenFill xmlns:a14="http://schemas.microsoft.com/office/drawing/2010/main">
+                <a:solidFill>
+                  <a:srgbClr val="FFFFFF"/>
+                </a:solidFill>
+              </a14:hiddenFill>
+            </a:ext>
+          </a:extLst>
+        </p:spPr>
+      </p:pic>
+      <p:pic>
+        <p:nvPicPr>
+          <p:cNvPr id="2054" name="Picture 6" descr="Bildergebnis für eule comic">
+            <a:extLst>
+              <a:ext uri="{FF2B5EF4-FFF2-40B4-BE49-F238E27FC236}">
+                <a16:creationId xmlns:a16="http://schemas.microsoft.com/office/drawing/2014/main" id="{959CF6D3-E16B-4D84-8C01-28DC0785C8B0}"/>
+              </a:ext>
+            </a:extLst>
+          </p:cNvPr>
+          <p:cNvPicPr>
+            <a:picLocks noChangeAspect="1" noChangeArrowheads="1"/>
+          </p:cNvPicPr>
+          <p:nvPr/>
+        </p:nvPicPr>
+        <p:blipFill>
+          <a:blip r:embed="rId8">
+            <a:extLst>
+              <a:ext uri="{28A0092B-C50C-407E-A947-70E740481C1C}">
+                <a14:useLocalDpi xmlns:a14="http://schemas.microsoft.com/office/drawing/2010/main" val="0"/>
+              </a:ext>
+            </a:extLst>
+          </a:blip>
+          <a:srcRect/>
+          <a:stretch>
+            <a:fillRect/>
+          </a:stretch>
+        </p:blipFill>
+        <p:spPr bwMode="auto">
+          <a:xfrm>
+            <a:off x="7263047" y="4467577"/>
+            <a:ext cx="1230796" cy="1230796"/>
+          </a:xfrm>
+          <a:prstGeom prst="rect">
+            <a:avLst/>
+          </a:prstGeom>
+          <a:noFill/>
+          <a:extLst>
+            <a:ext uri="{909E8E84-426E-40DD-AFC4-6F175D3DCCD1}">
+              <a14:hiddenFill xmlns:a14="http://schemas.microsoft.com/office/drawing/2010/main">
+                <a:solidFill>
+                  <a:srgbClr val="FFFFFF"/>
+                </a:solidFill>
+              </a14:hiddenFill>
+            </a:ext>
+          </a:extLst>
+        </p:spPr>
+      </p:pic>
+    </p:spTree>
+    <p:extLst>
+      <p:ext uri="{BB962C8B-B14F-4D97-AF65-F5344CB8AC3E}">
+        <p14:creationId xmlns:p14="http://schemas.microsoft.com/office/powerpoint/2010/main" val="1698523615"/>
       </p:ext>
     </p:extLst>
   </p:cSld>
@@ -41100,7 +42661,7 @@
                 </a:solidFill>
                 <a:latin typeface="Arial Standard" charset="0"/>
               </a:rPr>
-              <a:t>.</a:t>
+              <a:t>)</a:t>
             </a:r>
             <a:endParaRPr lang="en-GB" sz="2200" dirty="0">
               <a:solidFill>
@@ -41143,7 +42704,13 @@
       </p:grpSpPr>
       <p:sp>
         <p:nvSpPr>
-          <p:cNvPr id="2" name="Textplatzhalter 1"/>
+          <p:cNvPr id="2" name="Textplatzhalter 1">
+            <a:extLst>
+              <a:ext uri="{FF2B5EF4-FFF2-40B4-BE49-F238E27FC236}">
+                <a16:creationId xmlns:a16="http://schemas.microsoft.com/office/drawing/2014/main" id="{02A34A82-B51D-441C-973D-EA92BE637ED2}"/>
+              </a:ext>
+            </a:extLst>
+          </p:cNvPr>
           <p:cNvSpPr>
             <a:spLocks noGrp="1"/>
           </p:cNvSpPr>
@@ -41158,20 +42725,21 @@
           <a:p>
             <a:r>
               <a:rPr lang="de-DE" dirty="0"/>
-              <a:t>Überschrift</a:t>
-            </a:r>
-          </a:p>
-          <a:p>
-            <a:r>
-              <a:rPr lang="de-DE" dirty="0"/>
-              <a:t>ggf. Zweizeiler</a:t>
-            </a:r>
+              <a:t>Ein kleiner Disclaimer</a:t>
+            </a:r>
+            <a:endParaRPr lang="en-GB" dirty="0"/>
           </a:p>
         </p:txBody>
       </p:sp>
       <p:sp>
         <p:nvSpPr>
-          <p:cNvPr id="3" name="Textplatzhalter 2"/>
+          <p:cNvPr id="3" name="Textplatzhalter 2">
+            <a:extLst>
+              <a:ext uri="{FF2B5EF4-FFF2-40B4-BE49-F238E27FC236}">
+                <a16:creationId xmlns:a16="http://schemas.microsoft.com/office/drawing/2014/main" id="{DE34C2D2-B1D1-4D44-913C-C29B1A4D5D13}"/>
+              </a:ext>
+            </a:extLst>
+          </p:cNvPr>
           <p:cNvSpPr>
             <a:spLocks noGrp="1"/>
           </p:cNvSpPr>
@@ -41185,268 +42753,32 @@
           <a:lstStyle/>
           <a:p>
             <a:r>
-              <a:rPr lang="de-DE" dirty="0" err="1"/>
-              <a:t>Lorem</a:t>
-            </a:r>
-            <a:r>
               <a:rPr lang="de-DE" dirty="0"/>
-              <a:t> </a:t>
-            </a:r>
-            <a:r>
-              <a:rPr lang="de-DE" dirty="0" err="1"/>
-              <a:t>ipsum</a:t>
-            </a:r>
+              <a:t>Wir hatten gemeinsam als Gruppe so viel Spaß (natürlich bis zur letzten Minute, wie es sich für eine gute Studiengruppe gehört), so dass wir alle gemeinsam an der Präsentation, dem Code und den Geschichten gearbeitet haben. Leider ist es uns nach dem vielen Kaffee, dem Schlafmangel und den eventuell damit zusammenhängenden Erinnerungslücken nicht mehr möglich, ganz genau zu sagen, wer für welche Zeile Code verantwortlich war (Hört sich nach einer normalen COVID-19 Situation an).</a:t>
+            </a:r>
+          </a:p>
+          <a:p>
             <a:r>
               <a:rPr lang="de-DE" dirty="0"/>
-              <a:t> </a:t>
-            </a:r>
-            <a:r>
-              <a:rPr lang="de-DE" dirty="0" err="1"/>
-              <a:t>dolor</a:t>
-            </a:r>
-            <a:r>
-              <a:rPr lang="de-DE" dirty="0"/>
-              <a:t> </a:t>
-            </a:r>
-            <a:r>
-              <a:rPr lang="de-DE" dirty="0" err="1"/>
-              <a:t>sit</a:t>
-            </a:r>
-            <a:r>
-              <a:rPr lang="de-DE" dirty="0"/>
-              <a:t> </a:t>
-            </a:r>
-            <a:r>
-              <a:rPr lang="de-DE" dirty="0" err="1"/>
-              <a:t>amet</a:t>
-            </a:r>
-            <a:r>
-              <a:rPr lang="de-DE" dirty="0"/>
-              <a:t>, </a:t>
-            </a:r>
-            <a:r>
-              <a:rPr lang="de-DE" dirty="0" err="1"/>
-              <a:t>consetetur</a:t>
-            </a:r>
-            <a:r>
-              <a:rPr lang="de-DE" dirty="0"/>
-              <a:t> </a:t>
-            </a:r>
-            <a:r>
-              <a:rPr lang="de-DE" dirty="0" err="1"/>
-              <a:t>sadipscing</a:t>
-            </a:r>
-            <a:r>
-              <a:rPr lang="de-DE" dirty="0"/>
-              <a:t> </a:t>
-            </a:r>
-            <a:r>
-              <a:rPr lang="de-DE" dirty="0" err="1"/>
-              <a:t>elitr</a:t>
-            </a:r>
-            <a:r>
-              <a:rPr lang="de-DE" dirty="0"/>
-              <a:t>, </a:t>
-            </a:r>
-            <a:r>
-              <a:rPr lang="de-DE" dirty="0" err="1"/>
-              <a:t>sed</a:t>
-            </a:r>
-            <a:r>
-              <a:rPr lang="de-DE" dirty="0"/>
-              <a:t> </a:t>
-            </a:r>
-            <a:r>
-              <a:rPr lang="de-DE" dirty="0" err="1"/>
-              <a:t>diam</a:t>
-            </a:r>
-            <a:r>
-              <a:rPr lang="de-DE" dirty="0"/>
-              <a:t> </a:t>
-            </a:r>
-            <a:r>
-              <a:rPr lang="de-DE" dirty="0" err="1"/>
-              <a:t>nonumy</a:t>
-            </a:r>
-            <a:r>
-              <a:rPr lang="de-DE" dirty="0"/>
-              <a:t> </a:t>
-            </a:r>
-            <a:r>
-              <a:rPr lang="de-DE" dirty="0" err="1"/>
-              <a:t>eirmod</a:t>
-            </a:r>
-            <a:r>
-              <a:rPr lang="de-DE" dirty="0"/>
-              <a:t> </a:t>
-            </a:r>
-            <a:r>
-              <a:rPr lang="de-DE" dirty="0" err="1"/>
-              <a:t>tempor</a:t>
-            </a:r>
-            <a:r>
-              <a:rPr lang="de-DE" dirty="0"/>
-              <a:t> </a:t>
-            </a:r>
-            <a:r>
-              <a:rPr lang="de-DE" dirty="0" err="1"/>
-              <a:t>invidunt</a:t>
-            </a:r>
-            <a:r>
-              <a:rPr lang="de-DE" dirty="0"/>
-              <a:t> </a:t>
-            </a:r>
-            <a:r>
-              <a:rPr lang="de-DE" dirty="0" err="1"/>
-              <a:t>ut</a:t>
-            </a:r>
-            <a:r>
-              <a:rPr lang="de-DE" dirty="0"/>
-              <a:t> </a:t>
-            </a:r>
-            <a:r>
-              <a:rPr lang="de-DE" dirty="0" err="1"/>
-              <a:t>labore</a:t>
-            </a:r>
-            <a:r>
-              <a:rPr lang="de-DE" dirty="0"/>
-              <a:t> et </a:t>
-            </a:r>
-            <a:r>
-              <a:rPr lang="de-DE" dirty="0" err="1"/>
-              <a:t>dolore</a:t>
-            </a:r>
-            <a:r>
-              <a:rPr lang="de-DE" dirty="0"/>
-              <a:t> magna </a:t>
-            </a:r>
-            <a:r>
-              <a:rPr lang="de-DE" dirty="0" err="1"/>
-              <a:t>aliquyam</a:t>
-            </a:r>
-            <a:r>
-              <a:rPr lang="de-DE" dirty="0"/>
-              <a:t> </a:t>
-            </a:r>
-            <a:r>
-              <a:rPr lang="de-DE" dirty="0" err="1"/>
-              <a:t>erat</a:t>
-            </a:r>
-            <a:r>
-              <a:rPr lang="de-DE" dirty="0"/>
-              <a:t>, </a:t>
-            </a:r>
-            <a:r>
-              <a:rPr lang="de-DE" dirty="0" err="1"/>
-              <a:t>sed</a:t>
-            </a:r>
-            <a:r>
-              <a:rPr lang="de-DE" dirty="0"/>
-              <a:t> </a:t>
-            </a:r>
-            <a:r>
-              <a:rPr lang="de-DE" dirty="0" err="1"/>
-              <a:t>diam</a:t>
-            </a:r>
-            <a:r>
-              <a:rPr lang="de-DE" dirty="0"/>
-              <a:t> </a:t>
-            </a:r>
-            <a:r>
-              <a:rPr lang="de-DE" dirty="0" err="1"/>
-              <a:t>voluptua</a:t>
-            </a:r>
-            <a:r>
-              <a:rPr lang="de-DE" dirty="0"/>
-              <a:t>. At </a:t>
-            </a:r>
-            <a:r>
-              <a:rPr lang="de-DE" dirty="0" err="1"/>
-              <a:t>vero</a:t>
-            </a:r>
-            <a:r>
-              <a:rPr lang="de-DE" dirty="0"/>
-              <a:t> </a:t>
-            </a:r>
-            <a:r>
-              <a:rPr lang="de-DE" dirty="0" err="1"/>
-              <a:t>eos</a:t>
-            </a:r>
-            <a:r>
-              <a:rPr lang="de-DE" dirty="0"/>
-              <a:t> et </a:t>
-            </a:r>
-            <a:r>
-              <a:rPr lang="de-DE" dirty="0" err="1"/>
-              <a:t>accusam</a:t>
-            </a:r>
-            <a:r>
-              <a:rPr lang="de-DE" dirty="0"/>
-              <a:t> et </a:t>
-            </a:r>
-            <a:r>
-              <a:rPr lang="de-DE" dirty="0" err="1"/>
-              <a:t>justo</a:t>
-            </a:r>
-            <a:r>
-              <a:rPr lang="de-DE" dirty="0"/>
-              <a:t> </a:t>
-            </a:r>
-            <a:r>
-              <a:rPr lang="de-DE" dirty="0" err="1"/>
-              <a:t>duo</a:t>
-            </a:r>
-            <a:r>
-              <a:rPr lang="de-DE" dirty="0"/>
-              <a:t> </a:t>
-            </a:r>
-            <a:r>
-              <a:rPr lang="de-DE" dirty="0" err="1"/>
-              <a:t>dolores</a:t>
-            </a:r>
-            <a:r>
-              <a:rPr lang="de-DE" dirty="0"/>
-              <a:t> et </a:t>
-            </a:r>
-            <a:r>
-              <a:rPr lang="de-DE" dirty="0" err="1"/>
-              <a:t>ea</a:t>
-            </a:r>
-            <a:r>
-              <a:rPr lang="de-DE" dirty="0"/>
-              <a:t> </a:t>
-            </a:r>
-            <a:r>
-              <a:rPr lang="de-DE" dirty="0" err="1"/>
-              <a:t>rebum</a:t>
-            </a:r>
-            <a:r>
-              <a:rPr lang="de-DE" dirty="0"/>
-              <a:t>.</a:t>
+              <a:t>Jeder stellt zwei Level vor, aber es wird dem Umstand nicht gerecht, dass alles in virtueller Zusammenarbeit entstanden ist.</a:t>
             </a:r>
           </a:p>
         </p:txBody>
       </p:sp>
       <p:sp>
         <p:nvSpPr>
-          <p:cNvPr id="4" name="Bildplatzhalter 3"/>
+          <p:cNvPr id="4" name="Textplatzhalter 3">
+            <a:extLst>
+              <a:ext uri="{FF2B5EF4-FFF2-40B4-BE49-F238E27FC236}">
+                <a16:creationId xmlns:a16="http://schemas.microsoft.com/office/drawing/2014/main" id="{661B80DF-641F-4934-96DD-289CC5BED978}"/>
+              </a:ext>
+            </a:extLst>
+          </p:cNvPr>
           <p:cNvSpPr>
             <a:spLocks noGrp="1"/>
           </p:cNvSpPr>
           <p:nvPr>
-            <p:ph type="pic" sz="quarter" idx="12"/>
-          </p:nvPr>
-        </p:nvSpPr>
-        <p:spPr/>
-      </p:sp>
-      <p:sp>
-        <p:nvSpPr>
-          <p:cNvPr id="5" name="Textplatzhalter 4"/>
-          <p:cNvSpPr>
-            <a:spLocks noGrp="1"/>
-          </p:cNvSpPr>
-          <p:nvPr>
-            <p:ph type="body" sz="quarter" idx="13"/>
+            <p:ph type="body" sz="quarter" idx="12"/>
           </p:nvPr>
         </p:nvSpPr>
         <p:spPr/>
@@ -41454,20 +42786,14 @@
           <a:bodyPr/>
           <a:lstStyle/>
           <a:p>
-            <a:r>
-              <a:rPr lang="de-DE" dirty="0"/>
-              <a:t>Hochschule Wismar \ Fakultät für Ingenieurwissenschaften \ Bereich .... </a:t>
-            </a:r>
-          </a:p>
-          <a:p>
-            <a:endParaRPr lang="de-DE" dirty="0"/>
+            <a:endParaRPr lang="en-GB" dirty="0"/>
           </a:p>
         </p:txBody>
       </p:sp>
     </p:spTree>
     <p:extLst>
       <p:ext uri="{BB962C8B-B14F-4D97-AF65-F5344CB8AC3E}">
-        <p14:creationId xmlns:p14="http://schemas.microsoft.com/office/powerpoint/2010/main" val="1405667924"/>
+        <p14:creationId xmlns:p14="http://schemas.microsoft.com/office/powerpoint/2010/main" val="2906188342"/>
       </p:ext>
     </p:extLst>
   </p:cSld>
@@ -41496,7 +42822,13 @@
       </p:grpSpPr>
       <p:sp>
         <p:nvSpPr>
-          <p:cNvPr id="2" name="Textplatzhalter 1"/>
+          <p:cNvPr id="2" name="Textplatzhalter 1">
+            <a:extLst>
+              <a:ext uri="{FF2B5EF4-FFF2-40B4-BE49-F238E27FC236}">
+                <a16:creationId xmlns:a16="http://schemas.microsoft.com/office/drawing/2014/main" id="{48CCA01A-6DDA-459A-914A-428ECA4E0880}"/>
+              </a:ext>
+            </a:extLst>
+          </p:cNvPr>
           <p:cNvSpPr>
             <a:spLocks noGrp="1"/>
           </p:cNvSpPr>
@@ -41511,49 +42843,26 @@
           <a:p>
             <a:r>
               <a:rPr lang="de-DE" dirty="0"/>
-              <a:t>Überschrift</a:t>
-            </a:r>
-          </a:p>
-          <a:p>
-            <a:r>
-              <a:rPr lang="de-DE" dirty="0"/>
-              <a:t>ggf. Zweizeiler</a:t>
-            </a:r>
+              <a:t>Und so beginnt seine Geschichte…</a:t>
+            </a:r>
+            <a:endParaRPr lang="en-GB" dirty="0"/>
           </a:p>
         </p:txBody>
       </p:sp>
       <p:sp>
         <p:nvSpPr>
-          <p:cNvPr id="3" name="Bildplatzhalter 2"/>
+          <p:cNvPr id="3" name="Textplatzhalter 2">
+            <a:extLst>
+              <a:ext uri="{FF2B5EF4-FFF2-40B4-BE49-F238E27FC236}">
+                <a16:creationId xmlns:a16="http://schemas.microsoft.com/office/drawing/2014/main" id="{88A7C939-2FD4-41C9-9442-9A895683834B}"/>
+              </a:ext>
+            </a:extLst>
+          </p:cNvPr>
           <p:cNvSpPr>
             <a:spLocks noGrp="1"/>
           </p:cNvSpPr>
           <p:nvPr>
-            <p:ph type="pic" sz="quarter" idx="12"/>
-          </p:nvPr>
-        </p:nvSpPr>
-        <p:spPr/>
-      </p:sp>
-      <p:sp>
-        <p:nvSpPr>
-          <p:cNvPr id="4" name="Bildplatzhalter 3"/>
-          <p:cNvSpPr>
-            <a:spLocks noGrp="1"/>
-          </p:cNvSpPr>
-          <p:nvPr>
-            <p:ph type="pic" sz="quarter" idx="13"/>
-          </p:nvPr>
-        </p:nvSpPr>
-        <p:spPr/>
-      </p:sp>
-      <p:sp>
-        <p:nvSpPr>
-          <p:cNvPr id="5" name="Textplatzhalter 4"/>
-          <p:cNvSpPr>
-            <a:spLocks noGrp="1"/>
-          </p:cNvSpPr>
-          <p:nvPr>
-            <p:ph type="body" sz="quarter" idx="14"/>
+            <p:ph type="body" sz="quarter" idx="11"/>
           </p:nvPr>
         </p:nvSpPr>
         <p:spPr/>
@@ -41563,21 +42872,3769 @@
           <a:p>
             <a:r>
               <a:rPr lang="de-DE" dirty="0"/>
-              <a:t>Hochschule Wismar \ Fakultät für Ingenieurwissenschaften \ Bereich .... </a:t>
+              <a:t>… und damit auch unsere Herausforderungen, denen wir uns stellen durften.</a:t>
             </a:r>
           </a:p>
           <a:p>
             <a:endParaRPr lang="de-DE" dirty="0"/>
           </a:p>
           <a:p>
-            <a:endParaRPr lang="de-DE" dirty="0"/>
+            <a:r>
+              <a:rPr lang="de-DE" dirty="0"/>
+              <a:t>Für eine gute Geschichte haben wir folgendes Verändert:</a:t>
+            </a:r>
+          </a:p>
+          <a:p>
+            <a:pPr marL="342900" indent="-342900">
+              <a:buFont typeface="Arial" panose="020B0604020202020204" pitchFamily="34" charset="0"/>
+              <a:buChar char="•"/>
+            </a:pPr>
+            <a:r>
+              <a:rPr lang="de-DE" dirty="0"/>
+              <a:t>Prüfen von nicht Eindeutigen Lösungen</a:t>
+            </a:r>
+          </a:p>
+          <a:p>
+            <a:pPr marL="342900" indent="-342900">
+              <a:buFont typeface="Arial" panose="020B0604020202020204" pitchFamily="34" charset="0"/>
+              <a:buChar char="•"/>
+            </a:pPr>
+            <a:r>
+              <a:rPr lang="de-DE" dirty="0"/>
+              <a:t>Anzeige der weiterführenden Geschichte, wenn man die Episode (den EscapeRoom) gelöst hat.</a:t>
+            </a:r>
+            <a:endParaRPr lang="en-GB" dirty="0"/>
+          </a:p>
+        </p:txBody>
+      </p:sp>
+      <p:sp>
+        <p:nvSpPr>
+          <p:cNvPr id="4" name="Textplatzhalter 3">
+            <a:extLst>
+              <a:ext uri="{FF2B5EF4-FFF2-40B4-BE49-F238E27FC236}">
+                <a16:creationId xmlns:a16="http://schemas.microsoft.com/office/drawing/2014/main" id="{D6F1B2CA-02A3-4191-B130-5CC9C657193F}"/>
+              </a:ext>
+            </a:extLst>
+          </p:cNvPr>
+          <p:cNvSpPr>
+            <a:spLocks noGrp="1"/>
+          </p:cNvSpPr>
+          <p:nvPr>
+            <p:ph type="body" sz="quarter" idx="12"/>
+          </p:nvPr>
+        </p:nvSpPr>
+        <p:spPr/>
+        <p:txBody>
+          <a:bodyPr/>
+          <a:lstStyle/>
+          <a:p>
+            <a:endParaRPr lang="en-GB" dirty="0"/>
           </a:p>
         </p:txBody>
       </p:sp>
     </p:spTree>
     <p:extLst>
       <p:ext uri="{BB962C8B-B14F-4D97-AF65-F5344CB8AC3E}">
-        <p14:creationId xmlns:p14="http://schemas.microsoft.com/office/powerpoint/2010/main" val="1230534156"/>
+        <p14:creationId xmlns:p14="http://schemas.microsoft.com/office/powerpoint/2010/main" val="2159806120"/>
+      </p:ext>
+    </p:extLst>
+  </p:cSld>
+  <p:clrMapOvr>
+    <a:masterClrMapping/>
+  </p:clrMapOvr>
+</p:sld>
+</file>
+
+<file path=ppt/slides/slide6.xml><?xml version="1.0" encoding="utf-8"?>
+<p:sld xmlns:a="http://schemas.openxmlformats.org/drawingml/2006/main" xmlns:r="http://schemas.openxmlformats.org/officeDocument/2006/relationships" xmlns:p="http://schemas.openxmlformats.org/presentationml/2006/main">
+  <p:cSld>
+    <p:spTree>
+      <p:nvGrpSpPr>
+        <p:cNvPr id="1" name=""/>
+        <p:cNvGrpSpPr/>
+        <p:nvPr/>
+      </p:nvGrpSpPr>
+      <p:grpSpPr>
+        <a:xfrm>
+          <a:off x="0" y="0"/>
+          <a:ext cx="0" cy="0"/>
+          <a:chOff x="0" y="0"/>
+          <a:chExt cx="0" cy="0"/>
+        </a:xfrm>
+      </p:grpSpPr>
+      <p:sp>
+        <p:nvSpPr>
+          <p:cNvPr id="2" name="Textplatzhalter 1">
+            <a:extLst>
+              <a:ext uri="{FF2B5EF4-FFF2-40B4-BE49-F238E27FC236}">
+                <a16:creationId xmlns:a16="http://schemas.microsoft.com/office/drawing/2014/main" id="{0237C360-FB83-4187-8BF6-B8C6E2355371}"/>
+              </a:ext>
+            </a:extLst>
+          </p:cNvPr>
+          <p:cNvSpPr>
+            <a:spLocks noGrp="1"/>
+          </p:cNvSpPr>
+          <p:nvPr>
+            <p:ph type="body" sz="quarter" idx="10"/>
+          </p:nvPr>
+        </p:nvSpPr>
+        <p:spPr/>
+        <p:txBody>
+          <a:bodyPr/>
+          <a:lstStyle/>
+          <a:p>
+            <a:r>
+              <a:rPr lang="de-DE" dirty="0"/>
+              <a:t>Unsere Änderungen am Framework </a:t>
+            </a:r>
+            <a:r>
+              <a:rPr lang="de-DE" sz="3200" dirty="0"/>
+              <a:t>(aka „Der Cheat“)</a:t>
+            </a:r>
+            <a:endParaRPr lang="en-GB" sz="3200" dirty="0"/>
+          </a:p>
+        </p:txBody>
+      </p:sp>
+      <p:sp>
+        <p:nvSpPr>
+          <p:cNvPr id="4" name="Textplatzhalter 3">
+            <a:extLst>
+              <a:ext uri="{FF2B5EF4-FFF2-40B4-BE49-F238E27FC236}">
+                <a16:creationId xmlns:a16="http://schemas.microsoft.com/office/drawing/2014/main" id="{9ED895EC-4C20-49D8-80FF-5F88289B287C}"/>
+              </a:ext>
+            </a:extLst>
+          </p:cNvPr>
+          <p:cNvSpPr>
+            <a:spLocks noGrp="1"/>
+          </p:cNvSpPr>
+          <p:nvPr>
+            <p:ph type="body" sz="quarter" idx="12"/>
+          </p:nvPr>
+        </p:nvSpPr>
+        <p:spPr/>
+        <p:txBody>
+          <a:bodyPr/>
+          <a:lstStyle/>
+          <a:p>
+            <a:endParaRPr lang="en-GB" dirty="0"/>
+          </a:p>
+        </p:txBody>
+      </p:sp>
+      <p:sp>
+        <p:nvSpPr>
+          <p:cNvPr id="5" name="Rectangle 1">
+            <a:extLst>
+              <a:ext uri="{FF2B5EF4-FFF2-40B4-BE49-F238E27FC236}">
+                <a16:creationId xmlns:a16="http://schemas.microsoft.com/office/drawing/2014/main" id="{018818E2-0C7C-4BEF-B81C-EC871FA22BBA}"/>
+              </a:ext>
+            </a:extLst>
+          </p:cNvPr>
+          <p:cNvSpPr>
+            <a:spLocks noGrp="1" noChangeArrowheads="1"/>
+          </p:cNvSpPr>
+          <p:nvPr>
+            <p:ph type="body" sz="quarter" idx="11"/>
+          </p:nvPr>
+        </p:nvSpPr>
+        <p:spPr bwMode="auto">
+          <a:xfrm>
+            <a:off x="799200" y="999000"/>
+            <a:ext cx="7841461" cy="1785104"/>
+          </a:xfrm>
+          <a:prstGeom prst="rect">
+            <a:avLst/>
+          </a:prstGeom>
+          <a:solidFill>
+            <a:srgbClr val="2B2B2B"/>
+          </a:solidFill>
+          <a:ln>
+            <a:noFill/>
+          </a:ln>
+          <a:effectLst/>
+          <a:extLst>
+            <a:ext uri="{91240B29-F687-4F45-9708-019B960494DF}">
+              <a14:hiddenLine xmlns:a14="http://schemas.microsoft.com/office/drawing/2010/main" w="9525">
+                <a:solidFill>
+                  <a:schemeClr val="tx1"/>
+                </a:solidFill>
+                <a:miter lim="800000"/>
+                <a:headEnd/>
+                <a:tailEnd/>
+              </a14:hiddenLine>
+            </a:ext>
+            <a:ext uri="{AF507438-7753-43E0-B8FC-AC1667EBCBE1}">
+              <a14:hiddenEffects xmlns:a14="http://schemas.microsoft.com/office/drawing/2010/main">
+                <a:effectLst>
+                  <a:outerShdw dist="35921" dir="2700000" algn="ctr" rotWithShape="0">
+                    <a:schemeClr val="bg2"/>
+                  </a:outerShdw>
+                </a:effectLst>
+              </a14:hiddenEffects>
+            </a:ext>
+          </a:extLst>
+        </p:spPr>
+        <p:txBody>
+          <a:bodyPr vert="horz" wrap="square" lIns="91440" tIns="45720" rIns="91440" bIns="45720" numCol="1" anchor="ctr" anchorCtr="0" compatLnSpc="1">
+            <a:prstTxWarp prst="textNoShape">
+              <a:avLst/>
+            </a:prstTxWarp>
+            <a:spAutoFit/>
+          </a:bodyPr>
+          <a:lstStyle/>
+          <a:p>
+            <a:pPr marL="0" marR="0" lvl="0" indent="0" algn="l" defTabSz="914400" rtl="0" eaLnBrk="0" fontAlgn="base" latinLnBrk="0" hangingPunct="0">
+              <a:lnSpc>
+                <a:spcPct val="100000"/>
+              </a:lnSpc>
+              <a:spcBef>
+                <a:spcPct val="0"/>
+              </a:spcBef>
+              <a:spcAft>
+                <a:spcPct val="0"/>
+              </a:spcAft>
+              <a:buClrTx/>
+              <a:buSzTx/>
+              <a:buFontTx/>
+              <a:buNone/>
+              <a:tabLst/>
+            </a:pPr>
+            <a:r>
+              <a:rPr kumimoji="0" lang="en-US" altLang="en-US" sz="1000" b="0" i="0" u="none" strike="noStrike" cap="none" normalizeH="0" baseline="0" dirty="0">
+                <a:ln>
+                  <a:noFill/>
+                </a:ln>
+                <a:solidFill>
+                  <a:srgbClr val="CC7832"/>
+                </a:solidFill>
+                <a:effectLst/>
+                <a:latin typeface="JetBrains Mono"/>
+              </a:rPr>
+              <a:t>def </a:t>
+            </a:r>
+            <a:r>
+              <a:rPr kumimoji="0" lang="en-US" altLang="en-US" sz="1000" b="0" i="0" u="none" strike="noStrike" cap="none" normalizeH="0" baseline="0" dirty="0">
+                <a:ln>
+                  <a:noFill/>
+                </a:ln>
+                <a:solidFill>
+                  <a:srgbClr val="FFC66D"/>
+                </a:solidFill>
+                <a:effectLst/>
+                <a:latin typeface="JetBrains Mono"/>
+              </a:rPr>
+              <a:t>post_solve_level</a:t>
+            </a:r>
+            <a:r>
+              <a:rPr kumimoji="0" lang="en-US" altLang="en-US" sz="1000" b="0" i="0" u="none" strike="noStrike" cap="none" normalizeH="0" baseline="0" dirty="0">
+                <a:ln>
+                  <a:noFill/>
+                </a:ln>
+                <a:solidFill>
+                  <a:srgbClr val="A9B7C6"/>
+                </a:solidFill>
+                <a:effectLst/>
+                <a:latin typeface="JetBrains Mono"/>
+              </a:rPr>
+              <a:t>(</a:t>
+            </a:r>
+            <a:r>
+              <a:rPr kumimoji="0" lang="en-US" altLang="en-US" sz="1000" b="0" i="0" u="none" strike="noStrike" cap="none" normalizeH="0" baseline="0" dirty="0" err="1">
+                <a:ln>
+                  <a:noFill/>
+                </a:ln>
+                <a:solidFill>
+                  <a:srgbClr val="A9B7C6"/>
+                </a:solidFill>
+                <a:effectLst/>
+                <a:latin typeface="JetBrains Mono"/>
+              </a:rPr>
+              <a:t>room_nr</a:t>
+            </a:r>
+            <a:r>
+              <a:rPr kumimoji="0" lang="en-US" altLang="en-US" sz="1000" b="0" i="0" u="none" strike="noStrike" cap="none" normalizeH="0" baseline="0" dirty="0">
+                <a:ln>
+                  <a:noFill/>
+                </a:ln>
+                <a:solidFill>
+                  <a:srgbClr val="CC7832"/>
+                </a:solidFill>
+                <a:effectLst/>
+                <a:latin typeface="JetBrains Mono"/>
+              </a:rPr>
+              <a:t>, </a:t>
+            </a:r>
+            <a:r>
+              <a:rPr kumimoji="0" lang="en-US" altLang="en-US" sz="1000" b="0" i="0" u="none" strike="noStrike" cap="none" normalizeH="0" baseline="0" dirty="0" err="1">
+                <a:ln>
+                  <a:noFill/>
+                </a:ln>
+                <a:solidFill>
+                  <a:srgbClr val="A9B7C6"/>
+                </a:solidFill>
+                <a:effectLst/>
+                <a:latin typeface="JetBrains Mono"/>
+              </a:rPr>
+              <a:t>level_nr</a:t>
+            </a:r>
+            <a:r>
+              <a:rPr kumimoji="0" lang="en-US" altLang="en-US" sz="1000" b="0" i="0" u="none" strike="noStrike" cap="none" normalizeH="0" baseline="0" dirty="0">
+                <a:ln>
+                  <a:noFill/>
+                </a:ln>
+                <a:solidFill>
+                  <a:srgbClr val="A9B7C6"/>
+                </a:solidFill>
+                <a:effectLst/>
+                <a:latin typeface="JetBrains Mono"/>
+              </a:rPr>
+              <a:t>):</a:t>
+            </a:r>
+            <a:br>
+              <a:rPr kumimoji="0" lang="en-US" altLang="en-US" sz="1000" b="0" i="0" u="none" strike="noStrike" cap="none" normalizeH="0" baseline="0" dirty="0">
+                <a:ln>
+                  <a:noFill/>
+                </a:ln>
+                <a:solidFill>
+                  <a:srgbClr val="A9B7C6"/>
+                </a:solidFill>
+                <a:effectLst/>
+                <a:latin typeface="JetBrains Mono"/>
+              </a:rPr>
+            </a:br>
+            <a:r>
+              <a:rPr kumimoji="0" lang="en-US" altLang="en-US" sz="1000" b="0" i="0" u="none" strike="noStrike" cap="none" normalizeH="0" baseline="0" dirty="0">
+                <a:ln>
+                  <a:noFill/>
+                </a:ln>
+                <a:solidFill>
+                  <a:srgbClr val="A9B7C6"/>
+                </a:solidFill>
+                <a:effectLst/>
+                <a:latin typeface="JetBrains Mono"/>
+              </a:rPr>
+              <a:t>    room = </a:t>
+            </a:r>
+            <a:r>
+              <a:rPr kumimoji="0" lang="en-US" altLang="en-US" sz="1000" b="0" i="0" u="none" strike="noStrike" cap="none" normalizeH="0" baseline="0" dirty="0" err="1">
+                <a:ln>
+                  <a:noFill/>
+                </a:ln>
+                <a:solidFill>
+                  <a:srgbClr val="A9B7C6"/>
+                </a:solidFill>
+                <a:effectLst/>
+                <a:latin typeface="JetBrains Mono"/>
+              </a:rPr>
+              <a:t>game.get_rooms</a:t>
+            </a:r>
+            <a:r>
+              <a:rPr kumimoji="0" lang="en-US" altLang="en-US" sz="1000" b="0" i="0" u="none" strike="noStrike" cap="none" normalizeH="0" baseline="0" dirty="0">
+                <a:ln>
+                  <a:noFill/>
+                </a:ln>
+                <a:solidFill>
+                  <a:srgbClr val="A9B7C6"/>
+                </a:solidFill>
+                <a:effectLst/>
+                <a:latin typeface="JetBrains Mono"/>
+              </a:rPr>
+              <a:t>()[</a:t>
+            </a:r>
+            <a:r>
+              <a:rPr kumimoji="0" lang="en-US" altLang="en-US" sz="1000" b="0" i="0" u="none" strike="noStrike" cap="none" normalizeH="0" baseline="0" dirty="0" err="1">
+                <a:ln>
+                  <a:noFill/>
+                </a:ln>
+                <a:solidFill>
+                  <a:srgbClr val="A9B7C6"/>
+                </a:solidFill>
+                <a:effectLst/>
+                <a:latin typeface="JetBrains Mono"/>
+              </a:rPr>
+              <a:t>room_nr</a:t>
+            </a:r>
+            <a:r>
+              <a:rPr kumimoji="0" lang="en-US" altLang="en-US" sz="1000" b="0" i="0" u="none" strike="noStrike" cap="none" normalizeH="0" baseline="0" dirty="0">
+                <a:ln>
+                  <a:noFill/>
+                </a:ln>
+                <a:solidFill>
+                  <a:srgbClr val="A9B7C6"/>
+                </a:solidFill>
+                <a:effectLst/>
+                <a:latin typeface="JetBrains Mono"/>
+              </a:rPr>
+              <a:t>]</a:t>
+            </a:r>
+            <a:br>
+              <a:rPr kumimoji="0" lang="en-US" altLang="en-US" sz="1000" b="0" i="0" u="none" strike="noStrike" cap="none" normalizeH="0" baseline="0" dirty="0">
+                <a:ln>
+                  <a:noFill/>
+                </a:ln>
+                <a:solidFill>
+                  <a:srgbClr val="A9B7C6"/>
+                </a:solidFill>
+                <a:effectLst/>
+                <a:latin typeface="JetBrains Mono"/>
+              </a:rPr>
+            </a:br>
+            <a:r>
+              <a:rPr kumimoji="0" lang="en-US" altLang="en-US" sz="1000" b="0" i="0" u="none" strike="noStrike" cap="none" normalizeH="0" baseline="0" dirty="0">
+                <a:ln>
+                  <a:noFill/>
+                </a:ln>
+                <a:solidFill>
+                  <a:srgbClr val="A9B7C6"/>
+                </a:solidFill>
+                <a:effectLst/>
+                <a:latin typeface="JetBrains Mono"/>
+              </a:rPr>
+              <a:t>    level = </a:t>
+            </a:r>
+            <a:r>
+              <a:rPr kumimoji="0" lang="en-US" altLang="en-US" sz="1000" b="0" i="0" u="none" strike="noStrike" cap="none" normalizeH="0" baseline="0" dirty="0" err="1">
+                <a:ln>
+                  <a:noFill/>
+                </a:ln>
+                <a:solidFill>
+                  <a:srgbClr val="A9B7C6"/>
+                </a:solidFill>
+                <a:effectLst/>
+                <a:latin typeface="JetBrains Mono"/>
+              </a:rPr>
+              <a:t>room.get_levels</a:t>
+            </a:r>
+            <a:r>
+              <a:rPr kumimoji="0" lang="en-US" altLang="en-US" sz="1000" b="0" i="0" u="none" strike="noStrike" cap="none" normalizeH="0" baseline="0" dirty="0">
+                <a:ln>
+                  <a:noFill/>
+                </a:ln>
+                <a:solidFill>
+                  <a:srgbClr val="A9B7C6"/>
+                </a:solidFill>
+                <a:effectLst/>
+                <a:latin typeface="JetBrains Mono"/>
+              </a:rPr>
+              <a:t>()[</a:t>
+            </a:r>
+            <a:r>
+              <a:rPr kumimoji="0" lang="en-US" altLang="en-US" sz="1000" b="0" i="0" u="none" strike="noStrike" cap="none" normalizeH="0" baseline="0" dirty="0" err="1">
+                <a:ln>
+                  <a:noFill/>
+                </a:ln>
+                <a:solidFill>
+                  <a:srgbClr val="A9B7C6"/>
+                </a:solidFill>
+                <a:effectLst/>
+                <a:latin typeface="JetBrains Mono"/>
+              </a:rPr>
+              <a:t>level_nr</a:t>
+            </a:r>
+            <a:r>
+              <a:rPr kumimoji="0" lang="en-US" altLang="en-US" sz="1000" b="0" i="0" u="none" strike="noStrike" cap="none" normalizeH="0" baseline="0" dirty="0">
+                <a:ln>
+                  <a:noFill/>
+                </a:ln>
+                <a:solidFill>
+                  <a:srgbClr val="A9B7C6"/>
+                </a:solidFill>
+                <a:effectLst/>
+                <a:latin typeface="JetBrains Mono"/>
+              </a:rPr>
+              <a:t>]</a:t>
+            </a:r>
+            <a:br>
+              <a:rPr kumimoji="0" lang="en-US" altLang="en-US" sz="1000" b="0" i="0" u="none" strike="noStrike" cap="none" normalizeH="0" baseline="0" dirty="0">
+                <a:ln>
+                  <a:noFill/>
+                </a:ln>
+                <a:solidFill>
+                  <a:srgbClr val="A9B7C6"/>
+                </a:solidFill>
+                <a:effectLst/>
+                <a:latin typeface="JetBrains Mono"/>
+              </a:rPr>
+            </a:br>
+            <a:r>
+              <a:rPr kumimoji="0" lang="en-US" altLang="en-US" sz="1000" b="0" i="0" u="none" strike="noStrike" cap="none" normalizeH="0" baseline="0" dirty="0">
+                <a:ln>
+                  <a:noFill/>
+                </a:ln>
+                <a:solidFill>
+                  <a:srgbClr val="A9B7C6"/>
+                </a:solidFill>
+                <a:effectLst/>
+                <a:latin typeface="JetBrains Mono"/>
+              </a:rPr>
+              <a:t>    file = </a:t>
+            </a:r>
+            <a:r>
+              <a:rPr kumimoji="0" lang="en-US" altLang="en-US" sz="1000" b="0" i="0" u="none" strike="noStrike" cap="none" normalizeH="0" baseline="0" dirty="0" err="1">
+                <a:ln>
+                  <a:noFill/>
+                </a:ln>
+                <a:solidFill>
+                  <a:srgbClr val="A9B7C6"/>
+                </a:solidFill>
+                <a:effectLst/>
+                <a:latin typeface="JetBrains Mono"/>
+              </a:rPr>
+              <a:t>request.files</a:t>
+            </a:r>
+            <a:r>
+              <a:rPr kumimoji="0" lang="en-US" altLang="en-US" sz="1000" b="0" i="0" u="none" strike="noStrike" cap="none" normalizeH="0" baseline="0" dirty="0">
+                <a:ln>
+                  <a:noFill/>
+                </a:ln>
+                <a:solidFill>
+                  <a:srgbClr val="A9B7C6"/>
+                </a:solidFill>
+                <a:effectLst/>
+                <a:latin typeface="JetBrains Mono"/>
+              </a:rPr>
+              <a:t>[</a:t>
+            </a:r>
+            <a:r>
+              <a:rPr kumimoji="0" lang="en-US" altLang="en-US" sz="1000" b="0" i="0" u="none" strike="noStrike" cap="none" normalizeH="0" baseline="0" dirty="0">
+                <a:ln>
+                  <a:noFill/>
+                </a:ln>
+                <a:solidFill>
+                  <a:srgbClr val="6A8759"/>
+                </a:solidFill>
+                <a:effectLst/>
+                <a:latin typeface="JetBrains Mono"/>
+              </a:rPr>
+              <a:t>'file'</a:t>
+            </a:r>
+            <a:r>
+              <a:rPr kumimoji="0" lang="en-US" altLang="en-US" sz="1000" b="0" i="0" u="none" strike="noStrike" cap="none" normalizeH="0" baseline="0" dirty="0">
+                <a:ln>
+                  <a:noFill/>
+                </a:ln>
+                <a:solidFill>
+                  <a:srgbClr val="A9B7C6"/>
+                </a:solidFill>
+                <a:effectLst/>
+                <a:latin typeface="JetBrains Mono"/>
+              </a:rPr>
+              <a:t>]</a:t>
+            </a:r>
+            <a:br>
+              <a:rPr kumimoji="0" lang="en-US" altLang="en-US" sz="1000" b="0" i="0" u="none" strike="noStrike" cap="none" normalizeH="0" baseline="0" dirty="0">
+                <a:ln>
+                  <a:noFill/>
+                </a:ln>
+                <a:solidFill>
+                  <a:srgbClr val="A9B7C6"/>
+                </a:solidFill>
+                <a:effectLst/>
+                <a:latin typeface="JetBrains Mono"/>
+              </a:rPr>
+            </a:br>
+            <a:r>
+              <a:rPr kumimoji="0" lang="en-US" altLang="en-US" sz="1000" b="0" i="0" u="none" strike="noStrike" cap="none" normalizeH="0" baseline="0" dirty="0">
+                <a:ln>
+                  <a:noFill/>
+                </a:ln>
+                <a:solidFill>
+                  <a:srgbClr val="A9B7C6"/>
+                </a:solidFill>
+                <a:effectLst/>
+                <a:latin typeface="JetBrains Mono"/>
+              </a:rPr>
+              <a:t>    filename = </a:t>
+            </a:r>
+            <a:r>
+              <a:rPr kumimoji="0" lang="en-US" altLang="en-US" sz="1000" b="0" i="0" u="none" strike="noStrike" cap="none" normalizeH="0" baseline="0" dirty="0">
+                <a:ln>
+                  <a:noFill/>
+                </a:ln>
+                <a:solidFill>
+                  <a:srgbClr val="6A8759"/>
+                </a:solidFill>
+                <a:effectLst/>
+                <a:latin typeface="JetBrains Mono"/>
+              </a:rPr>
+              <a:t>''</a:t>
+            </a:r>
+            <a:r>
+              <a:rPr kumimoji="0" lang="en-US" altLang="en-US" sz="1000" b="0" i="0" u="none" strike="noStrike" cap="none" normalizeH="0" baseline="0" dirty="0">
+                <a:ln>
+                  <a:noFill/>
+                </a:ln>
+                <a:solidFill>
+                  <a:srgbClr val="A9B7C6"/>
+                </a:solidFill>
+                <a:effectLst/>
+                <a:latin typeface="JetBrains Mono"/>
+              </a:rPr>
+              <a:t>.join(</a:t>
+            </a:r>
+            <a:r>
+              <a:rPr kumimoji="0" lang="en-US" altLang="en-US" sz="1000" b="0" i="0" u="none" strike="noStrike" cap="none" normalizeH="0" baseline="0" dirty="0" err="1">
+                <a:ln>
+                  <a:noFill/>
+                </a:ln>
+                <a:solidFill>
+                  <a:srgbClr val="A9B7C6"/>
+                </a:solidFill>
+                <a:effectLst/>
+                <a:latin typeface="JetBrains Mono"/>
+              </a:rPr>
+              <a:t>random.choices</a:t>
+            </a:r>
+            <a:r>
+              <a:rPr kumimoji="0" lang="en-US" altLang="en-US" sz="1000" b="0" i="0" u="none" strike="noStrike" cap="none" normalizeH="0" baseline="0" dirty="0">
+                <a:ln>
+                  <a:noFill/>
+                </a:ln>
+                <a:solidFill>
+                  <a:srgbClr val="A9B7C6"/>
+                </a:solidFill>
+                <a:effectLst/>
+                <a:latin typeface="JetBrains Mono"/>
+              </a:rPr>
+              <a:t>(</a:t>
+            </a:r>
+            <a:br>
+              <a:rPr kumimoji="0" lang="en-US" altLang="en-US" sz="1000" b="0" i="0" u="none" strike="noStrike" cap="none" normalizeH="0" baseline="0" dirty="0">
+                <a:ln>
+                  <a:noFill/>
+                </a:ln>
+                <a:solidFill>
+                  <a:srgbClr val="A9B7C6"/>
+                </a:solidFill>
+                <a:effectLst/>
+                <a:latin typeface="JetBrains Mono"/>
+              </a:rPr>
+            </a:br>
+            <a:r>
+              <a:rPr kumimoji="0" lang="en-US" altLang="en-US" sz="1000" b="0" i="0" u="none" strike="noStrike" cap="none" normalizeH="0" baseline="0" dirty="0">
+                <a:ln>
+                  <a:noFill/>
+                </a:ln>
+                <a:solidFill>
+                  <a:srgbClr val="A9B7C6"/>
+                </a:solidFill>
+                <a:effectLst/>
+                <a:latin typeface="JetBrains Mono"/>
+              </a:rPr>
+              <a:t>        </a:t>
+            </a:r>
+            <a:r>
+              <a:rPr kumimoji="0" lang="en-US" altLang="en-US" sz="1000" b="0" i="0" u="none" strike="noStrike" cap="none" normalizeH="0" baseline="0" dirty="0" err="1">
+                <a:ln>
+                  <a:noFill/>
+                </a:ln>
+                <a:solidFill>
+                  <a:srgbClr val="A9B7C6"/>
+                </a:solidFill>
+                <a:effectLst/>
+                <a:latin typeface="JetBrains Mono"/>
+              </a:rPr>
+              <a:t>string.ascii_lowercase</a:t>
+            </a:r>
+            <a:r>
+              <a:rPr kumimoji="0" lang="en-US" altLang="en-US" sz="1000" b="0" i="0" u="none" strike="noStrike" cap="none" normalizeH="0" baseline="0" dirty="0">
+                <a:ln>
+                  <a:noFill/>
+                </a:ln>
+                <a:solidFill>
+                  <a:srgbClr val="A9B7C6"/>
+                </a:solidFill>
+                <a:effectLst/>
+                <a:latin typeface="JetBrains Mono"/>
+              </a:rPr>
+              <a:t> + </a:t>
+            </a:r>
+            <a:r>
+              <a:rPr kumimoji="0" lang="en-US" altLang="en-US" sz="1000" b="0" i="0" u="none" strike="noStrike" cap="none" normalizeH="0" baseline="0" dirty="0" err="1">
+                <a:ln>
+                  <a:noFill/>
+                </a:ln>
+                <a:solidFill>
+                  <a:srgbClr val="A9B7C6"/>
+                </a:solidFill>
+                <a:effectLst/>
+                <a:latin typeface="JetBrains Mono"/>
+              </a:rPr>
+              <a:t>string.digits</a:t>
+            </a:r>
+            <a:r>
+              <a:rPr kumimoji="0" lang="en-US" altLang="en-US" sz="1000" b="0" i="0" u="none" strike="noStrike" cap="none" normalizeH="0" baseline="0" dirty="0">
+                <a:ln>
+                  <a:noFill/>
+                </a:ln>
+                <a:solidFill>
+                  <a:srgbClr val="CC7832"/>
+                </a:solidFill>
+                <a:effectLst/>
+                <a:latin typeface="JetBrains Mono"/>
+              </a:rPr>
+              <a:t>, </a:t>
+            </a:r>
+            <a:r>
+              <a:rPr kumimoji="0" lang="en-US" altLang="en-US" sz="1000" b="0" i="0" u="none" strike="noStrike" cap="none" normalizeH="0" baseline="0" dirty="0">
+                <a:ln>
+                  <a:noFill/>
+                </a:ln>
+                <a:solidFill>
+                  <a:srgbClr val="AA4926"/>
+                </a:solidFill>
+                <a:effectLst/>
+                <a:latin typeface="JetBrains Mono"/>
+              </a:rPr>
+              <a:t>k</a:t>
+            </a:r>
+            <a:r>
+              <a:rPr kumimoji="0" lang="en-US" altLang="en-US" sz="1000" b="0" i="0" u="none" strike="noStrike" cap="none" normalizeH="0" baseline="0" dirty="0">
+                <a:ln>
+                  <a:noFill/>
+                </a:ln>
+                <a:solidFill>
+                  <a:srgbClr val="A9B7C6"/>
+                </a:solidFill>
+                <a:effectLst/>
+                <a:latin typeface="JetBrains Mono"/>
+              </a:rPr>
+              <a:t>=</a:t>
+            </a:r>
+            <a:r>
+              <a:rPr kumimoji="0" lang="en-US" altLang="en-US" sz="1000" b="0" i="0" u="none" strike="noStrike" cap="none" normalizeH="0" baseline="0" dirty="0">
+                <a:ln>
+                  <a:noFill/>
+                </a:ln>
+                <a:solidFill>
+                  <a:srgbClr val="6897BB"/>
+                </a:solidFill>
+                <a:effectLst/>
+                <a:latin typeface="JetBrains Mono"/>
+              </a:rPr>
+              <a:t>7</a:t>
+            </a:r>
+            <a:r>
+              <a:rPr kumimoji="0" lang="en-US" altLang="en-US" sz="1000" b="0" i="0" u="none" strike="noStrike" cap="none" normalizeH="0" baseline="0" dirty="0">
+                <a:ln>
+                  <a:noFill/>
+                </a:ln>
+                <a:solidFill>
+                  <a:srgbClr val="A9B7C6"/>
+                </a:solidFill>
+                <a:effectLst/>
+                <a:latin typeface="JetBrains Mono"/>
+              </a:rPr>
+              <a:t>))</a:t>
+            </a:r>
+            <a:br>
+              <a:rPr kumimoji="0" lang="en-US" altLang="en-US" sz="1000" b="0" i="0" u="none" strike="noStrike" cap="none" normalizeH="0" baseline="0" dirty="0">
+                <a:ln>
+                  <a:noFill/>
+                </a:ln>
+                <a:solidFill>
+                  <a:srgbClr val="A9B7C6"/>
+                </a:solidFill>
+                <a:effectLst/>
+                <a:latin typeface="JetBrains Mono"/>
+              </a:rPr>
+            </a:br>
+            <a:r>
+              <a:rPr kumimoji="0" lang="en-US" altLang="en-US" sz="1000" b="0" i="0" u="none" strike="noStrike" cap="none" normalizeH="0" baseline="0" dirty="0">
+                <a:ln>
+                  <a:noFill/>
+                </a:ln>
+                <a:solidFill>
+                  <a:srgbClr val="A9B7C6"/>
+                </a:solidFill>
+                <a:effectLst/>
+                <a:latin typeface="JetBrains Mono"/>
+              </a:rPr>
+              <a:t>    </a:t>
+            </a:r>
+            <a:r>
+              <a:rPr kumimoji="0" lang="en-US" altLang="en-US" sz="1000" b="0" i="0" u="none" strike="noStrike" cap="none" normalizeH="0" baseline="0" dirty="0" err="1">
+                <a:ln>
+                  <a:noFill/>
+                </a:ln>
+                <a:solidFill>
+                  <a:srgbClr val="A9B7C6"/>
+                </a:solidFill>
+                <a:effectLst/>
+                <a:latin typeface="JetBrains Mono"/>
+              </a:rPr>
+              <a:t>file.save</a:t>
+            </a:r>
+            <a:r>
+              <a:rPr kumimoji="0" lang="en-US" altLang="en-US" sz="1000" b="0" i="0" u="none" strike="noStrike" cap="none" normalizeH="0" baseline="0" dirty="0">
+                <a:ln>
+                  <a:noFill/>
+                </a:ln>
+                <a:solidFill>
+                  <a:srgbClr val="A9B7C6"/>
+                </a:solidFill>
+                <a:effectLst/>
+                <a:latin typeface="JetBrains Mono"/>
+              </a:rPr>
+              <a:t>(filename+</a:t>
+            </a:r>
+            <a:r>
+              <a:rPr kumimoji="0" lang="en-US" altLang="en-US" sz="1000" b="0" i="0" u="none" strike="noStrike" cap="none" normalizeH="0" baseline="0" dirty="0">
+                <a:ln>
+                  <a:noFill/>
+                </a:ln>
+                <a:solidFill>
+                  <a:srgbClr val="6A8759"/>
+                </a:solidFill>
+                <a:effectLst/>
+                <a:latin typeface="JetBrains Mono"/>
+              </a:rPr>
+              <a:t>".</a:t>
+            </a:r>
+            <a:r>
+              <a:rPr kumimoji="0" lang="en-US" altLang="en-US" sz="1000" b="0" i="0" u="none" strike="noStrike" cap="none" normalizeH="0" baseline="0" dirty="0" err="1">
+                <a:ln>
+                  <a:noFill/>
+                </a:ln>
+                <a:solidFill>
+                  <a:srgbClr val="6A8759"/>
+                </a:solidFill>
+                <a:effectLst/>
+                <a:latin typeface="JetBrains Mono"/>
+              </a:rPr>
+              <a:t>py</a:t>
+            </a:r>
+            <a:r>
+              <a:rPr kumimoji="0" lang="en-US" altLang="en-US" sz="1000" b="0" i="0" u="none" strike="noStrike" cap="none" normalizeH="0" baseline="0" dirty="0">
+                <a:ln>
+                  <a:noFill/>
+                </a:ln>
+                <a:solidFill>
+                  <a:srgbClr val="6A8759"/>
+                </a:solidFill>
+                <a:effectLst/>
+                <a:latin typeface="JetBrains Mono"/>
+              </a:rPr>
+              <a:t>"</a:t>
+            </a:r>
+            <a:r>
+              <a:rPr kumimoji="0" lang="en-US" altLang="en-US" sz="1000" b="0" i="0" u="none" strike="noStrike" cap="none" normalizeH="0" baseline="0" dirty="0">
+                <a:ln>
+                  <a:noFill/>
+                </a:ln>
+                <a:solidFill>
+                  <a:srgbClr val="A9B7C6"/>
+                </a:solidFill>
+                <a:effectLst/>
+                <a:latin typeface="JetBrains Mono"/>
+              </a:rPr>
+              <a:t>)</a:t>
+            </a:r>
+            <a:br>
+              <a:rPr kumimoji="0" lang="en-US" altLang="en-US" sz="1000" b="0" i="0" u="none" strike="noStrike" cap="none" normalizeH="0" baseline="0" dirty="0">
+                <a:ln>
+                  <a:noFill/>
+                </a:ln>
+                <a:solidFill>
+                  <a:srgbClr val="A9B7C6"/>
+                </a:solidFill>
+                <a:effectLst/>
+                <a:latin typeface="JetBrains Mono"/>
+              </a:rPr>
+            </a:br>
+            <a:r>
+              <a:rPr kumimoji="0" lang="en-US" altLang="en-US" sz="1000" b="0" i="0" u="none" strike="noStrike" cap="none" normalizeH="0" baseline="0" dirty="0">
+                <a:ln>
+                  <a:noFill/>
+                </a:ln>
+                <a:solidFill>
+                  <a:srgbClr val="A9B7C6"/>
+                </a:solidFill>
+                <a:effectLst/>
+                <a:latin typeface="JetBrains Mono"/>
+              </a:rPr>
+              <a:t>    solution = </a:t>
+            </a:r>
+            <a:r>
+              <a:rPr kumimoji="0" lang="en-US" altLang="en-US" sz="1000" b="0" i="0" u="none" strike="noStrike" cap="none" normalizeH="0" baseline="0" dirty="0" err="1">
+                <a:ln>
+                  <a:noFill/>
+                </a:ln>
+                <a:solidFill>
+                  <a:srgbClr val="A9B7C6"/>
+                </a:solidFill>
+                <a:effectLst/>
+                <a:latin typeface="JetBrains Mono"/>
+              </a:rPr>
+              <a:t>room.check_solution</a:t>
+            </a:r>
+            <a:r>
+              <a:rPr kumimoji="0" lang="en-US" altLang="en-US" sz="1000" b="0" i="0" u="none" strike="noStrike" cap="none" normalizeH="0" baseline="0" dirty="0">
+                <a:ln>
+                  <a:noFill/>
+                </a:ln>
+                <a:solidFill>
+                  <a:srgbClr val="A9B7C6"/>
+                </a:solidFill>
+                <a:effectLst/>
+                <a:latin typeface="JetBrains Mono"/>
+              </a:rPr>
+              <a:t>(</a:t>
+            </a:r>
+            <a:br>
+              <a:rPr kumimoji="0" lang="en-US" altLang="en-US" sz="1000" b="0" i="0" u="none" strike="noStrike" cap="none" normalizeH="0" baseline="0" dirty="0">
+                <a:ln>
+                  <a:noFill/>
+                </a:ln>
+                <a:solidFill>
+                  <a:srgbClr val="A9B7C6"/>
+                </a:solidFill>
+                <a:effectLst/>
+                <a:latin typeface="JetBrains Mono"/>
+              </a:rPr>
+            </a:br>
+            <a:r>
+              <a:rPr kumimoji="0" lang="en-US" altLang="en-US" sz="1000" b="0" i="0" u="none" strike="noStrike" cap="none" normalizeH="0" baseline="0" dirty="0">
+                <a:ln>
+                  <a:noFill/>
+                </a:ln>
+                <a:solidFill>
+                  <a:srgbClr val="A9B7C6"/>
+                </a:solidFill>
+                <a:effectLst/>
+                <a:latin typeface="JetBrains Mono"/>
+              </a:rPr>
+              <a:t>        filename</a:t>
+            </a:r>
+            <a:r>
+              <a:rPr kumimoji="0" lang="en-US" altLang="en-US" sz="1000" b="0" i="0" u="none" strike="noStrike" cap="none" normalizeH="0" baseline="0" dirty="0">
+                <a:ln>
+                  <a:noFill/>
+                </a:ln>
+                <a:solidFill>
+                  <a:srgbClr val="CC7832"/>
+                </a:solidFill>
+                <a:effectLst/>
+                <a:latin typeface="JetBrains Mono"/>
+              </a:rPr>
+              <a:t>, </a:t>
+            </a:r>
+            <a:r>
+              <a:rPr kumimoji="0" lang="en-US" altLang="en-US" sz="1000" b="0" i="0" u="none" strike="noStrike" cap="none" normalizeH="0" baseline="0" dirty="0">
+                <a:ln>
+                  <a:noFill/>
+                </a:ln>
+                <a:solidFill>
+                  <a:srgbClr val="A9B7C6"/>
+                </a:solidFill>
+                <a:effectLst/>
+                <a:latin typeface="JetBrains Mono"/>
+              </a:rPr>
+              <a:t>level[</a:t>
+            </a:r>
+            <a:r>
+              <a:rPr kumimoji="0" lang="en-US" altLang="en-US" sz="1000" b="0" i="0" u="none" strike="noStrike" cap="none" normalizeH="0" baseline="0" dirty="0">
+                <a:ln>
+                  <a:noFill/>
+                </a:ln>
+                <a:solidFill>
+                  <a:srgbClr val="6A8759"/>
+                </a:solidFill>
+                <a:effectLst/>
+                <a:latin typeface="JetBrains Mono"/>
+              </a:rPr>
+              <a:t>"</a:t>
+            </a:r>
+            <a:r>
+              <a:rPr kumimoji="0" lang="en-US" altLang="en-US" sz="1000" b="0" i="0" u="none" strike="noStrike" cap="none" normalizeH="0" baseline="0" dirty="0" err="1">
+                <a:ln>
+                  <a:noFill/>
+                </a:ln>
+                <a:solidFill>
+                  <a:srgbClr val="6A8759"/>
+                </a:solidFill>
+                <a:effectLst/>
+                <a:latin typeface="JetBrains Mono"/>
+              </a:rPr>
+              <a:t>solution_function</a:t>
+            </a:r>
+            <a:r>
+              <a:rPr kumimoji="0" lang="en-US" altLang="en-US" sz="1000" b="0" i="0" u="none" strike="noStrike" cap="none" normalizeH="0" baseline="0" dirty="0">
+                <a:ln>
+                  <a:noFill/>
+                </a:ln>
+                <a:solidFill>
+                  <a:srgbClr val="6A8759"/>
+                </a:solidFill>
+                <a:effectLst/>
+                <a:latin typeface="JetBrains Mono"/>
+              </a:rPr>
+              <a:t>"</a:t>
+            </a:r>
+            <a:r>
+              <a:rPr kumimoji="0" lang="en-US" altLang="en-US" sz="1000" b="0" i="0" u="none" strike="noStrike" cap="none" normalizeH="0" baseline="0" dirty="0">
+                <a:ln>
+                  <a:noFill/>
+                </a:ln>
+                <a:solidFill>
+                  <a:srgbClr val="A9B7C6"/>
+                </a:solidFill>
+                <a:effectLst/>
+                <a:latin typeface="JetBrains Mono"/>
+              </a:rPr>
+              <a:t>]</a:t>
+            </a:r>
+            <a:r>
+              <a:rPr kumimoji="0" lang="en-US" altLang="en-US" sz="1000" b="0" i="0" u="none" strike="noStrike" cap="none" normalizeH="0" baseline="0" dirty="0">
+                <a:ln>
+                  <a:noFill/>
+                </a:ln>
+                <a:solidFill>
+                  <a:srgbClr val="CC7832"/>
+                </a:solidFill>
+                <a:effectLst/>
+                <a:latin typeface="JetBrains Mono"/>
+              </a:rPr>
+              <a:t>, </a:t>
+            </a:r>
+            <a:r>
+              <a:rPr kumimoji="0" lang="en-US" altLang="en-US" sz="1000" b="0" i="0" u="none" strike="noStrike" cap="none" normalizeH="0" baseline="0" dirty="0">
+                <a:ln>
+                  <a:noFill/>
+                </a:ln>
+                <a:solidFill>
+                  <a:srgbClr val="A9B7C6"/>
+                </a:solidFill>
+                <a:effectLst/>
+                <a:latin typeface="JetBrains Mono"/>
+              </a:rPr>
+              <a:t>level[</a:t>
+            </a:r>
+            <a:r>
+              <a:rPr kumimoji="0" lang="en-US" altLang="en-US" sz="1000" b="0" i="0" u="none" strike="noStrike" cap="none" normalizeH="0" baseline="0" dirty="0">
+                <a:ln>
+                  <a:noFill/>
+                </a:ln>
+                <a:solidFill>
+                  <a:srgbClr val="6A8759"/>
+                </a:solidFill>
+                <a:effectLst/>
+                <a:latin typeface="JetBrains Mono"/>
+              </a:rPr>
+              <a:t>"data"</a:t>
+            </a:r>
+            <a:r>
+              <a:rPr kumimoji="0" lang="en-US" altLang="en-US" sz="1000" b="0" i="0" u="none" strike="noStrike" cap="none" normalizeH="0" baseline="0" dirty="0">
+                <a:ln>
+                  <a:noFill/>
+                </a:ln>
+                <a:solidFill>
+                  <a:srgbClr val="A9B7C6"/>
+                </a:solidFill>
+                <a:effectLst/>
+                <a:latin typeface="JetBrains Mono"/>
+              </a:rPr>
+              <a:t>]</a:t>
+            </a:r>
+            <a:r>
+              <a:rPr kumimoji="0" lang="en-US" altLang="en-US" sz="1000" b="0" i="0" u="none" strike="noStrike" cap="none" normalizeH="0" baseline="0" dirty="0">
+                <a:ln>
+                  <a:noFill/>
+                </a:ln>
+                <a:solidFill>
+                  <a:srgbClr val="CC7832"/>
+                </a:solidFill>
+                <a:effectLst/>
+                <a:latin typeface="JetBrains Mono"/>
+              </a:rPr>
+              <a:t>, </a:t>
+            </a:r>
+            <a:r>
+              <a:rPr kumimoji="0" lang="en-US" altLang="en-US" sz="1000" b="0" i="0" u="none" strike="noStrike" cap="none" normalizeH="0" baseline="0" dirty="0" err="1">
+                <a:ln>
+                  <a:noFill/>
+                </a:ln>
+                <a:solidFill>
+                  <a:srgbClr val="A9B7C6"/>
+                </a:solidFill>
+                <a:effectLst/>
+                <a:latin typeface="JetBrains Mono"/>
+              </a:rPr>
+              <a:t>level.get</a:t>
+            </a:r>
+            <a:r>
+              <a:rPr kumimoji="0" lang="en-US" altLang="en-US" sz="1000" b="0" i="0" u="none" strike="noStrike" cap="none" normalizeH="0" baseline="0" dirty="0">
+                <a:ln>
+                  <a:noFill/>
+                </a:ln>
+                <a:solidFill>
+                  <a:srgbClr val="A9B7C6"/>
+                </a:solidFill>
+                <a:effectLst/>
+                <a:latin typeface="JetBrains Mono"/>
+              </a:rPr>
+              <a:t>(</a:t>
+            </a:r>
+            <a:r>
+              <a:rPr kumimoji="0" lang="en-US" altLang="en-US" sz="1000" b="0" i="0" u="none" strike="noStrike" cap="none" normalizeH="0" baseline="0" dirty="0">
+                <a:ln>
+                  <a:noFill/>
+                </a:ln>
+                <a:solidFill>
+                  <a:srgbClr val="6A8759"/>
+                </a:solidFill>
+                <a:effectLst/>
+                <a:latin typeface="JetBrains Mono"/>
+              </a:rPr>
+              <a:t>"algorithm"</a:t>
+            </a:r>
+            <a:r>
+              <a:rPr kumimoji="0" lang="en-US" altLang="en-US" sz="1000" b="0" i="0" u="none" strike="noStrike" cap="none" normalizeH="0" baseline="0" dirty="0">
+                <a:ln>
+                  <a:noFill/>
+                </a:ln>
+                <a:solidFill>
+                  <a:srgbClr val="CC7832"/>
+                </a:solidFill>
+                <a:effectLst/>
+                <a:latin typeface="JetBrains Mono"/>
+              </a:rPr>
+              <a:t>, None</a:t>
+            </a:r>
+            <a:r>
+              <a:rPr kumimoji="0" lang="en-US" altLang="en-US" sz="1000" b="0" i="0" u="none" strike="noStrike" cap="none" normalizeH="0" baseline="0" dirty="0">
+                <a:ln>
+                  <a:noFill/>
+                </a:ln>
+                <a:solidFill>
+                  <a:srgbClr val="A9B7C6"/>
+                </a:solidFill>
+                <a:effectLst/>
+                <a:latin typeface="JetBrains Mono"/>
+              </a:rPr>
+              <a:t>)</a:t>
+            </a:r>
+            <a:r>
+              <a:rPr kumimoji="0" lang="en-US" altLang="en-US" sz="1000" b="0" i="0" u="none" strike="noStrike" cap="none" normalizeH="0" baseline="0" dirty="0">
+                <a:ln>
+                  <a:noFill/>
+                </a:ln>
+                <a:solidFill>
+                  <a:srgbClr val="CC7832"/>
+                </a:solidFill>
+                <a:effectLst/>
+                <a:latin typeface="JetBrains Mono"/>
+              </a:rPr>
+              <a:t>, </a:t>
+            </a:r>
+            <a:r>
+              <a:rPr kumimoji="0" lang="en-US" altLang="en-US" sz="1000" b="0" i="0" u="none" strike="noStrike" cap="none" normalizeH="0" baseline="0" dirty="0" err="1">
+                <a:ln>
+                  <a:noFill/>
+                </a:ln>
+                <a:solidFill>
+                  <a:srgbClr val="A9B7C6"/>
+                </a:solidFill>
+                <a:effectLst/>
+                <a:latin typeface="JetBrains Mono"/>
+              </a:rPr>
+              <a:t>level.get</a:t>
+            </a:r>
+            <a:r>
+              <a:rPr kumimoji="0" lang="en-US" altLang="en-US" sz="1000" b="0" i="0" u="none" strike="noStrike" cap="none" normalizeH="0" baseline="0" dirty="0">
+                <a:ln>
+                  <a:noFill/>
+                </a:ln>
+                <a:solidFill>
+                  <a:srgbClr val="A9B7C6"/>
+                </a:solidFill>
+                <a:effectLst/>
+                <a:latin typeface="JetBrains Mono"/>
+              </a:rPr>
+              <a:t>(</a:t>
+            </a:r>
+            <a:r>
+              <a:rPr kumimoji="0" lang="en-US" altLang="en-US" sz="1000" b="0" i="0" u="none" strike="noStrike" cap="none" normalizeH="0" baseline="0" dirty="0">
+                <a:ln>
+                  <a:noFill/>
+                </a:ln>
+                <a:solidFill>
+                  <a:srgbClr val="6A8759"/>
+                </a:solidFill>
+                <a:effectLst/>
+                <a:latin typeface="JetBrains Mono"/>
+              </a:rPr>
+              <a:t>"</a:t>
+            </a:r>
+            <a:r>
+              <a:rPr kumimoji="0" lang="en-US" altLang="en-US" sz="1000" b="0" i="0" u="none" strike="noStrike" cap="none" normalizeH="0" baseline="0" dirty="0" err="1">
+                <a:ln>
+                  <a:noFill/>
+                </a:ln>
+                <a:solidFill>
+                  <a:srgbClr val="6A8759"/>
+                </a:solidFill>
+                <a:effectLst/>
+                <a:latin typeface="JetBrains Mono"/>
+              </a:rPr>
+              <a:t>success_message</a:t>
+            </a:r>
+            <a:r>
+              <a:rPr kumimoji="0" lang="en-US" altLang="en-US" sz="1000" b="0" i="0" u="none" strike="noStrike" cap="none" normalizeH="0" baseline="0" dirty="0">
+                <a:ln>
+                  <a:noFill/>
+                </a:ln>
+                <a:solidFill>
+                  <a:srgbClr val="6A8759"/>
+                </a:solidFill>
+                <a:effectLst/>
+                <a:latin typeface="JetBrains Mono"/>
+              </a:rPr>
+              <a:t>"</a:t>
+            </a:r>
+            <a:r>
+              <a:rPr kumimoji="0" lang="en-US" altLang="en-US" sz="1000" b="0" i="0" u="none" strike="noStrike" cap="none" normalizeH="0" baseline="0" dirty="0">
+                <a:ln>
+                  <a:noFill/>
+                </a:ln>
+                <a:solidFill>
+                  <a:srgbClr val="CC7832"/>
+                </a:solidFill>
+                <a:effectLst/>
+                <a:latin typeface="JetBrains Mono"/>
+              </a:rPr>
+              <a:t>, None</a:t>
+            </a:r>
+            <a:r>
+              <a:rPr kumimoji="0" lang="en-US" altLang="en-US" sz="1000" b="0" i="0" u="none" strike="noStrike" cap="none" normalizeH="0" baseline="0" dirty="0">
+                <a:ln>
+                  <a:noFill/>
+                </a:ln>
+                <a:solidFill>
+                  <a:srgbClr val="A9B7C6"/>
+                </a:solidFill>
+                <a:effectLst/>
+                <a:latin typeface="JetBrains Mono"/>
+              </a:rPr>
+              <a:t>))</a:t>
+            </a:r>
+            <a:br>
+              <a:rPr kumimoji="0" lang="en-US" altLang="en-US" sz="1000" b="0" i="0" u="none" strike="noStrike" cap="none" normalizeH="0" baseline="0" dirty="0">
+                <a:ln>
+                  <a:noFill/>
+                </a:ln>
+                <a:solidFill>
+                  <a:srgbClr val="A9B7C6"/>
+                </a:solidFill>
+                <a:effectLst/>
+                <a:latin typeface="JetBrains Mono"/>
+              </a:rPr>
+            </a:br>
+            <a:r>
+              <a:rPr kumimoji="0" lang="en-US" altLang="en-US" sz="1000" b="0" i="0" u="none" strike="noStrike" cap="none" normalizeH="0" baseline="0" dirty="0">
+                <a:ln>
+                  <a:noFill/>
+                </a:ln>
+                <a:solidFill>
+                  <a:srgbClr val="A9B7C6"/>
+                </a:solidFill>
+                <a:effectLst/>
+                <a:latin typeface="JetBrains Mono"/>
+              </a:rPr>
+              <a:t>    </a:t>
+            </a:r>
+            <a:r>
+              <a:rPr kumimoji="0" lang="en-US" altLang="en-US" sz="1000" b="0" i="0" u="none" strike="noStrike" cap="none" normalizeH="0" baseline="0" dirty="0" err="1">
+                <a:ln>
+                  <a:noFill/>
+                </a:ln>
+                <a:solidFill>
+                  <a:srgbClr val="A9B7C6"/>
+                </a:solidFill>
+                <a:effectLst/>
+                <a:latin typeface="JetBrains Mono"/>
+              </a:rPr>
+              <a:t>os.remove</a:t>
+            </a:r>
+            <a:r>
+              <a:rPr kumimoji="0" lang="en-US" altLang="en-US" sz="1000" b="0" i="0" u="none" strike="noStrike" cap="none" normalizeH="0" baseline="0" dirty="0">
+                <a:ln>
+                  <a:noFill/>
+                </a:ln>
+                <a:solidFill>
+                  <a:srgbClr val="A9B7C6"/>
+                </a:solidFill>
+                <a:effectLst/>
+                <a:latin typeface="JetBrains Mono"/>
+              </a:rPr>
+              <a:t>(filename+</a:t>
+            </a:r>
+            <a:r>
+              <a:rPr kumimoji="0" lang="en-US" altLang="en-US" sz="1000" b="0" i="0" u="none" strike="noStrike" cap="none" normalizeH="0" baseline="0" dirty="0">
+                <a:ln>
+                  <a:noFill/>
+                </a:ln>
+                <a:solidFill>
+                  <a:srgbClr val="6A8759"/>
+                </a:solidFill>
+                <a:effectLst/>
+                <a:latin typeface="JetBrains Mono"/>
+              </a:rPr>
+              <a:t>".</a:t>
+            </a:r>
+            <a:r>
+              <a:rPr kumimoji="0" lang="en-US" altLang="en-US" sz="1000" b="0" i="0" u="none" strike="noStrike" cap="none" normalizeH="0" baseline="0" dirty="0" err="1">
+                <a:ln>
+                  <a:noFill/>
+                </a:ln>
+                <a:solidFill>
+                  <a:srgbClr val="6A8759"/>
+                </a:solidFill>
+                <a:effectLst/>
+                <a:latin typeface="JetBrains Mono"/>
+              </a:rPr>
+              <a:t>py</a:t>
+            </a:r>
+            <a:r>
+              <a:rPr kumimoji="0" lang="en-US" altLang="en-US" sz="1000" b="0" i="0" u="none" strike="noStrike" cap="none" normalizeH="0" baseline="0" dirty="0">
+                <a:ln>
+                  <a:noFill/>
+                </a:ln>
+                <a:solidFill>
+                  <a:srgbClr val="6A8759"/>
+                </a:solidFill>
+                <a:effectLst/>
+                <a:latin typeface="JetBrains Mono"/>
+              </a:rPr>
+              <a:t>"</a:t>
+            </a:r>
+            <a:r>
+              <a:rPr kumimoji="0" lang="en-US" altLang="en-US" sz="1000" b="0" i="0" u="none" strike="noStrike" cap="none" normalizeH="0" baseline="0" dirty="0">
+                <a:ln>
+                  <a:noFill/>
+                </a:ln>
+                <a:solidFill>
+                  <a:srgbClr val="A9B7C6"/>
+                </a:solidFill>
+                <a:effectLst/>
+                <a:latin typeface="JetBrains Mono"/>
+              </a:rPr>
+              <a:t>)</a:t>
+            </a:r>
+            <a:br>
+              <a:rPr kumimoji="0" lang="en-US" altLang="en-US" sz="1000" b="0" i="0" u="none" strike="noStrike" cap="none" normalizeH="0" baseline="0" dirty="0">
+                <a:ln>
+                  <a:noFill/>
+                </a:ln>
+                <a:solidFill>
+                  <a:srgbClr val="A9B7C6"/>
+                </a:solidFill>
+                <a:effectLst/>
+                <a:latin typeface="JetBrains Mono"/>
+              </a:rPr>
+            </a:br>
+            <a:r>
+              <a:rPr kumimoji="0" lang="en-US" altLang="en-US" sz="1000" b="0" i="0" u="none" strike="noStrike" cap="none" normalizeH="0" baseline="0" dirty="0">
+                <a:ln>
+                  <a:noFill/>
+                </a:ln>
+                <a:solidFill>
+                  <a:srgbClr val="A9B7C6"/>
+                </a:solidFill>
+                <a:effectLst/>
+                <a:latin typeface="JetBrains Mono"/>
+              </a:rPr>
+              <a:t>    </a:t>
+            </a:r>
+            <a:r>
+              <a:rPr kumimoji="0" lang="en-US" altLang="en-US" sz="1000" b="0" i="0" u="none" strike="noStrike" cap="none" normalizeH="0" baseline="0" dirty="0">
+                <a:ln>
+                  <a:noFill/>
+                </a:ln>
+                <a:solidFill>
+                  <a:srgbClr val="CC7832"/>
+                </a:solidFill>
+                <a:effectLst/>
+                <a:latin typeface="JetBrains Mono"/>
+              </a:rPr>
+              <a:t>return </a:t>
+            </a:r>
+            <a:r>
+              <a:rPr kumimoji="0" lang="en-US" altLang="en-US" sz="1000" b="0" i="0" u="none" strike="noStrike" cap="none" normalizeH="0" baseline="0" dirty="0" err="1">
+                <a:ln>
+                  <a:noFill/>
+                </a:ln>
+                <a:solidFill>
+                  <a:srgbClr val="A9B7C6"/>
+                </a:solidFill>
+                <a:effectLst/>
+                <a:latin typeface="JetBrains Mono"/>
+              </a:rPr>
+              <a:t>jsonify</a:t>
+            </a:r>
+            <a:r>
+              <a:rPr kumimoji="0" lang="en-US" altLang="en-US" sz="1000" b="0" i="0" u="none" strike="noStrike" cap="none" normalizeH="0" baseline="0" dirty="0">
+                <a:ln>
+                  <a:noFill/>
+                </a:ln>
+                <a:solidFill>
+                  <a:srgbClr val="A9B7C6"/>
+                </a:solidFill>
+                <a:effectLst/>
+                <a:latin typeface="JetBrains Mono"/>
+              </a:rPr>
+              <a:t>(solution)</a:t>
+            </a:r>
+            <a:endParaRPr kumimoji="0" lang="en-US" altLang="en-US" sz="1800" b="0" i="0" u="none" strike="noStrike" cap="none" normalizeH="0" baseline="0" dirty="0">
+              <a:ln>
+                <a:noFill/>
+              </a:ln>
+              <a:solidFill>
+                <a:schemeClr val="tx1"/>
+              </a:solidFill>
+              <a:effectLst/>
+              <a:latin typeface="Arial" panose="020B0604020202020204" pitchFamily="34" charset="0"/>
+            </a:endParaRPr>
+          </a:p>
+        </p:txBody>
+      </p:sp>
+      <p:sp>
+        <p:nvSpPr>
+          <p:cNvPr id="6" name="Rectangle 2">
+            <a:extLst>
+              <a:ext uri="{FF2B5EF4-FFF2-40B4-BE49-F238E27FC236}">
+                <a16:creationId xmlns:a16="http://schemas.microsoft.com/office/drawing/2014/main" id="{E6BD7C50-EE7B-44A8-A39D-8F15B0132A0E}"/>
+              </a:ext>
+            </a:extLst>
+          </p:cNvPr>
+          <p:cNvSpPr>
+            <a:spLocks noChangeArrowheads="1"/>
+          </p:cNvSpPr>
+          <p:nvPr/>
+        </p:nvSpPr>
+        <p:spPr bwMode="auto">
+          <a:xfrm>
+            <a:off x="6263036" y="2960448"/>
+            <a:ext cx="5335476" cy="1477328"/>
+          </a:xfrm>
+          <a:prstGeom prst="rect">
+            <a:avLst/>
+          </a:prstGeom>
+          <a:solidFill>
+            <a:srgbClr val="2B2B2B"/>
+          </a:solidFill>
+          <a:ln>
+            <a:noFill/>
+          </a:ln>
+          <a:effectLst/>
+          <a:extLst>
+            <a:ext uri="{91240B29-F687-4F45-9708-019B960494DF}">
+              <a14:hiddenLine xmlns:a14="http://schemas.microsoft.com/office/drawing/2010/main" w="9525">
+                <a:solidFill>
+                  <a:schemeClr val="tx1"/>
+                </a:solidFill>
+                <a:miter lim="800000"/>
+                <a:headEnd/>
+                <a:tailEnd/>
+              </a14:hiddenLine>
+            </a:ext>
+            <a:ext uri="{AF507438-7753-43E0-B8FC-AC1667EBCBE1}">
+              <a14:hiddenEffects xmlns:a14="http://schemas.microsoft.com/office/drawing/2010/main">
+                <a:effectLst>
+                  <a:outerShdw dist="35921" dir="2700000" algn="ctr" rotWithShape="0">
+                    <a:schemeClr val="bg2"/>
+                  </a:outerShdw>
+                </a:effectLst>
+              </a14:hiddenEffects>
+            </a:ext>
+          </a:extLst>
+        </p:spPr>
+        <p:txBody>
+          <a:bodyPr vert="horz" wrap="square" lIns="91440" tIns="45720" rIns="91440" bIns="45720" numCol="1" anchor="ctr" anchorCtr="0" compatLnSpc="1">
+            <a:prstTxWarp prst="textNoShape">
+              <a:avLst/>
+            </a:prstTxWarp>
+            <a:spAutoFit/>
+          </a:bodyPr>
+          <a:lstStyle/>
+          <a:p>
+            <a:pPr marL="0" marR="0" lvl="0" indent="0" algn="l" defTabSz="914400" rtl="0" eaLnBrk="0" fontAlgn="base" latinLnBrk="0" hangingPunct="0">
+              <a:lnSpc>
+                <a:spcPct val="100000"/>
+              </a:lnSpc>
+              <a:spcBef>
+                <a:spcPct val="0"/>
+              </a:spcBef>
+              <a:spcAft>
+                <a:spcPct val="0"/>
+              </a:spcAft>
+              <a:buClrTx/>
+              <a:buSzTx/>
+              <a:buFontTx/>
+              <a:buNone/>
+              <a:tabLst/>
+            </a:pPr>
+            <a:r>
+              <a:rPr kumimoji="0" lang="en-US" altLang="en-US" sz="1000" b="0" i="0" u="none" strike="noStrike" cap="none" normalizeH="0" baseline="0">
+                <a:ln>
+                  <a:noFill/>
+                </a:ln>
+                <a:solidFill>
+                  <a:srgbClr val="CC7832"/>
+                </a:solidFill>
+                <a:effectLst/>
+                <a:latin typeface="JetBrains Mono"/>
+              </a:rPr>
+              <a:t>def </a:t>
+            </a:r>
+            <a:r>
+              <a:rPr kumimoji="0" lang="en-US" altLang="en-US" sz="1000" b="0" i="0" u="none" strike="noStrike" cap="none" normalizeH="0" baseline="0">
+                <a:ln>
+                  <a:noFill/>
+                </a:ln>
+                <a:solidFill>
+                  <a:srgbClr val="FFC66D"/>
+                </a:solidFill>
+                <a:effectLst/>
+                <a:latin typeface="JetBrains Mono"/>
+              </a:rPr>
+              <a:t>check_solution</a:t>
+            </a:r>
+            <a:r>
+              <a:rPr kumimoji="0" lang="en-US" altLang="en-US" sz="1000" b="0" i="0" u="none" strike="noStrike" cap="none" normalizeH="0" baseline="0">
+                <a:ln>
+                  <a:noFill/>
+                </a:ln>
+                <a:solidFill>
+                  <a:srgbClr val="A9B7C6"/>
+                </a:solidFill>
+                <a:effectLst/>
+                <a:latin typeface="JetBrains Mono"/>
+              </a:rPr>
+              <a:t>(</a:t>
+            </a:r>
+            <a:r>
+              <a:rPr kumimoji="0" lang="en-US" altLang="en-US" sz="1000" b="0" i="0" u="none" strike="noStrike" cap="none" normalizeH="0" baseline="0">
+                <a:ln>
+                  <a:noFill/>
+                </a:ln>
+                <a:solidFill>
+                  <a:srgbClr val="94558D"/>
+                </a:solidFill>
+                <a:effectLst/>
+                <a:latin typeface="JetBrains Mono"/>
+              </a:rPr>
+              <a:t>self</a:t>
+            </a:r>
+            <a:r>
+              <a:rPr kumimoji="0" lang="en-US" altLang="en-US" sz="1000" b="0" i="0" u="none" strike="noStrike" cap="none" normalizeH="0" baseline="0">
+                <a:ln>
+                  <a:noFill/>
+                </a:ln>
+                <a:solidFill>
+                  <a:srgbClr val="CC7832"/>
+                </a:solidFill>
+                <a:effectLst/>
+                <a:latin typeface="JetBrains Mono"/>
+              </a:rPr>
+              <a:t>, </a:t>
+            </a:r>
+            <a:r>
+              <a:rPr kumimoji="0" lang="en-US" altLang="en-US" sz="1000" b="0" i="0" u="none" strike="noStrike" cap="none" normalizeH="0" baseline="0">
+                <a:ln>
+                  <a:noFill/>
+                </a:ln>
+                <a:solidFill>
+                  <a:srgbClr val="A9B7C6"/>
+                </a:solidFill>
+                <a:effectLst/>
+                <a:latin typeface="JetBrains Mono"/>
+              </a:rPr>
+              <a:t>solution_filename</a:t>
+            </a:r>
+            <a:r>
+              <a:rPr kumimoji="0" lang="en-US" altLang="en-US" sz="1000" b="0" i="0" u="none" strike="noStrike" cap="none" normalizeH="0" baseline="0">
+                <a:ln>
+                  <a:noFill/>
+                </a:ln>
+                <a:solidFill>
+                  <a:srgbClr val="CC7832"/>
+                </a:solidFill>
+                <a:effectLst/>
+                <a:latin typeface="JetBrains Mono"/>
+              </a:rPr>
+              <a:t>, </a:t>
+            </a:r>
+            <a:r>
+              <a:rPr kumimoji="0" lang="en-US" altLang="en-US" sz="1000" b="0" i="0" u="none" strike="noStrike" cap="none" normalizeH="0" baseline="0">
+                <a:ln>
+                  <a:noFill/>
+                </a:ln>
+                <a:solidFill>
+                  <a:srgbClr val="A9B7C6"/>
+                </a:solidFill>
+                <a:effectLst/>
+                <a:latin typeface="JetBrains Mono"/>
+              </a:rPr>
+              <a:t>correct_function</a:t>
+            </a:r>
+            <a:r>
+              <a:rPr kumimoji="0" lang="en-US" altLang="en-US" sz="1000" b="0" i="0" u="none" strike="noStrike" cap="none" normalizeH="0" baseline="0">
+                <a:ln>
+                  <a:noFill/>
+                </a:ln>
+                <a:solidFill>
+                  <a:srgbClr val="CC7832"/>
+                </a:solidFill>
+                <a:effectLst/>
+                <a:latin typeface="JetBrains Mono"/>
+              </a:rPr>
+              <a:t>, </a:t>
+            </a:r>
+            <a:r>
+              <a:rPr kumimoji="0" lang="en-US" altLang="en-US" sz="1000" b="0" i="0" u="none" strike="noStrike" cap="none" normalizeH="0" baseline="0">
+                <a:ln>
+                  <a:noFill/>
+                </a:ln>
+                <a:solidFill>
+                  <a:srgbClr val="A9B7C6"/>
+                </a:solidFill>
+                <a:effectLst/>
+                <a:latin typeface="JetBrains Mono"/>
+              </a:rPr>
+              <a:t>data</a:t>
+            </a:r>
+            <a:r>
+              <a:rPr kumimoji="0" lang="en-US" altLang="en-US" sz="1000" b="0" i="0" u="none" strike="noStrike" cap="none" normalizeH="0" baseline="0">
+                <a:ln>
+                  <a:noFill/>
+                </a:ln>
+                <a:solidFill>
+                  <a:srgbClr val="CC7832"/>
+                </a:solidFill>
+                <a:effectLst/>
+                <a:latin typeface="JetBrains Mono"/>
+              </a:rPr>
+              <a:t>, </a:t>
+            </a:r>
+            <a:r>
+              <a:rPr kumimoji="0" lang="en-US" altLang="en-US" sz="1000" b="0" i="0" u="none" strike="noStrike" cap="none" normalizeH="0" baseline="0">
+                <a:ln>
+                  <a:noFill/>
+                </a:ln>
+                <a:solidFill>
+                  <a:srgbClr val="A9B7C6"/>
+                </a:solidFill>
+                <a:effectLst/>
+                <a:latin typeface="JetBrains Mono"/>
+              </a:rPr>
+              <a:t>algorithm</a:t>
+            </a:r>
+            <a:r>
+              <a:rPr kumimoji="0" lang="en-US" altLang="en-US" sz="1000" b="0" i="0" u="none" strike="noStrike" cap="none" normalizeH="0" baseline="0">
+                <a:ln>
+                  <a:noFill/>
+                </a:ln>
+                <a:solidFill>
+                  <a:srgbClr val="CC7832"/>
+                </a:solidFill>
+                <a:effectLst/>
+                <a:latin typeface="JetBrains Mono"/>
+              </a:rPr>
+              <a:t>, </a:t>
+            </a:r>
+            <a:r>
+              <a:rPr kumimoji="0" lang="en-US" altLang="en-US" sz="1000" b="0" i="0" u="none" strike="noStrike" cap="none" normalizeH="0" baseline="0">
+                <a:ln>
+                  <a:noFill/>
+                </a:ln>
+                <a:solidFill>
+                  <a:srgbClr val="A9B7C6"/>
+                </a:solidFill>
+                <a:effectLst/>
+                <a:latin typeface="JetBrains Mono"/>
+              </a:rPr>
+              <a:t>success_message):</a:t>
+            </a:r>
+            <a:br>
+              <a:rPr kumimoji="0" lang="en-US" altLang="en-US" sz="1000" b="0" i="0" u="none" strike="noStrike" cap="none" normalizeH="0" baseline="0">
+                <a:ln>
+                  <a:noFill/>
+                </a:ln>
+                <a:solidFill>
+                  <a:srgbClr val="A9B7C6"/>
+                </a:solidFill>
+                <a:effectLst/>
+                <a:latin typeface="JetBrains Mono"/>
+              </a:rPr>
+            </a:br>
+            <a:r>
+              <a:rPr kumimoji="0" lang="en-US" altLang="en-US" sz="1000" b="0" i="0" u="none" strike="noStrike" cap="none" normalizeH="0" baseline="0">
+                <a:ln>
+                  <a:noFill/>
+                </a:ln>
+                <a:solidFill>
+                  <a:srgbClr val="A9B7C6"/>
+                </a:solidFill>
+                <a:effectLst/>
+                <a:latin typeface="JetBrains Mono"/>
+              </a:rPr>
+              <a:t>    solution = </a:t>
+            </a:r>
+            <a:r>
+              <a:rPr kumimoji="0" lang="en-US" altLang="en-US" sz="1000" b="0" i="0" u="none" strike="noStrike" cap="none" normalizeH="0" baseline="0">
+                <a:ln>
+                  <a:noFill/>
+                </a:ln>
+                <a:solidFill>
+                  <a:srgbClr val="94558D"/>
+                </a:solidFill>
+                <a:effectLst/>
+                <a:latin typeface="JetBrains Mono"/>
+              </a:rPr>
+              <a:t>self</a:t>
+            </a:r>
+            <a:r>
+              <a:rPr kumimoji="0" lang="en-US" altLang="en-US" sz="1000" b="0" i="0" u="none" strike="noStrike" cap="none" normalizeH="0" baseline="0">
+                <a:ln>
+                  <a:noFill/>
+                </a:ln>
+                <a:solidFill>
+                  <a:srgbClr val="A9B7C6"/>
+                </a:solidFill>
+                <a:effectLst/>
+                <a:latin typeface="JetBrains Mono"/>
+              </a:rPr>
+              <a:t>.run_code(solution_filename</a:t>
+            </a:r>
+            <a:r>
+              <a:rPr kumimoji="0" lang="en-US" altLang="en-US" sz="1000" b="0" i="0" u="none" strike="noStrike" cap="none" normalizeH="0" baseline="0">
+                <a:ln>
+                  <a:noFill/>
+                </a:ln>
+                <a:solidFill>
+                  <a:srgbClr val="CC7832"/>
+                </a:solidFill>
+                <a:effectLst/>
+                <a:latin typeface="JetBrains Mono"/>
+              </a:rPr>
+              <a:t>, </a:t>
+            </a:r>
+            <a:r>
+              <a:rPr kumimoji="0" lang="en-US" altLang="en-US" sz="1000" b="0" i="0" u="none" strike="noStrike" cap="none" normalizeH="0" baseline="0">
+                <a:ln>
+                  <a:noFill/>
+                </a:ln>
+                <a:solidFill>
+                  <a:srgbClr val="A9B7C6"/>
+                </a:solidFill>
+                <a:effectLst/>
+                <a:latin typeface="JetBrains Mono"/>
+              </a:rPr>
+              <a:t>data)</a:t>
+            </a:r>
+            <a:br>
+              <a:rPr kumimoji="0" lang="en-US" altLang="en-US" sz="1000" b="0" i="0" u="none" strike="noStrike" cap="none" normalizeH="0" baseline="0">
+                <a:ln>
+                  <a:noFill/>
+                </a:ln>
+                <a:solidFill>
+                  <a:srgbClr val="A9B7C6"/>
+                </a:solidFill>
+                <a:effectLst/>
+                <a:latin typeface="JetBrains Mono"/>
+              </a:rPr>
+            </a:br>
+            <a:r>
+              <a:rPr kumimoji="0" lang="en-US" altLang="en-US" sz="1000" b="0" i="0" u="none" strike="noStrike" cap="none" normalizeH="0" baseline="0">
+                <a:ln>
+                  <a:noFill/>
+                </a:ln>
+                <a:solidFill>
+                  <a:srgbClr val="A9B7C6"/>
+                </a:solidFill>
+                <a:effectLst/>
+                <a:latin typeface="JetBrains Mono"/>
+              </a:rPr>
+              <a:t>    </a:t>
+            </a:r>
+            <a:r>
+              <a:rPr kumimoji="0" lang="en-US" altLang="en-US" sz="1000" b="0" i="0" u="none" strike="noStrike" cap="none" normalizeH="0" baseline="0">
+                <a:ln>
+                  <a:noFill/>
+                </a:ln>
+                <a:solidFill>
+                  <a:srgbClr val="CC7832"/>
+                </a:solidFill>
+                <a:effectLst/>
+                <a:latin typeface="JetBrains Mono"/>
+              </a:rPr>
+              <a:t>try</a:t>
+            </a:r>
+            <a:r>
+              <a:rPr kumimoji="0" lang="en-US" altLang="en-US" sz="1000" b="0" i="0" u="none" strike="noStrike" cap="none" normalizeH="0" baseline="0">
+                <a:ln>
+                  <a:noFill/>
+                </a:ln>
+                <a:solidFill>
+                  <a:srgbClr val="A9B7C6"/>
+                </a:solidFill>
+                <a:effectLst/>
+                <a:latin typeface="JetBrains Mono"/>
+              </a:rPr>
+              <a:t>:</a:t>
+            </a:r>
+            <a:br>
+              <a:rPr kumimoji="0" lang="en-US" altLang="en-US" sz="1000" b="0" i="0" u="none" strike="noStrike" cap="none" normalizeH="0" baseline="0">
+                <a:ln>
+                  <a:noFill/>
+                </a:ln>
+                <a:solidFill>
+                  <a:srgbClr val="A9B7C6"/>
+                </a:solidFill>
+                <a:effectLst/>
+                <a:latin typeface="JetBrains Mono"/>
+              </a:rPr>
+            </a:br>
+            <a:r>
+              <a:rPr kumimoji="0" lang="en-US" altLang="en-US" sz="1000" b="0" i="0" u="none" strike="noStrike" cap="none" normalizeH="0" baseline="0">
+                <a:ln>
+                  <a:noFill/>
+                </a:ln>
+                <a:solidFill>
+                  <a:srgbClr val="A9B7C6"/>
+                </a:solidFill>
+                <a:effectLst/>
+                <a:latin typeface="JetBrains Mono"/>
+              </a:rPr>
+              <a:t>        correct = algorithm(solution)</a:t>
+            </a:r>
+            <a:br>
+              <a:rPr kumimoji="0" lang="en-US" altLang="en-US" sz="1000" b="0" i="0" u="none" strike="noStrike" cap="none" normalizeH="0" baseline="0">
+                <a:ln>
+                  <a:noFill/>
+                </a:ln>
+                <a:solidFill>
+                  <a:srgbClr val="A9B7C6"/>
+                </a:solidFill>
+                <a:effectLst/>
+                <a:latin typeface="JetBrains Mono"/>
+              </a:rPr>
+            </a:br>
+            <a:r>
+              <a:rPr kumimoji="0" lang="en-US" altLang="en-US" sz="1000" b="0" i="0" u="none" strike="noStrike" cap="none" normalizeH="0" baseline="0">
+                <a:ln>
+                  <a:noFill/>
+                </a:ln>
+                <a:solidFill>
+                  <a:srgbClr val="A9B7C6"/>
+                </a:solidFill>
+                <a:effectLst/>
+                <a:latin typeface="JetBrains Mono"/>
+              </a:rPr>
+              <a:t>    </a:t>
+            </a:r>
+            <a:r>
+              <a:rPr kumimoji="0" lang="en-US" altLang="en-US" sz="1000" b="0" i="0" u="none" strike="noStrike" cap="none" normalizeH="0" baseline="0">
+                <a:ln>
+                  <a:noFill/>
+                </a:ln>
+                <a:solidFill>
+                  <a:srgbClr val="CC7832"/>
+                </a:solidFill>
+                <a:effectLst/>
+                <a:latin typeface="JetBrains Mono"/>
+              </a:rPr>
+              <a:t>except</a:t>
+            </a:r>
+            <a:r>
+              <a:rPr kumimoji="0" lang="en-US" altLang="en-US" sz="1000" b="0" i="0" u="none" strike="noStrike" cap="none" normalizeH="0" baseline="0">
+                <a:ln>
+                  <a:noFill/>
+                </a:ln>
+                <a:solidFill>
+                  <a:srgbClr val="A9B7C6"/>
+                </a:solidFill>
+                <a:effectLst/>
+                <a:latin typeface="JetBrains Mono"/>
+              </a:rPr>
+              <a:t>:</a:t>
+            </a:r>
+            <a:br>
+              <a:rPr kumimoji="0" lang="en-US" altLang="en-US" sz="1000" b="0" i="0" u="none" strike="noStrike" cap="none" normalizeH="0" baseline="0">
+                <a:ln>
+                  <a:noFill/>
+                </a:ln>
+                <a:solidFill>
+                  <a:srgbClr val="A9B7C6"/>
+                </a:solidFill>
+                <a:effectLst/>
+                <a:latin typeface="JetBrains Mono"/>
+              </a:rPr>
+            </a:br>
+            <a:r>
+              <a:rPr kumimoji="0" lang="en-US" altLang="en-US" sz="1000" b="0" i="0" u="none" strike="noStrike" cap="none" normalizeH="0" baseline="0">
+                <a:ln>
+                  <a:noFill/>
+                </a:ln>
+                <a:solidFill>
+                  <a:srgbClr val="A9B7C6"/>
+                </a:solidFill>
+                <a:effectLst/>
+                <a:latin typeface="JetBrains Mono"/>
+              </a:rPr>
+              <a:t>        result_error = </a:t>
+            </a:r>
+            <a:r>
+              <a:rPr kumimoji="0" lang="en-US" altLang="en-US" sz="1000" b="0" i="0" u="none" strike="noStrike" cap="none" normalizeH="0" baseline="0">
+                <a:ln>
+                  <a:noFill/>
+                </a:ln>
+                <a:solidFill>
+                  <a:srgbClr val="6897BB"/>
+                </a:solidFill>
+                <a:effectLst/>
+                <a:latin typeface="JetBrains Mono"/>
+              </a:rPr>
+              <a:t>1</a:t>
+            </a:r>
+            <a:br>
+              <a:rPr kumimoji="0" lang="en-US" altLang="en-US" sz="1000" b="0" i="0" u="none" strike="noStrike" cap="none" normalizeH="0" baseline="0">
+                <a:ln>
+                  <a:noFill/>
+                </a:ln>
+                <a:solidFill>
+                  <a:srgbClr val="6897BB"/>
+                </a:solidFill>
+                <a:effectLst/>
+                <a:latin typeface="JetBrains Mono"/>
+              </a:rPr>
+            </a:br>
+            <a:r>
+              <a:rPr kumimoji="0" lang="en-US" altLang="en-US" sz="1000" b="0" i="0" u="none" strike="noStrike" cap="none" normalizeH="0" baseline="0">
+                <a:ln>
+                  <a:noFill/>
+                </a:ln>
+                <a:solidFill>
+                  <a:srgbClr val="6897BB"/>
+                </a:solidFill>
+                <a:effectLst/>
+                <a:latin typeface="JetBrains Mono"/>
+              </a:rPr>
+              <a:t>    </a:t>
+            </a:r>
+            <a:r>
+              <a:rPr kumimoji="0" lang="en-US" altLang="en-US" sz="1000" b="0" i="0" u="none" strike="noStrike" cap="none" normalizeH="0" baseline="0">
+                <a:ln>
+                  <a:noFill/>
+                </a:ln>
+                <a:solidFill>
+                  <a:srgbClr val="CC7832"/>
+                </a:solidFill>
+                <a:effectLst/>
+                <a:latin typeface="JetBrains Mono"/>
+              </a:rPr>
+              <a:t>if </a:t>
+            </a:r>
+            <a:r>
+              <a:rPr kumimoji="0" lang="en-US" altLang="en-US" sz="1000" b="0" i="0" u="none" strike="noStrike" cap="none" normalizeH="0" baseline="0">
+                <a:ln>
+                  <a:noFill/>
+                </a:ln>
+                <a:solidFill>
+                  <a:srgbClr val="6A8759"/>
+                </a:solidFill>
+                <a:effectLst/>
+                <a:latin typeface="JetBrains Mono"/>
+              </a:rPr>
+              <a:t>'result_error' </a:t>
+            </a:r>
+            <a:r>
+              <a:rPr kumimoji="0" lang="en-US" altLang="en-US" sz="1000" b="0" i="0" u="none" strike="noStrike" cap="none" normalizeH="0" baseline="0">
+                <a:ln>
+                  <a:noFill/>
+                </a:ln>
+                <a:solidFill>
+                  <a:srgbClr val="CC7832"/>
+                </a:solidFill>
+                <a:effectLst/>
+                <a:latin typeface="JetBrains Mono"/>
+              </a:rPr>
+              <a:t>in </a:t>
+            </a:r>
+            <a:r>
+              <a:rPr kumimoji="0" lang="en-US" altLang="en-US" sz="1000" b="0" i="0" u="none" strike="noStrike" cap="none" normalizeH="0" baseline="0">
+                <a:ln>
+                  <a:noFill/>
+                </a:ln>
+                <a:solidFill>
+                  <a:srgbClr val="8888C6"/>
+                </a:solidFill>
+                <a:effectLst/>
+                <a:latin typeface="JetBrains Mono"/>
+              </a:rPr>
+              <a:t>locals</a:t>
+            </a:r>
+            <a:r>
+              <a:rPr kumimoji="0" lang="en-US" altLang="en-US" sz="1000" b="0" i="0" u="none" strike="noStrike" cap="none" normalizeH="0" baseline="0">
+                <a:ln>
+                  <a:noFill/>
+                </a:ln>
+                <a:solidFill>
+                  <a:srgbClr val="A9B7C6"/>
+                </a:solidFill>
+                <a:effectLst/>
+                <a:latin typeface="JetBrains Mono"/>
+              </a:rPr>
+              <a:t>() </a:t>
+            </a:r>
+            <a:r>
+              <a:rPr kumimoji="0" lang="en-US" altLang="en-US" sz="1000" b="0" i="0" u="none" strike="noStrike" cap="none" normalizeH="0" baseline="0">
+                <a:ln>
+                  <a:noFill/>
+                </a:ln>
+                <a:solidFill>
+                  <a:srgbClr val="CC7832"/>
+                </a:solidFill>
+                <a:effectLst/>
+                <a:latin typeface="JetBrains Mono"/>
+              </a:rPr>
+              <a:t>and </a:t>
+            </a:r>
+            <a:r>
+              <a:rPr kumimoji="0" lang="en-US" altLang="en-US" sz="1000" b="0" i="0" u="none" strike="noStrike" cap="none" normalizeH="0" baseline="0">
+                <a:ln>
+                  <a:noFill/>
+                </a:ln>
+                <a:solidFill>
+                  <a:srgbClr val="A9B7C6"/>
+                </a:solidFill>
+                <a:effectLst/>
+                <a:latin typeface="JetBrains Mono"/>
+              </a:rPr>
+              <a:t>result_error == </a:t>
+            </a:r>
+            <a:r>
+              <a:rPr kumimoji="0" lang="en-US" altLang="en-US" sz="1000" b="0" i="0" u="none" strike="noStrike" cap="none" normalizeH="0" baseline="0">
+                <a:ln>
+                  <a:noFill/>
+                </a:ln>
+                <a:solidFill>
+                  <a:srgbClr val="6897BB"/>
+                </a:solidFill>
+                <a:effectLst/>
+                <a:latin typeface="JetBrains Mono"/>
+              </a:rPr>
+              <a:t>1</a:t>
+            </a:r>
+            <a:r>
+              <a:rPr kumimoji="0" lang="en-US" altLang="en-US" sz="1000" b="0" i="0" u="none" strike="noStrike" cap="none" normalizeH="0" baseline="0">
+                <a:ln>
+                  <a:noFill/>
+                </a:ln>
+                <a:solidFill>
+                  <a:srgbClr val="A9B7C6"/>
+                </a:solidFill>
+                <a:effectLst/>
+                <a:latin typeface="JetBrains Mono"/>
+              </a:rPr>
+              <a:t>:</a:t>
+            </a:r>
+            <a:br>
+              <a:rPr kumimoji="0" lang="en-US" altLang="en-US" sz="1000" b="0" i="0" u="none" strike="noStrike" cap="none" normalizeH="0" baseline="0">
+                <a:ln>
+                  <a:noFill/>
+                </a:ln>
+                <a:solidFill>
+                  <a:srgbClr val="A9B7C6"/>
+                </a:solidFill>
+                <a:effectLst/>
+                <a:latin typeface="JetBrains Mono"/>
+              </a:rPr>
+            </a:br>
+            <a:r>
+              <a:rPr kumimoji="0" lang="en-US" altLang="en-US" sz="1000" b="0" i="0" u="none" strike="noStrike" cap="none" normalizeH="0" baseline="0">
+                <a:ln>
+                  <a:noFill/>
+                </a:ln>
+                <a:solidFill>
+                  <a:srgbClr val="A9B7C6"/>
+                </a:solidFill>
+                <a:effectLst/>
+                <a:latin typeface="JetBrains Mono"/>
+              </a:rPr>
+              <a:t>        correct = solution == correct_function(data)</a:t>
+            </a:r>
+            <a:br>
+              <a:rPr kumimoji="0" lang="en-US" altLang="en-US" sz="1000" b="0" i="0" u="none" strike="noStrike" cap="none" normalizeH="0" baseline="0">
+                <a:ln>
+                  <a:noFill/>
+                </a:ln>
+                <a:solidFill>
+                  <a:srgbClr val="A9B7C6"/>
+                </a:solidFill>
+                <a:effectLst/>
+                <a:latin typeface="JetBrains Mono"/>
+              </a:rPr>
+            </a:br>
+            <a:r>
+              <a:rPr kumimoji="0" lang="en-US" altLang="en-US" sz="1000" b="0" i="0" u="none" strike="noStrike" cap="none" normalizeH="0" baseline="0">
+                <a:ln>
+                  <a:noFill/>
+                </a:ln>
+                <a:solidFill>
+                  <a:srgbClr val="A9B7C6"/>
+                </a:solidFill>
+                <a:effectLst/>
+                <a:latin typeface="JetBrains Mono"/>
+              </a:rPr>
+              <a:t>    </a:t>
+            </a:r>
+            <a:r>
+              <a:rPr kumimoji="0" lang="en-US" altLang="en-US" sz="1000" b="0" i="0" u="none" strike="noStrike" cap="none" normalizeH="0" baseline="0">
+                <a:ln>
+                  <a:noFill/>
+                </a:ln>
+                <a:solidFill>
+                  <a:srgbClr val="CC7832"/>
+                </a:solidFill>
+                <a:effectLst/>
+                <a:latin typeface="JetBrains Mono"/>
+              </a:rPr>
+              <a:t>return </a:t>
+            </a:r>
+            <a:r>
+              <a:rPr kumimoji="0" lang="en-US" altLang="en-US" sz="1000" b="0" i="0" u="none" strike="noStrike" cap="none" normalizeH="0" baseline="0">
+                <a:ln>
+                  <a:noFill/>
+                </a:ln>
+                <a:solidFill>
+                  <a:srgbClr val="A9B7C6"/>
+                </a:solidFill>
+                <a:effectLst/>
+                <a:latin typeface="JetBrains Mono"/>
+              </a:rPr>
+              <a:t>{</a:t>
+            </a:r>
+            <a:r>
+              <a:rPr kumimoji="0" lang="en-US" altLang="en-US" sz="1000" b="0" i="0" u="none" strike="noStrike" cap="none" normalizeH="0" baseline="0">
+                <a:ln>
+                  <a:noFill/>
+                </a:ln>
+                <a:solidFill>
+                  <a:srgbClr val="6A8759"/>
+                </a:solidFill>
+                <a:effectLst/>
+                <a:latin typeface="JetBrains Mono"/>
+              </a:rPr>
+              <a:t>"correct"</a:t>
+            </a:r>
+            <a:r>
+              <a:rPr kumimoji="0" lang="en-US" altLang="en-US" sz="1000" b="0" i="0" u="none" strike="noStrike" cap="none" normalizeH="0" baseline="0">
+                <a:ln>
+                  <a:noFill/>
+                </a:ln>
+                <a:solidFill>
+                  <a:srgbClr val="A9B7C6"/>
+                </a:solidFill>
+                <a:effectLst/>
+                <a:latin typeface="JetBrains Mono"/>
+              </a:rPr>
+              <a:t>: correct</a:t>
+            </a:r>
+            <a:r>
+              <a:rPr kumimoji="0" lang="en-US" altLang="en-US" sz="1000" b="0" i="0" u="none" strike="noStrike" cap="none" normalizeH="0" baseline="0">
+                <a:ln>
+                  <a:noFill/>
+                </a:ln>
+                <a:solidFill>
+                  <a:srgbClr val="CC7832"/>
+                </a:solidFill>
+                <a:effectLst/>
+                <a:latin typeface="JetBrains Mono"/>
+              </a:rPr>
+              <a:t>, </a:t>
+            </a:r>
+            <a:r>
+              <a:rPr kumimoji="0" lang="en-US" altLang="en-US" sz="1000" b="0" i="0" u="none" strike="noStrike" cap="none" normalizeH="0" baseline="0">
+                <a:ln>
+                  <a:noFill/>
+                </a:ln>
+                <a:solidFill>
+                  <a:srgbClr val="6A8759"/>
+                </a:solidFill>
+                <a:effectLst/>
+                <a:latin typeface="JetBrains Mono"/>
+              </a:rPr>
+              <a:t>"solution"</a:t>
+            </a:r>
+            <a:r>
+              <a:rPr kumimoji="0" lang="en-US" altLang="en-US" sz="1000" b="0" i="0" u="none" strike="noStrike" cap="none" normalizeH="0" baseline="0">
+                <a:ln>
+                  <a:noFill/>
+                </a:ln>
+                <a:solidFill>
+                  <a:srgbClr val="A9B7C6"/>
+                </a:solidFill>
+                <a:effectLst/>
+                <a:latin typeface="JetBrains Mono"/>
+              </a:rPr>
+              <a:t>: solution</a:t>
+            </a:r>
+            <a:r>
+              <a:rPr kumimoji="0" lang="en-US" altLang="en-US" sz="1000" b="0" i="0" u="none" strike="noStrike" cap="none" normalizeH="0" baseline="0">
+                <a:ln>
+                  <a:noFill/>
+                </a:ln>
+                <a:solidFill>
+                  <a:srgbClr val="CC7832"/>
+                </a:solidFill>
+                <a:effectLst/>
+                <a:latin typeface="JetBrains Mono"/>
+              </a:rPr>
+              <a:t>, </a:t>
+            </a:r>
+            <a:r>
+              <a:rPr kumimoji="0" lang="en-US" altLang="en-US" sz="1000" b="0" i="0" u="none" strike="noStrike" cap="none" normalizeH="0" baseline="0">
+                <a:ln>
+                  <a:noFill/>
+                </a:ln>
+                <a:solidFill>
+                  <a:srgbClr val="6A8759"/>
+                </a:solidFill>
+                <a:effectLst/>
+                <a:latin typeface="JetBrains Mono"/>
+              </a:rPr>
+              <a:t>"success_message"</a:t>
+            </a:r>
+            <a:r>
+              <a:rPr kumimoji="0" lang="en-US" altLang="en-US" sz="1000" b="0" i="0" u="none" strike="noStrike" cap="none" normalizeH="0" baseline="0">
+                <a:ln>
+                  <a:noFill/>
+                </a:ln>
+                <a:solidFill>
+                  <a:srgbClr val="A9B7C6"/>
+                </a:solidFill>
+                <a:effectLst/>
+                <a:latin typeface="JetBrains Mono"/>
+              </a:rPr>
+              <a:t>: success_message}</a:t>
+            </a:r>
+            <a:endParaRPr kumimoji="0" lang="en-US" altLang="en-US" sz="1800" b="0" i="0" u="none" strike="noStrike" cap="none" normalizeH="0" baseline="0">
+              <a:ln>
+                <a:noFill/>
+              </a:ln>
+              <a:solidFill>
+                <a:schemeClr val="tx1"/>
+              </a:solidFill>
+              <a:effectLst/>
+              <a:latin typeface="Arial" panose="020B0604020202020204" pitchFamily="34" charset="0"/>
+            </a:endParaRPr>
+          </a:p>
+        </p:txBody>
+      </p:sp>
+      <p:sp>
+        <p:nvSpPr>
+          <p:cNvPr id="7" name="Rectangle 3">
+            <a:extLst>
+              <a:ext uri="{FF2B5EF4-FFF2-40B4-BE49-F238E27FC236}">
+                <a16:creationId xmlns:a16="http://schemas.microsoft.com/office/drawing/2014/main" id="{D86F72AF-AF71-46CE-A512-158B205C0DC6}"/>
+              </a:ext>
+            </a:extLst>
+          </p:cNvPr>
+          <p:cNvSpPr>
+            <a:spLocks noChangeArrowheads="1"/>
+          </p:cNvSpPr>
+          <p:nvPr/>
+        </p:nvSpPr>
+        <p:spPr bwMode="auto">
+          <a:xfrm>
+            <a:off x="798512" y="4614120"/>
+            <a:ext cx="8112154" cy="246221"/>
+          </a:xfrm>
+          <a:prstGeom prst="rect">
+            <a:avLst/>
+          </a:prstGeom>
+          <a:solidFill>
+            <a:srgbClr val="2B2B2B"/>
+          </a:solidFill>
+          <a:ln>
+            <a:noFill/>
+          </a:ln>
+          <a:effectLst/>
+          <a:extLst>
+            <a:ext uri="{91240B29-F687-4F45-9708-019B960494DF}">
+              <a14:hiddenLine xmlns:a14="http://schemas.microsoft.com/office/drawing/2010/main" w="9525">
+                <a:solidFill>
+                  <a:schemeClr val="tx1"/>
+                </a:solidFill>
+                <a:miter lim="800000"/>
+                <a:headEnd/>
+                <a:tailEnd/>
+              </a14:hiddenLine>
+            </a:ext>
+            <a:ext uri="{AF507438-7753-43E0-B8FC-AC1667EBCBE1}">
+              <a14:hiddenEffects xmlns:a14="http://schemas.microsoft.com/office/drawing/2010/main">
+                <a:effectLst>
+                  <a:outerShdw dist="35921" dir="2700000" algn="ctr" rotWithShape="0">
+                    <a:schemeClr val="bg2"/>
+                  </a:outerShdw>
+                </a:effectLst>
+              </a14:hiddenEffects>
+            </a:ext>
+          </a:extLst>
+        </p:spPr>
+        <p:txBody>
+          <a:bodyPr vert="horz" wrap="square" lIns="91440" tIns="45720" rIns="91440" bIns="45720" numCol="1" anchor="ctr" anchorCtr="0" compatLnSpc="1">
+            <a:prstTxWarp prst="textNoShape">
+              <a:avLst/>
+            </a:prstTxWarp>
+            <a:spAutoFit/>
+          </a:bodyPr>
+          <a:lstStyle/>
+          <a:p>
+            <a:pPr marL="0" marR="0" lvl="0" indent="0" algn="l" defTabSz="914400" rtl="0" eaLnBrk="0" fontAlgn="base" latinLnBrk="0" hangingPunct="0">
+              <a:lnSpc>
+                <a:spcPct val="100000"/>
+              </a:lnSpc>
+              <a:spcBef>
+                <a:spcPct val="0"/>
+              </a:spcBef>
+              <a:spcAft>
+                <a:spcPct val="0"/>
+              </a:spcAft>
+              <a:buClrTx/>
+              <a:buSzTx/>
+              <a:buFontTx/>
+              <a:buNone/>
+              <a:tabLst/>
+            </a:pPr>
+            <a:r>
+              <a:rPr kumimoji="0" lang="en-US" altLang="en-US" sz="1000" b="0" i="0" u="none" strike="noStrike" cap="none" normalizeH="0" baseline="0" dirty="0">
+                <a:ln>
+                  <a:noFill/>
+                </a:ln>
+                <a:solidFill>
+                  <a:srgbClr val="CC7832"/>
+                </a:solidFill>
+                <a:effectLst/>
+                <a:latin typeface="JetBrains Mono"/>
+              </a:rPr>
+              <a:t>return </a:t>
+            </a:r>
+            <a:r>
+              <a:rPr kumimoji="0" lang="en-US" altLang="en-US" sz="1000" b="0" i="0" u="none" strike="noStrike" cap="none" normalizeH="0" baseline="0" dirty="0">
+                <a:ln>
+                  <a:noFill/>
+                </a:ln>
+                <a:solidFill>
+                  <a:srgbClr val="A9B7C6"/>
+                </a:solidFill>
+                <a:effectLst/>
+                <a:latin typeface="JetBrains Mono"/>
+              </a:rPr>
+              <a:t>{</a:t>
+            </a:r>
+            <a:r>
+              <a:rPr kumimoji="0" lang="en-US" altLang="en-US" sz="1000" b="0" i="0" u="none" strike="noStrike" cap="none" normalizeH="0" baseline="0" dirty="0">
+                <a:ln>
+                  <a:noFill/>
+                </a:ln>
+                <a:solidFill>
+                  <a:srgbClr val="6A8759"/>
+                </a:solidFill>
+                <a:effectLst/>
+                <a:latin typeface="JetBrains Mono"/>
+              </a:rPr>
+              <a:t>"</a:t>
+            </a:r>
+            <a:r>
+              <a:rPr kumimoji="0" lang="en-US" altLang="en-US" sz="1000" b="0" i="0" u="none" strike="noStrike" cap="none" normalizeH="0" baseline="0" dirty="0" err="1">
+                <a:ln>
+                  <a:noFill/>
+                </a:ln>
+                <a:solidFill>
+                  <a:srgbClr val="6A8759"/>
+                </a:solidFill>
+                <a:effectLst/>
+                <a:latin typeface="JetBrains Mono"/>
+              </a:rPr>
+              <a:t>task_messages</a:t>
+            </a:r>
+            <a:r>
+              <a:rPr kumimoji="0" lang="en-US" altLang="en-US" sz="1000" b="0" i="0" u="none" strike="noStrike" cap="none" normalizeH="0" baseline="0" dirty="0">
+                <a:ln>
+                  <a:noFill/>
+                </a:ln>
+                <a:solidFill>
+                  <a:srgbClr val="6A8759"/>
+                </a:solidFill>
+                <a:effectLst/>
+                <a:latin typeface="JetBrains Mono"/>
+              </a:rPr>
+              <a:t>"</a:t>
+            </a:r>
+            <a:r>
+              <a:rPr kumimoji="0" lang="en-US" altLang="en-US" sz="1000" b="0" i="0" u="none" strike="noStrike" cap="none" normalizeH="0" baseline="0" dirty="0">
+                <a:ln>
+                  <a:noFill/>
+                </a:ln>
+                <a:solidFill>
+                  <a:srgbClr val="A9B7C6"/>
+                </a:solidFill>
+                <a:effectLst/>
+                <a:latin typeface="JetBrains Mono"/>
+              </a:rPr>
+              <a:t>: </a:t>
+            </a:r>
+            <a:r>
+              <a:rPr kumimoji="0" lang="en-US" altLang="en-US" sz="1000" b="0" i="0" u="none" strike="noStrike" cap="none" normalizeH="0" baseline="0" dirty="0" err="1">
+                <a:ln>
+                  <a:noFill/>
+                </a:ln>
+                <a:solidFill>
+                  <a:srgbClr val="A9B7C6"/>
+                </a:solidFill>
+                <a:effectLst/>
+                <a:latin typeface="JetBrains Mono"/>
+              </a:rPr>
+              <a:t>task_messages</a:t>
+            </a:r>
+            <a:r>
+              <a:rPr kumimoji="0" lang="en-US" altLang="en-US" sz="1000" b="0" i="0" u="none" strike="noStrike" cap="none" normalizeH="0" baseline="0" dirty="0">
+                <a:ln>
+                  <a:noFill/>
+                </a:ln>
+                <a:solidFill>
+                  <a:srgbClr val="CC7832"/>
+                </a:solidFill>
+                <a:effectLst/>
+                <a:latin typeface="JetBrains Mono"/>
+              </a:rPr>
+              <a:t>, </a:t>
+            </a:r>
+            <a:r>
+              <a:rPr kumimoji="0" lang="en-US" altLang="en-US" sz="1000" b="0" i="0" u="none" strike="noStrike" cap="none" normalizeH="0" baseline="0" dirty="0">
+                <a:ln>
+                  <a:noFill/>
+                </a:ln>
+                <a:solidFill>
+                  <a:srgbClr val="6A8759"/>
+                </a:solidFill>
+                <a:effectLst/>
+                <a:latin typeface="JetBrains Mono"/>
+              </a:rPr>
+              <a:t>"hints"</a:t>
+            </a:r>
+            <a:r>
+              <a:rPr kumimoji="0" lang="en-US" altLang="en-US" sz="1000" b="0" i="0" u="none" strike="noStrike" cap="none" normalizeH="0" baseline="0" dirty="0">
+                <a:ln>
+                  <a:noFill/>
+                </a:ln>
+                <a:solidFill>
+                  <a:srgbClr val="A9B7C6"/>
+                </a:solidFill>
+                <a:effectLst/>
+                <a:latin typeface="JetBrains Mono"/>
+              </a:rPr>
+              <a:t>: hints</a:t>
+            </a:r>
+            <a:r>
+              <a:rPr kumimoji="0" lang="en-US" altLang="en-US" sz="1000" b="0" i="0" u="none" strike="noStrike" cap="none" normalizeH="0" baseline="0" dirty="0">
+                <a:ln>
+                  <a:noFill/>
+                </a:ln>
+                <a:solidFill>
+                  <a:srgbClr val="CC7832"/>
+                </a:solidFill>
+                <a:effectLst/>
+                <a:latin typeface="JetBrains Mono"/>
+              </a:rPr>
+              <a:t>, </a:t>
+            </a:r>
+            <a:r>
+              <a:rPr kumimoji="0" lang="en-US" altLang="en-US" sz="1000" b="0" i="0" u="none" strike="noStrike" cap="none" normalizeH="0" baseline="0" dirty="0">
+                <a:ln>
+                  <a:noFill/>
+                </a:ln>
+                <a:solidFill>
+                  <a:srgbClr val="6A8759"/>
+                </a:solidFill>
+                <a:effectLst/>
+                <a:latin typeface="JetBrains Mono"/>
+              </a:rPr>
+              <a:t>"</a:t>
+            </a:r>
+            <a:r>
+              <a:rPr kumimoji="0" lang="en-US" altLang="en-US" sz="1000" b="0" i="0" u="none" strike="noStrike" cap="none" normalizeH="0" baseline="0" dirty="0" err="1">
+                <a:ln>
+                  <a:noFill/>
+                </a:ln>
+                <a:solidFill>
+                  <a:srgbClr val="6A8759"/>
+                </a:solidFill>
+                <a:effectLst/>
+                <a:latin typeface="JetBrains Mono"/>
+              </a:rPr>
+              <a:t>solution_function</a:t>
+            </a:r>
+            <a:r>
+              <a:rPr kumimoji="0" lang="en-US" altLang="en-US" sz="1000" b="0" i="0" u="none" strike="noStrike" cap="none" normalizeH="0" baseline="0" dirty="0">
+                <a:ln>
+                  <a:noFill/>
+                </a:ln>
+                <a:solidFill>
+                  <a:srgbClr val="6A8759"/>
+                </a:solidFill>
+                <a:effectLst/>
+                <a:latin typeface="JetBrains Mono"/>
+              </a:rPr>
+              <a:t>"</a:t>
+            </a:r>
+            <a:r>
+              <a:rPr kumimoji="0" lang="en-US" altLang="en-US" sz="1000" b="0" i="0" u="none" strike="noStrike" cap="none" normalizeH="0" baseline="0" dirty="0">
+                <a:ln>
+                  <a:noFill/>
+                </a:ln>
+                <a:solidFill>
+                  <a:srgbClr val="A9B7C6"/>
+                </a:solidFill>
+                <a:effectLst/>
+                <a:latin typeface="JetBrains Mono"/>
+              </a:rPr>
+              <a:t>: </a:t>
+            </a:r>
+            <a:r>
+              <a:rPr kumimoji="0" lang="en-US" altLang="en-US" sz="1000" b="0" i="0" u="none" strike="noStrike" cap="none" normalizeH="0" baseline="0" dirty="0">
+                <a:ln>
+                  <a:noFill/>
+                </a:ln>
+                <a:solidFill>
+                  <a:srgbClr val="94558D"/>
+                </a:solidFill>
+                <a:effectLst/>
+                <a:latin typeface="JetBrains Mono"/>
+              </a:rPr>
+              <a:t>self</a:t>
+            </a:r>
+            <a:r>
+              <a:rPr kumimoji="0" lang="en-US" altLang="en-US" sz="1000" b="0" i="0" u="none" strike="noStrike" cap="none" normalizeH="0" baseline="0" dirty="0">
+                <a:ln>
+                  <a:noFill/>
+                </a:ln>
+                <a:solidFill>
+                  <a:srgbClr val="A9B7C6"/>
+                </a:solidFill>
+                <a:effectLst/>
+                <a:latin typeface="JetBrains Mono"/>
+              </a:rPr>
+              <a:t>.solveLevel1</a:t>
+            </a:r>
+            <a:r>
+              <a:rPr kumimoji="0" lang="en-US" altLang="en-US" sz="1000" b="0" i="0" u="none" strike="noStrike" cap="none" normalizeH="0" baseline="0" dirty="0">
+                <a:ln>
+                  <a:noFill/>
+                </a:ln>
+                <a:solidFill>
+                  <a:srgbClr val="CC7832"/>
+                </a:solidFill>
+                <a:effectLst/>
+                <a:latin typeface="JetBrains Mono"/>
+              </a:rPr>
+              <a:t>, </a:t>
+            </a:r>
+            <a:r>
+              <a:rPr kumimoji="0" lang="en-US" altLang="en-US" sz="1000" b="0" i="0" u="none" strike="noStrike" cap="none" normalizeH="0" baseline="0" dirty="0">
+                <a:ln>
+                  <a:noFill/>
+                </a:ln>
+                <a:solidFill>
+                  <a:srgbClr val="6A8759"/>
+                </a:solidFill>
+                <a:effectLst/>
+                <a:latin typeface="JetBrains Mono"/>
+              </a:rPr>
+              <a:t>"data"</a:t>
+            </a:r>
+            <a:r>
+              <a:rPr kumimoji="0" lang="en-US" altLang="en-US" sz="1000" b="0" i="0" u="none" strike="noStrike" cap="none" normalizeH="0" baseline="0" dirty="0">
+                <a:ln>
+                  <a:noFill/>
+                </a:ln>
+                <a:solidFill>
+                  <a:srgbClr val="A9B7C6"/>
+                </a:solidFill>
+                <a:effectLst/>
+                <a:latin typeface="JetBrains Mono"/>
+              </a:rPr>
+              <a:t>: flowers</a:t>
+            </a:r>
+            <a:r>
+              <a:rPr kumimoji="0" lang="en-US" altLang="en-US" sz="1000" b="0" i="0" u="none" strike="noStrike" cap="none" normalizeH="0" baseline="0" dirty="0">
+                <a:ln>
+                  <a:noFill/>
+                </a:ln>
+                <a:solidFill>
+                  <a:srgbClr val="CC7832"/>
+                </a:solidFill>
+                <a:effectLst/>
+                <a:latin typeface="JetBrains Mono"/>
+              </a:rPr>
+              <a:t>, </a:t>
+            </a:r>
+            <a:r>
+              <a:rPr kumimoji="0" lang="en-US" altLang="en-US" sz="1000" b="0" i="0" u="none" strike="noStrike" cap="none" normalizeH="0" baseline="0" dirty="0">
+                <a:ln>
+                  <a:noFill/>
+                </a:ln>
+                <a:solidFill>
+                  <a:srgbClr val="6A8759"/>
+                </a:solidFill>
+                <a:effectLst/>
+                <a:latin typeface="JetBrains Mono"/>
+              </a:rPr>
+              <a:t>"</a:t>
+            </a:r>
+            <a:r>
+              <a:rPr kumimoji="0" lang="en-US" altLang="en-US" sz="1000" b="0" i="0" u="none" strike="noStrike" cap="none" normalizeH="0" baseline="0" dirty="0" err="1">
+                <a:ln>
+                  <a:noFill/>
+                </a:ln>
+                <a:solidFill>
+                  <a:srgbClr val="6A8759"/>
+                </a:solidFill>
+                <a:effectLst/>
+                <a:latin typeface="JetBrains Mono"/>
+              </a:rPr>
+              <a:t>success_message</a:t>
+            </a:r>
+            <a:r>
+              <a:rPr kumimoji="0" lang="en-US" altLang="en-US" sz="1000" b="0" i="0" u="none" strike="noStrike" cap="none" normalizeH="0" baseline="0" dirty="0">
+                <a:ln>
+                  <a:noFill/>
+                </a:ln>
+                <a:solidFill>
+                  <a:srgbClr val="6A8759"/>
+                </a:solidFill>
+                <a:effectLst/>
+                <a:latin typeface="JetBrains Mono"/>
+              </a:rPr>
+              <a:t>"</a:t>
+            </a:r>
+            <a:r>
+              <a:rPr kumimoji="0" lang="en-US" altLang="en-US" sz="1000" b="0" i="0" u="none" strike="noStrike" cap="none" normalizeH="0" baseline="0" dirty="0">
+                <a:ln>
+                  <a:noFill/>
+                </a:ln>
+                <a:solidFill>
+                  <a:srgbClr val="A9B7C6"/>
+                </a:solidFill>
+                <a:effectLst/>
+                <a:latin typeface="JetBrains Mono"/>
+              </a:rPr>
+              <a:t>: </a:t>
+            </a:r>
+            <a:r>
+              <a:rPr kumimoji="0" lang="en-US" altLang="en-US" sz="1000" b="0" i="0" u="none" strike="noStrike" cap="none" normalizeH="0" baseline="0" dirty="0" err="1">
+                <a:ln>
+                  <a:noFill/>
+                </a:ln>
+                <a:solidFill>
+                  <a:srgbClr val="A9B7C6"/>
+                </a:solidFill>
+                <a:effectLst/>
+                <a:latin typeface="JetBrains Mono"/>
+              </a:rPr>
+              <a:t>success_message</a:t>
+            </a:r>
+            <a:r>
+              <a:rPr kumimoji="0" lang="en-US" altLang="en-US" sz="1000" b="0" i="0" u="none" strike="noStrike" cap="none" normalizeH="0" baseline="0" dirty="0">
+                <a:ln>
+                  <a:noFill/>
+                </a:ln>
+                <a:solidFill>
+                  <a:srgbClr val="A9B7C6"/>
+                </a:solidFill>
+                <a:effectLst/>
+                <a:latin typeface="JetBrains Mono"/>
+              </a:rPr>
+              <a:t>}</a:t>
+            </a:r>
+            <a:endParaRPr kumimoji="0" lang="en-US" altLang="en-US" sz="1800" b="0" i="0" u="none" strike="noStrike" cap="none" normalizeH="0" baseline="0" dirty="0">
+              <a:ln>
+                <a:noFill/>
+              </a:ln>
+              <a:solidFill>
+                <a:schemeClr val="tx1"/>
+              </a:solidFill>
+              <a:effectLst/>
+              <a:latin typeface="Arial" panose="020B0604020202020204" pitchFamily="34" charset="0"/>
+            </a:endParaRPr>
+          </a:p>
+        </p:txBody>
+      </p:sp>
+      <p:sp>
+        <p:nvSpPr>
+          <p:cNvPr id="8" name="Textfeld 7">
+            <a:extLst>
+              <a:ext uri="{FF2B5EF4-FFF2-40B4-BE49-F238E27FC236}">
+                <a16:creationId xmlns:a16="http://schemas.microsoft.com/office/drawing/2014/main" id="{E7D91445-2AB8-467C-A353-FFD27F82996F}"/>
+              </a:ext>
+            </a:extLst>
+          </p:cNvPr>
+          <p:cNvSpPr txBox="1"/>
+          <p:nvPr/>
+        </p:nvSpPr>
+        <p:spPr>
+          <a:xfrm>
+            <a:off x="3168756" y="5254178"/>
+            <a:ext cx="5854488" cy="430887"/>
+          </a:xfrm>
+          <a:prstGeom prst="rect">
+            <a:avLst/>
+          </a:prstGeom>
+          <a:noFill/>
+        </p:spPr>
+        <p:txBody>
+          <a:bodyPr wrap="none" rtlCol="0">
+            <a:spAutoFit/>
+          </a:bodyPr>
+          <a:lstStyle/>
+          <a:p>
+            <a:r>
+              <a:rPr lang="de-DE" sz="2200" b="1" dirty="0">
+                <a:solidFill>
+                  <a:schemeClr val="bg1"/>
+                </a:solidFill>
+                <a:latin typeface="Arial Fett" charset="0"/>
+                <a:cs typeface="Arial Fett" charset="0"/>
+              </a:rPr>
+              <a:t>… und noch ein paar Änderungen mehr …</a:t>
+            </a:r>
+            <a:endParaRPr lang="en-GB" sz="2200" b="1" dirty="0">
+              <a:solidFill>
+                <a:schemeClr val="bg1"/>
+              </a:solidFill>
+              <a:latin typeface="Arial Fett" charset="0"/>
+              <a:cs typeface="Arial Fett" charset="0"/>
+            </a:endParaRPr>
+          </a:p>
+        </p:txBody>
+      </p:sp>
+      <p:pic>
+        <p:nvPicPr>
+          <p:cNvPr id="9" name="Grafik 8">
+            <a:extLst>
+              <a:ext uri="{FF2B5EF4-FFF2-40B4-BE49-F238E27FC236}">
+                <a16:creationId xmlns:a16="http://schemas.microsoft.com/office/drawing/2014/main" id="{D3839002-FF05-41C8-8F31-94B8682439C6}"/>
+              </a:ext>
+            </a:extLst>
+          </p:cNvPr>
+          <p:cNvPicPr>
+            <a:picLocks noChangeAspect="1"/>
+          </p:cNvPicPr>
+          <p:nvPr/>
+        </p:nvPicPr>
+        <p:blipFill>
+          <a:blip r:embed="rId2"/>
+          <a:stretch>
+            <a:fillRect/>
+          </a:stretch>
+        </p:blipFill>
+        <p:spPr>
+          <a:xfrm>
+            <a:off x="1655729" y="3083360"/>
+            <a:ext cx="3904023" cy="1234761"/>
+          </a:xfrm>
+          <a:prstGeom prst="rect">
+            <a:avLst/>
+          </a:prstGeom>
+        </p:spPr>
+      </p:pic>
+    </p:spTree>
+    <p:extLst>
+      <p:ext uri="{BB962C8B-B14F-4D97-AF65-F5344CB8AC3E}">
+        <p14:creationId xmlns:p14="http://schemas.microsoft.com/office/powerpoint/2010/main" val="3804449913"/>
+      </p:ext>
+    </p:extLst>
+  </p:cSld>
+  <p:clrMapOvr>
+    <a:masterClrMapping/>
+  </p:clrMapOvr>
+</p:sld>
+</file>
+
+<file path=ppt/slides/slide7.xml><?xml version="1.0" encoding="utf-8"?>
+<p:sld xmlns:a="http://schemas.openxmlformats.org/drawingml/2006/main" xmlns:r="http://schemas.openxmlformats.org/officeDocument/2006/relationships" xmlns:p="http://schemas.openxmlformats.org/presentationml/2006/main">
+  <p:cSld>
+    <p:spTree>
+      <p:nvGrpSpPr>
+        <p:cNvPr id="1" name=""/>
+        <p:cNvGrpSpPr/>
+        <p:nvPr/>
+      </p:nvGrpSpPr>
+      <p:grpSpPr>
+        <a:xfrm>
+          <a:off x="0" y="0"/>
+          <a:ext cx="0" cy="0"/>
+          <a:chOff x="0" y="0"/>
+          <a:chExt cx="0" cy="0"/>
+        </a:xfrm>
+      </p:grpSpPr>
+      <p:sp>
+        <p:nvSpPr>
+          <p:cNvPr id="2" name="Textplatzhalter 1">
+            <a:extLst>
+              <a:ext uri="{FF2B5EF4-FFF2-40B4-BE49-F238E27FC236}">
+                <a16:creationId xmlns:a16="http://schemas.microsoft.com/office/drawing/2014/main" id="{70771E2F-C2EF-4064-AAFD-D31B2E7950BC}"/>
+              </a:ext>
+            </a:extLst>
+          </p:cNvPr>
+          <p:cNvSpPr>
+            <a:spLocks noGrp="1"/>
+          </p:cNvSpPr>
+          <p:nvPr>
+            <p:ph type="body" sz="quarter" idx="10"/>
+          </p:nvPr>
+        </p:nvSpPr>
+        <p:spPr/>
+        <p:txBody>
+          <a:bodyPr/>
+          <a:lstStyle/>
+          <a:p>
+            <a:r>
+              <a:rPr lang="de-DE" dirty="0"/>
+              <a:t>Weitere Optimierungsmöglichkeiten</a:t>
+            </a:r>
+            <a:endParaRPr lang="en-GB" dirty="0"/>
+          </a:p>
+        </p:txBody>
+      </p:sp>
+      <p:sp>
+        <p:nvSpPr>
+          <p:cNvPr id="3" name="Textplatzhalter 2">
+            <a:extLst>
+              <a:ext uri="{FF2B5EF4-FFF2-40B4-BE49-F238E27FC236}">
+                <a16:creationId xmlns:a16="http://schemas.microsoft.com/office/drawing/2014/main" id="{314BE408-E7B4-4A8E-A592-FEB13D64EC96}"/>
+              </a:ext>
+            </a:extLst>
+          </p:cNvPr>
+          <p:cNvSpPr>
+            <a:spLocks noGrp="1"/>
+          </p:cNvSpPr>
+          <p:nvPr>
+            <p:ph type="body" sz="quarter" idx="11"/>
+          </p:nvPr>
+        </p:nvSpPr>
+        <p:spPr/>
+        <p:txBody>
+          <a:bodyPr/>
+          <a:lstStyle/>
+          <a:p>
+            <a:pPr marL="342900" indent="-342900">
+              <a:buFont typeface="Arial" panose="020B0604020202020204" pitchFamily="34" charset="0"/>
+              <a:buChar char="•"/>
+            </a:pPr>
+            <a:r>
+              <a:rPr lang="de-DE" dirty="0"/>
+              <a:t>Wir haben auch die Anzeigedauer der Lösung verändert und</a:t>
+            </a:r>
+          </a:p>
+          <a:p>
+            <a:pPr marL="342900" indent="-342900">
+              <a:buFont typeface="Arial" panose="020B0604020202020204" pitchFamily="34" charset="0"/>
+              <a:buChar char="•"/>
+            </a:pPr>
+            <a:r>
+              <a:rPr lang="de-DE" dirty="0"/>
+              <a:t>um die weitere Geschichte erweitert.</a:t>
+            </a:r>
+          </a:p>
+          <a:p>
+            <a:pPr marL="342900" indent="-342900">
+              <a:buFont typeface="Arial" panose="020B0604020202020204" pitchFamily="34" charset="0"/>
+              <a:buChar char="•"/>
+            </a:pPr>
+            <a:endParaRPr lang="en-GB" dirty="0"/>
+          </a:p>
+          <a:p>
+            <a:r>
+              <a:rPr lang="de-DE" dirty="0"/>
+              <a:t>Die Anzeigedauer könnten wir noch optimieren, indem</a:t>
+            </a:r>
+          </a:p>
+          <a:p>
+            <a:pPr marL="342900" indent="-342900">
+              <a:buFont typeface="Arial" panose="020B0604020202020204" pitchFamily="34" charset="0"/>
+              <a:buChar char="•"/>
+            </a:pPr>
+            <a:r>
+              <a:rPr lang="de-DE" dirty="0"/>
+              <a:t>die Anzeigedauer abhängig von der Textlänge erscheint, damit der Nutzer ein besseres Erlebnis der Geschichte erfährt.</a:t>
+            </a:r>
+          </a:p>
+          <a:p>
+            <a:pPr marL="342900" indent="-342900">
+              <a:buFont typeface="Arial" panose="020B0604020202020204" pitchFamily="34" charset="0"/>
+              <a:buChar char="•"/>
+            </a:pPr>
+            <a:endParaRPr lang="en-GB" dirty="0"/>
+          </a:p>
+          <a:p>
+            <a:r>
+              <a:rPr lang="de-DE" dirty="0"/>
+              <a:t>Nur Einhorn hatte Angst vor JavaScript: </a:t>
+            </a:r>
+          </a:p>
+        </p:txBody>
+      </p:sp>
+      <p:sp>
+        <p:nvSpPr>
+          <p:cNvPr id="4" name="Textplatzhalter 3">
+            <a:extLst>
+              <a:ext uri="{FF2B5EF4-FFF2-40B4-BE49-F238E27FC236}">
+                <a16:creationId xmlns:a16="http://schemas.microsoft.com/office/drawing/2014/main" id="{D488F871-0574-48D1-A153-8AA34DA0DF4D}"/>
+              </a:ext>
+            </a:extLst>
+          </p:cNvPr>
+          <p:cNvSpPr>
+            <a:spLocks noGrp="1"/>
+          </p:cNvSpPr>
+          <p:nvPr>
+            <p:ph type="body" sz="quarter" idx="12"/>
+          </p:nvPr>
+        </p:nvSpPr>
+        <p:spPr/>
+        <p:txBody>
+          <a:bodyPr/>
+          <a:lstStyle/>
+          <a:p>
+            <a:endParaRPr lang="en-GB" dirty="0"/>
+          </a:p>
+        </p:txBody>
+      </p:sp>
+      <p:sp>
+        <p:nvSpPr>
+          <p:cNvPr id="5" name="Ellipse 4">
+            <a:extLst>
+              <a:ext uri="{FF2B5EF4-FFF2-40B4-BE49-F238E27FC236}">
+                <a16:creationId xmlns:a16="http://schemas.microsoft.com/office/drawing/2014/main" id="{98E31061-6621-4AC3-B5B9-06123B371560}"/>
+              </a:ext>
+            </a:extLst>
+          </p:cNvPr>
+          <p:cNvSpPr/>
+          <p:nvPr/>
+        </p:nvSpPr>
+        <p:spPr>
+          <a:xfrm>
+            <a:off x="5615401" y="4944981"/>
+            <a:ext cx="961198" cy="961198"/>
+          </a:xfrm>
+          <a:prstGeom prst="ellipse">
+            <a:avLst/>
+          </a:prstGeom>
+          <a:blipFill>
+            <a:blip r:embed="rId2"/>
+            <a:srcRect/>
+            <a:stretch>
+              <a:fillRect/>
+            </a:stretch>
+          </a:blipFill>
+        </p:spPr>
+        <p:style>
+          <a:lnRef idx="2">
+            <a:schemeClr val="lt1">
+              <a:hueOff val="0"/>
+              <a:satOff val="0"/>
+              <a:lumOff val="0"/>
+              <a:alphaOff val="0"/>
+            </a:schemeClr>
+          </a:lnRef>
+          <a:fillRef idx="1">
+            <a:scrgbClr r="0" g="0" b="0"/>
+          </a:fillRef>
+          <a:effectRef idx="0">
+            <a:schemeClr val="accent1">
+              <a:tint val="50000"/>
+              <a:hueOff val="0"/>
+              <a:satOff val="0"/>
+              <a:lumOff val="0"/>
+              <a:alphaOff val="0"/>
+            </a:schemeClr>
+          </a:effectRef>
+          <a:fontRef idx="minor">
+            <a:schemeClr val="lt1">
+              <a:hueOff val="0"/>
+              <a:satOff val="0"/>
+              <a:lumOff val="0"/>
+              <a:alphaOff val="0"/>
+            </a:schemeClr>
+          </a:fontRef>
+        </p:style>
+      </p:sp>
+    </p:spTree>
+    <p:extLst>
+      <p:ext uri="{BB962C8B-B14F-4D97-AF65-F5344CB8AC3E}">
+        <p14:creationId xmlns:p14="http://schemas.microsoft.com/office/powerpoint/2010/main" val="187647050"/>
+      </p:ext>
+    </p:extLst>
+  </p:cSld>
+  <p:clrMapOvr>
+    <a:masterClrMapping/>
+  </p:clrMapOvr>
+</p:sld>
+</file>
+
+<file path=ppt/slides/slide8.xml><?xml version="1.0" encoding="utf-8"?>
+<p:sld xmlns:a="http://schemas.openxmlformats.org/drawingml/2006/main" xmlns:r="http://schemas.openxmlformats.org/officeDocument/2006/relationships" xmlns:p="http://schemas.openxmlformats.org/presentationml/2006/main">
+  <p:cSld>
+    <p:spTree>
+      <p:nvGrpSpPr>
+        <p:cNvPr id="1" name=""/>
+        <p:cNvGrpSpPr/>
+        <p:nvPr/>
+      </p:nvGrpSpPr>
+      <p:grpSpPr>
+        <a:xfrm>
+          <a:off x="0" y="0"/>
+          <a:ext cx="0" cy="0"/>
+          <a:chOff x="0" y="0"/>
+          <a:chExt cx="0" cy="0"/>
+        </a:xfrm>
+      </p:grpSpPr>
+      <p:sp>
+        <p:nvSpPr>
+          <p:cNvPr id="2" name="Textplatzhalter 1">
+            <a:extLst>
+              <a:ext uri="{FF2B5EF4-FFF2-40B4-BE49-F238E27FC236}">
+                <a16:creationId xmlns:a16="http://schemas.microsoft.com/office/drawing/2014/main" id="{088E5560-EA7E-445B-B7B3-83338C12154F}"/>
+              </a:ext>
+            </a:extLst>
+          </p:cNvPr>
+          <p:cNvSpPr>
+            <a:spLocks noGrp="1"/>
+          </p:cNvSpPr>
+          <p:nvPr>
+            <p:ph type="body" sz="quarter" idx="10"/>
+          </p:nvPr>
+        </p:nvSpPr>
+        <p:spPr/>
+        <p:txBody>
+          <a:bodyPr/>
+          <a:lstStyle/>
+          <a:p>
+            <a:r>
+              <a:rPr lang="de-DE" dirty="0"/>
+              <a:t>Nun aber endlich zu den Episoden</a:t>
+            </a:r>
+            <a:endParaRPr lang="en-GB" dirty="0"/>
+          </a:p>
+        </p:txBody>
+      </p:sp>
+      <p:sp>
+        <p:nvSpPr>
+          <p:cNvPr id="3" name="Textplatzhalter 2">
+            <a:extLst>
+              <a:ext uri="{FF2B5EF4-FFF2-40B4-BE49-F238E27FC236}">
+                <a16:creationId xmlns:a16="http://schemas.microsoft.com/office/drawing/2014/main" id="{06A199E0-20E4-4007-9495-B34B2F3FF134}"/>
+              </a:ext>
+            </a:extLst>
+          </p:cNvPr>
+          <p:cNvSpPr>
+            <a:spLocks noGrp="1"/>
+          </p:cNvSpPr>
+          <p:nvPr>
+            <p:ph type="body" sz="quarter" idx="11"/>
+          </p:nvPr>
+        </p:nvSpPr>
+        <p:spPr/>
+        <p:txBody>
+          <a:bodyPr/>
+          <a:lstStyle/>
+          <a:p>
+            <a:r>
+              <a:rPr lang="de-DE" dirty="0"/>
+              <a:t>6 Episoden:</a:t>
+            </a:r>
+          </a:p>
+          <a:p>
+            <a:pPr marL="342900" indent="-342900">
+              <a:buFont typeface="Arial" panose="020B0604020202020204" pitchFamily="34" charset="0"/>
+              <a:buChar char="•"/>
+            </a:pPr>
+            <a:r>
+              <a:rPr lang="de-DE" dirty="0"/>
+              <a:t>Charlie und die Biene auf der Lichtung am Frühlingsmorgen</a:t>
+            </a:r>
+          </a:p>
+          <a:p>
+            <a:pPr marL="342900" indent="-342900">
+              <a:buFont typeface="Arial" panose="020B0604020202020204" pitchFamily="34" charset="0"/>
+              <a:buChar char="•"/>
+            </a:pPr>
+            <a:r>
+              <a:rPr lang="de-DE" dirty="0"/>
+              <a:t>Charlie nutzt seine Einhornmagie am See</a:t>
+            </a:r>
+          </a:p>
+          <a:p>
+            <a:pPr marL="342900" indent="-342900">
+              <a:buFont typeface="Arial" panose="020B0604020202020204" pitchFamily="34" charset="0"/>
+              <a:buChar char="•"/>
+            </a:pPr>
+            <a:r>
+              <a:rPr lang="de-DE" dirty="0"/>
+              <a:t>Das Kaninchen und der Laptop</a:t>
+            </a:r>
+          </a:p>
+          <a:p>
+            <a:pPr marL="342900" indent="-342900">
+              <a:buFont typeface="Arial" panose="020B0604020202020204" pitchFamily="34" charset="0"/>
+              <a:buChar char="•"/>
+            </a:pPr>
+            <a:r>
+              <a:rPr lang="de-DE" dirty="0"/>
+              <a:t>Die hilfsbereite Eule</a:t>
+            </a:r>
+          </a:p>
+          <a:p>
+            <a:pPr marL="342900" indent="-342900">
+              <a:buFont typeface="Arial" panose="020B0604020202020204" pitchFamily="34" charset="0"/>
+              <a:buChar char="•"/>
+            </a:pPr>
+            <a:r>
+              <a:rPr lang="de-DE" dirty="0"/>
+              <a:t>Charlie an den Steilklippen</a:t>
+            </a:r>
+          </a:p>
+          <a:p>
+            <a:pPr marL="342900" indent="-342900">
+              <a:buFont typeface="Arial" panose="020B0604020202020204" pitchFamily="34" charset="0"/>
+              <a:buChar char="•"/>
+            </a:pPr>
+            <a:r>
+              <a:rPr lang="de-DE" dirty="0"/>
+              <a:t>Die drei Eichhörnchen</a:t>
+            </a:r>
+          </a:p>
+        </p:txBody>
+      </p:sp>
+      <p:sp>
+        <p:nvSpPr>
+          <p:cNvPr id="4" name="Textplatzhalter 3">
+            <a:extLst>
+              <a:ext uri="{FF2B5EF4-FFF2-40B4-BE49-F238E27FC236}">
+                <a16:creationId xmlns:a16="http://schemas.microsoft.com/office/drawing/2014/main" id="{6FE06C54-E6B7-4912-A377-E9829A7BC2DA}"/>
+              </a:ext>
+            </a:extLst>
+          </p:cNvPr>
+          <p:cNvSpPr>
+            <a:spLocks noGrp="1"/>
+          </p:cNvSpPr>
+          <p:nvPr>
+            <p:ph type="body" sz="quarter" idx="12"/>
+          </p:nvPr>
+        </p:nvSpPr>
+        <p:spPr/>
+        <p:txBody>
+          <a:bodyPr/>
+          <a:lstStyle/>
+          <a:p>
+            <a:endParaRPr lang="en-GB" dirty="0"/>
+          </a:p>
+        </p:txBody>
+      </p:sp>
+    </p:spTree>
+    <p:extLst>
+      <p:ext uri="{BB962C8B-B14F-4D97-AF65-F5344CB8AC3E}">
+        <p14:creationId xmlns:p14="http://schemas.microsoft.com/office/powerpoint/2010/main" val="2282091392"/>
+      </p:ext>
+    </p:extLst>
+  </p:cSld>
+  <p:clrMapOvr>
+    <a:masterClrMapping/>
+  </p:clrMapOvr>
+</p:sld>
+</file>
+
+<file path=ppt/slides/slide9.xml><?xml version="1.0" encoding="utf-8"?>
+<p:sld xmlns:a="http://schemas.openxmlformats.org/drawingml/2006/main" xmlns:r="http://schemas.openxmlformats.org/officeDocument/2006/relationships" xmlns:p="http://schemas.openxmlformats.org/presentationml/2006/main">
+  <p:cSld>
+    <p:spTree>
+      <p:nvGrpSpPr>
+        <p:cNvPr id="1" name=""/>
+        <p:cNvGrpSpPr/>
+        <p:nvPr/>
+      </p:nvGrpSpPr>
+      <p:grpSpPr>
+        <a:xfrm>
+          <a:off x="0" y="0"/>
+          <a:ext cx="0" cy="0"/>
+          <a:chOff x="0" y="0"/>
+          <a:chExt cx="0" cy="0"/>
+        </a:xfrm>
+      </p:grpSpPr>
+      <p:sp>
+        <p:nvSpPr>
+          <p:cNvPr id="2" name="Textplatzhalter 1">
+            <a:extLst>
+              <a:ext uri="{FF2B5EF4-FFF2-40B4-BE49-F238E27FC236}">
+                <a16:creationId xmlns:a16="http://schemas.microsoft.com/office/drawing/2014/main" id="{CEC5FF9C-51F4-4791-B32F-487F0E09A8DB}"/>
+              </a:ext>
+            </a:extLst>
+          </p:cNvPr>
+          <p:cNvSpPr>
+            <a:spLocks noGrp="1"/>
+          </p:cNvSpPr>
+          <p:nvPr>
+            <p:ph type="body" sz="quarter" idx="10"/>
+          </p:nvPr>
+        </p:nvSpPr>
+        <p:spPr/>
+        <p:txBody>
+          <a:bodyPr/>
+          <a:lstStyle/>
+          <a:p>
+            <a:r>
+              <a:rPr lang="de-DE" dirty="0"/>
+              <a:t>Charlie und die Biene auf der Lichtung am Frühlingsmorgen</a:t>
+            </a:r>
+          </a:p>
+          <a:p>
+            <a:endParaRPr lang="en-GB" dirty="0"/>
+          </a:p>
+        </p:txBody>
+      </p:sp>
+      <p:sp>
+        <p:nvSpPr>
+          <p:cNvPr id="3" name="Textplatzhalter 2">
+            <a:extLst>
+              <a:ext uri="{FF2B5EF4-FFF2-40B4-BE49-F238E27FC236}">
+                <a16:creationId xmlns:a16="http://schemas.microsoft.com/office/drawing/2014/main" id="{2BF5F657-2ED0-4B72-B209-65A751C4BF56}"/>
+              </a:ext>
+            </a:extLst>
+          </p:cNvPr>
+          <p:cNvSpPr>
+            <a:spLocks noGrp="1"/>
+          </p:cNvSpPr>
+          <p:nvPr>
+            <p:ph type="body" sz="quarter" idx="11"/>
+          </p:nvPr>
+        </p:nvSpPr>
+        <p:spPr/>
+        <p:txBody>
+          <a:bodyPr/>
+          <a:lstStyle/>
+          <a:p>
+            <a:r>
+              <a:rPr lang="de-DE" dirty="0"/>
+              <a:t>Charlie muss Farben sortieren</a:t>
+            </a:r>
+            <a:endParaRPr lang="en-GB" dirty="0"/>
+          </a:p>
+        </p:txBody>
+      </p:sp>
+      <p:sp>
+        <p:nvSpPr>
+          <p:cNvPr id="4" name="Textplatzhalter 3">
+            <a:extLst>
+              <a:ext uri="{FF2B5EF4-FFF2-40B4-BE49-F238E27FC236}">
+                <a16:creationId xmlns:a16="http://schemas.microsoft.com/office/drawing/2014/main" id="{2D27AEAE-A53E-4384-B10A-5F41D5766F06}"/>
+              </a:ext>
+            </a:extLst>
+          </p:cNvPr>
+          <p:cNvSpPr>
+            <a:spLocks noGrp="1"/>
+          </p:cNvSpPr>
+          <p:nvPr>
+            <p:ph type="body" sz="quarter" idx="12"/>
+          </p:nvPr>
+        </p:nvSpPr>
+        <p:spPr/>
+        <p:txBody>
+          <a:bodyPr/>
+          <a:lstStyle/>
+          <a:p>
+            <a:endParaRPr lang="en-GB" dirty="0"/>
+          </a:p>
+        </p:txBody>
+      </p:sp>
+      <p:pic>
+        <p:nvPicPr>
+          <p:cNvPr id="5122" name="Picture 2" descr="Bildergebnis für rainbow comic">
+            <a:extLst>
+              <a:ext uri="{FF2B5EF4-FFF2-40B4-BE49-F238E27FC236}">
+                <a16:creationId xmlns:a16="http://schemas.microsoft.com/office/drawing/2014/main" id="{6D173C01-40BC-46E0-897B-610DA7D2C914}"/>
+              </a:ext>
+            </a:extLst>
+          </p:cNvPr>
+          <p:cNvPicPr>
+            <a:picLocks noChangeAspect="1" noChangeArrowheads="1"/>
+          </p:cNvPicPr>
+          <p:nvPr/>
+        </p:nvPicPr>
+        <p:blipFill>
+          <a:blip r:embed="rId2">
+            <a:extLst>
+              <a:ext uri="{28A0092B-C50C-407E-A947-70E740481C1C}">
+                <a14:useLocalDpi xmlns:a14="http://schemas.microsoft.com/office/drawing/2010/main" val="0"/>
+              </a:ext>
+            </a:extLst>
+          </a:blip>
+          <a:srcRect/>
+          <a:stretch>
+            <a:fillRect/>
+          </a:stretch>
+        </p:blipFill>
+        <p:spPr bwMode="auto">
+          <a:xfrm>
+            <a:off x="799200" y="2250605"/>
+            <a:ext cx="1905000" cy="1428750"/>
+          </a:xfrm>
+          <a:prstGeom prst="rect">
+            <a:avLst/>
+          </a:prstGeom>
+          <a:noFill/>
+          <a:extLst>
+            <a:ext uri="{909E8E84-426E-40DD-AFC4-6F175D3DCCD1}">
+              <a14:hiddenFill xmlns:a14="http://schemas.microsoft.com/office/drawing/2010/main">
+                <a:solidFill>
+                  <a:srgbClr val="FFFFFF"/>
+                </a:solidFill>
+              </a14:hiddenFill>
+            </a:ext>
+          </a:extLst>
+        </p:spPr>
+      </p:pic>
+      <p:sp>
+        <p:nvSpPr>
+          <p:cNvPr id="6" name="Textplatzhalter 2">
+            <a:extLst>
+              <a:ext uri="{FF2B5EF4-FFF2-40B4-BE49-F238E27FC236}">
+                <a16:creationId xmlns:a16="http://schemas.microsoft.com/office/drawing/2014/main" id="{F5E6917A-BB43-4348-BF27-7771E85A6E6E}"/>
+              </a:ext>
+            </a:extLst>
+          </p:cNvPr>
+          <p:cNvSpPr txBox="1">
+            <a:spLocks/>
+          </p:cNvSpPr>
+          <p:nvPr/>
+        </p:nvSpPr>
+        <p:spPr>
+          <a:xfrm>
+            <a:off x="2818700" y="2480555"/>
+            <a:ext cx="8932899" cy="1198800"/>
+          </a:xfrm>
+          <a:prstGeom prst="rect">
+            <a:avLst/>
+          </a:prstGeom>
+        </p:spPr>
+        <p:txBody>
+          <a:bodyPr/>
+          <a:lstStyle>
+            <a:lvl1pPr marL="0" marR="0" indent="0" algn="l" defTabSz="914400" rtl="0" eaLnBrk="1" fontAlgn="auto" latinLnBrk="0" hangingPunct="1">
+              <a:lnSpc>
+                <a:spcPct val="90000"/>
+              </a:lnSpc>
+              <a:spcBef>
+                <a:spcPts val="1000"/>
+              </a:spcBef>
+              <a:spcAft>
+                <a:spcPts val="0"/>
+              </a:spcAft>
+              <a:buClrTx/>
+              <a:buSzTx/>
+              <a:buFont typeface="Arial"/>
+              <a:buNone/>
+              <a:tabLst/>
+              <a:defRPr sz="2200" b="1" i="0" kern="1200">
+                <a:solidFill>
+                  <a:schemeClr val="bg1"/>
+                </a:solidFill>
+                <a:latin typeface="Arial Fett" charset="0"/>
+                <a:ea typeface="Arial Fett" charset="0"/>
+                <a:cs typeface="Arial Fett" charset="0"/>
+              </a:defRPr>
+            </a:lvl1pPr>
+            <a:lvl2pPr marL="685800" indent="-228600" algn="l" defTabSz="914400" rtl="0" eaLnBrk="1" latinLnBrk="0" hangingPunct="1">
+              <a:lnSpc>
+                <a:spcPct val="90000"/>
+              </a:lnSpc>
+              <a:spcBef>
+                <a:spcPts val="500"/>
+              </a:spcBef>
+              <a:buFont typeface="Arial"/>
+              <a:buChar char="•"/>
+              <a:defRPr sz="2400" kern="1200">
+                <a:solidFill>
+                  <a:schemeClr val="tx1"/>
+                </a:solidFill>
+                <a:latin typeface="+mn-lt"/>
+                <a:ea typeface="+mn-ea"/>
+                <a:cs typeface="+mn-cs"/>
+              </a:defRPr>
+            </a:lvl2pPr>
+            <a:lvl3pPr marL="1143000" indent="-228600" algn="l" defTabSz="914400" rtl="0" eaLnBrk="1" latinLnBrk="0" hangingPunct="1">
+              <a:lnSpc>
+                <a:spcPct val="90000"/>
+              </a:lnSpc>
+              <a:spcBef>
+                <a:spcPts val="500"/>
+              </a:spcBef>
+              <a:buFont typeface="Arial"/>
+              <a:buChar char="•"/>
+              <a:defRPr sz="2000" kern="1200">
+                <a:solidFill>
+                  <a:schemeClr val="tx1"/>
+                </a:solidFill>
+                <a:latin typeface="+mn-lt"/>
+                <a:ea typeface="+mn-ea"/>
+                <a:cs typeface="+mn-cs"/>
+              </a:defRPr>
+            </a:lvl3pPr>
+            <a:lvl4pPr marL="1600200" indent="-228600" algn="l" defTabSz="914400" rtl="0" eaLnBrk="1" latinLnBrk="0" hangingPunct="1">
+              <a:lnSpc>
+                <a:spcPct val="90000"/>
+              </a:lnSpc>
+              <a:spcBef>
+                <a:spcPts val="500"/>
+              </a:spcBef>
+              <a:buFont typeface="Arial"/>
+              <a:buChar char="•"/>
+              <a:defRPr sz="1800" kern="1200">
+                <a:solidFill>
+                  <a:schemeClr val="tx1"/>
+                </a:solidFill>
+                <a:latin typeface="+mn-lt"/>
+                <a:ea typeface="+mn-ea"/>
+                <a:cs typeface="+mn-cs"/>
+              </a:defRPr>
+            </a:lvl4pPr>
+            <a:lvl5pPr marL="2057400" indent="-228600" algn="l" defTabSz="914400" rtl="0" eaLnBrk="1" latinLnBrk="0" hangingPunct="1">
+              <a:lnSpc>
+                <a:spcPct val="90000"/>
+              </a:lnSpc>
+              <a:spcBef>
+                <a:spcPts val="500"/>
+              </a:spcBef>
+              <a:buFont typeface="Arial"/>
+              <a:buChar char="•"/>
+              <a:defRPr sz="1800" kern="1200">
+                <a:solidFill>
+                  <a:schemeClr val="tx1"/>
+                </a:solidFill>
+                <a:latin typeface="+mn-lt"/>
+                <a:ea typeface="+mn-ea"/>
+                <a:cs typeface="+mn-cs"/>
+              </a:defRPr>
+            </a:lvl5pPr>
+            <a:lvl6pPr marL="2514600" indent="-228600" algn="l" defTabSz="914400" rtl="0" eaLnBrk="1" latinLnBrk="0" hangingPunct="1">
+              <a:lnSpc>
+                <a:spcPct val="90000"/>
+              </a:lnSpc>
+              <a:spcBef>
+                <a:spcPts val="500"/>
+              </a:spcBef>
+              <a:buFont typeface="Arial"/>
+              <a:buChar char="•"/>
+              <a:defRPr sz="1800" kern="1200">
+                <a:solidFill>
+                  <a:schemeClr val="tx1"/>
+                </a:solidFill>
+                <a:latin typeface="+mn-lt"/>
+                <a:ea typeface="+mn-ea"/>
+                <a:cs typeface="+mn-cs"/>
+              </a:defRPr>
+            </a:lvl6pPr>
+            <a:lvl7pPr marL="2971800" indent="-228600" algn="l" defTabSz="914400" rtl="0" eaLnBrk="1" latinLnBrk="0" hangingPunct="1">
+              <a:lnSpc>
+                <a:spcPct val="90000"/>
+              </a:lnSpc>
+              <a:spcBef>
+                <a:spcPts val="500"/>
+              </a:spcBef>
+              <a:buFont typeface="Arial"/>
+              <a:buChar char="•"/>
+              <a:defRPr sz="1800" kern="1200">
+                <a:solidFill>
+                  <a:schemeClr val="tx1"/>
+                </a:solidFill>
+                <a:latin typeface="+mn-lt"/>
+                <a:ea typeface="+mn-ea"/>
+                <a:cs typeface="+mn-cs"/>
+              </a:defRPr>
+            </a:lvl7pPr>
+            <a:lvl8pPr marL="3429000" indent="-228600" algn="l" defTabSz="914400" rtl="0" eaLnBrk="1" latinLnBrk="0" hangingPunct="1">
+              <a:lnSpc>
+                <a:spcPct val="90000"/>
+              </a:lnSpc>
+              <a:spcBef>
+                <a:spcPts val="500"/>
+              </a:spcBef>
+              <a:buFont typeface="Arial"/>
+              <a:buChar char="•"/>
+              <a:defRPr sz="1800" kern="1200">
+                <a:solidFill>
+                  <a:schemeClr val="tx1"/>
+                </a:solidFill>
+                <a:latin typeface="+mn-lt"/>
+                <a:ea typeface="+mn-ea"/>
+                <a:cs typeface="+mn-cs"/>
+              </a:defRPr>
+            </a:lvl8pPr>
+            <a:lvl9pPr marL="3886200" indent="-228600" algn="l" defTabSz="914400" rtl="0" eaLnBrk="1" latinLnBrk="0" hangingPunct="1">
+              <a:lnSpc>
+                <a:spcPct val="90000"/>
+              </a:lnSpc>
+              <a:spcBef>
+                <a:spcPts val="500"/>
+              </a:spcBef>
+              <a:buFont typeface="Arial"/>
+              <a:buChar char="•"/>
+              <a:defRPr sz="1800" kern="1200">
+                <a:solidFill>
+                  <a:schemeClr val="tx1"/>
+                </a:solidFill>
+                <a:latin typeface="+mn-lt"/>
+                <a:ea typeface="+mn-ea"/>
+                <a:cs typeface="+mn-cs"/>
+              </a:defRPr>
+            </a:lvl9pPr>
+          </a:lstStyle>
+          <a:p>
+            <a:r>
+              <a:rPr lang="de-DE" dirty="0"/>
+              <a:t>Nicht jedes Einhorn sollte einen Regenbogen malen und ein hyperaktives Einhorn sollte man nicht nach den Farben eines Regenbogens fragen.</a:t>
+            </a:r>
+          </a:p>
+        </p:txBody>
+      </p:sp>
+      <p:sp>
+        <p:nvSpPr>
+          <p:cNvPr id="7" name="Textplatzhalter 2">
+            <a:extLst>
+              <a:ext uri="{FF2B5EF4-FFF2-40B4-BE49-F238E27FC236}">
+                <a16:creationId xmlns:a16="http://schemas.microsoft.com/office/drawing/2014/main" id="{6BC645CC-DC93-4B1C-B828-EB6CFF4F191E}"/>
+              </a:ext>
+            </a:extLst>
+          </p:cNvPr>
+          <p:cNvSpPr txBox="1">
+            <a:spLocks/>
+          </p:cNvSpPr>
+          <p:nvPr/>
+        </p:nvSpPr>
+        <p:spPr>
+          <a:xfrm>
+            <a:off x="799200" y="3875713"/>
+            <a:ext cx="10800000" cy="1786855"/>
+          </a:xfrm>
+          <a:prstGeom prst="rect">
+            <a:avLst/>
+          </a:prstGeom>
+        </p:spPr>
+        <p:txBody>
+          <a:bodyPr/>
+          <a:lstStyle>
+            <a:lvl1pPr marL="0" marR="0" indent="0" algn="l" defTabSz="914400" rtl="0" eaLnBrk="1" fontAlgn="auto" latinLnBrk="0" hangingPunct="1">
+              <a:lnSpc>
+                <a:spcPct val="90000"/>
+              </a:lnSpc>
+              <a:spcBef>
+                <a:spcPts val="1000"/>
+              </a:spcBef>
+              <a:spcAft>
+                <a:spcPts val="0"/>
+              </a:spcAft>
+              <a:buClrTx/>
+              <a:buSzTx/>
+              <a:buFont typeface="Arial"/>
+              <a:buNone/>
+              <a:tabLst/>
+              <a:defRPr sz="2200" b="1" i="0" kern="1200">
+                <a:solidFill>
+                  <a:schemeClr val="bg1"/>
+                </a:solidFill>
+                <a:latin typeface="Arial Fett" charset="0"/>
+                <a:ea typeface="Arial Fett" charset="0"/>
+                <a:cs typeface="Arial Fett" charset="0"/>
+              </a:defRPr>
+            </a:lvl1pPr>
+            <a:lvl2pPr marL="685800" indent="-228600" algn="l" defTabSz="914400" rtl="0" eaLnBrk="1" latinLnBrk="0" hangingPunct="1">
+              <a:lnSpc>
+                <a:spcPct val="90000"/>
+              </a:lnSpc>
+              <a:spcBef>
+                <a:spcPts val="500"/>
+              </a:spcBef>
+              <a:buFont typeface="Arial"/>
+              <a:buChar char="•"/>
+              <a:defRPr sz="2400" kern="1200">
+                <a:solidFill>
+                  <a:schemeClr val="tx1"/>
+                </a:solidFill>
+                <a:latin typeface="+mn-lt"/>
+                <a:ea typeface="+mn-ea"/>
+                <a:cs typeface="+mn-cs"/>
+              </a:defRPr>
+            </a:lvl2pPr>
+            <a:lvl3pPr marL="1143000" indent="-228600" algn="l" defTabSz="914400" rtl="0" eaLnBrk="1" latinLnBrk="0" hangingPunct="1">
+              <a:lnSpc>
+                <a:spcPct val="90000"/>
+              </a:lnSpc>
+              <a:spcBef>
+                <a:spcPts val="500"/>
+              </a:spcBef>
+              <a:buFont typeface="Arial"/>
+              <a:buChar char="•"/>
+              <a:defRPr sz="2000" kern="1200">
+                <a:solidFill>
+                  <a:schemeClr val="tx1"/>
+                </a:solidFill>
+                <a:latin typeface="+mn-lt"/>
+                <a:ea typeface="+mn-ea"/>
+                <a:cs typeface="+mn-cs"/>
+              </a:defRPr>
+            </a:lvl3pPr>
+            <a:lvl4pPr marL="1600200" indent="-228600" algn="l" defTabSz="914400" rtl="0" eaLnBrk="1" latinLnBrk="0" hangingPunct="1">
+              <a:lnSpc>
+                <a:spcPct val="90000"/>
+              </a:lnSpc>
+              <a:spcBef>
+                <a:spcPts val="500"/>
+              </a:spcBef>
+              <a:buFont typeface="Arial"/>
+              <a:buChar char="•"/>
+              <a:defRPr sz="1800" kern="1200">
+                <a:solidFill>
+                  <a:schemeClr val="tx1"/>
+                </a:solidFill>
+                <a:latin typeface="+mn-lt"/>
+                <a:ea typeface="+mn-ea"/>
+                <a:cs typeface="+mn-cs"/>
+              </a:defRPr>
+            </a:lvl4pPr>
+            <a:lvl5pPr marL="2057400" indent="-228600" algn="l" defTabSz="914400" rtl="0" eaLnBrk="1" latinLnBrk="0" hangingPunct="1">
+              <a:lnSpc>
+                <a:spcPct val="90000"/>
+              </a:lnSpc>
+              <a:spcBef>
+                <a:spcPts val="500"/>
+              </a:spcBef>
+              <a:buFont typeface="Arial"/>
+              <a:buChar char="•"/>
+              <a:defRPr sz="1800" kern="1200">
+                <a:solidFill>
+                  <a:schemeClr val="tx1"/>
+                </a:solidFill>
+                <a:latin typeface="+mn-lt"/>
+                <a:ea typeface="+mn-ea"/>
+                <a:cs typeface="+mn-cs"/>
+              </a:defRPr>
+            </a:lvl5pPr>
+            <a:lvl6pPr marL="2514600" indent="-228600" algn="l" defTabSz="914400" rtl="0" eaLnBrk="1" latinLnBrk="0" hangingPunct="1">
+              <a:lnSpc>
+                <a:spcPct val="90000"/>
+              </a:lnSpc>
+              <a:spcBef>
+                <a:spcPts val="500"/>
+              </a:spcBef>
+              <a:buFont typeface="Arial"/>
+              <a:buChar char="•"/>
+              <a:defRPr sz="1800" kern="1200">
+                <a:solidFill>
+                  <a:schemeClr val="tx1"/>
+                </a:solidFill>
+                <a:latin typeface="+mn-lt"/>
+                <a:ea typeface="+mn-ea"/>
+                <a:cs typeface="+mn-cs"/>
+              </a:defRPr>
+            </a:lvl6pPr>
+            <a:lvl7pPr marL="2971800" indent="-228600" algn="l" defTabSz="914400" rtl="0" eaLnBrk="1" latinLnBrk="0" hangingPunct="1">
+              <a:lnSpc>
+                <a:spcPct val="90000"/>
+              </a:lnSpc>
+              <a:spcBef>
+                <a:spcPts val="500"/>
+              </a:spcBef>
+              <a:buFont typeface="Arial"/>
+              <a:buChar char="•"/>
+              <a:defRPr sz="1800" kern="1200">
+                <a:solidFill>
+                  <a:schemeClr val="tx1"/>
+                </a:solidFill>
+                <a:latin typeface="+mn-lt"/>
+                <a:ea typeface="+mn-ea"/>
+                <a:cs typeface="+mn-cs"/>
+              </a:defRPr>
+            </a:lvl7pPr>
+            <a:lvl8pPr marL="3429000" indent="-228600" algn="l" defTabSz="914400" rtl="0" eaLnBrk="1" latinLnBrk="0" hangingPunct="1">
+              <a:lnSpc>
+                <a:spcPct val="90000"/>
+              </a:lnSpc>
+              <a:spcBef>
+                <a:spcPts val="500"/>
+              </a:spcBef>
+              <a:buFont typeface="Arial"/>
+              <a:buChar char="•"/>
+              <a:defRPr sz="1800" kern="1200">
+                <a:solidFill>
+                  <a:schemeClr val="tx1"/>
+                </a:solidFill>
+                <a:latin typeface="+mn-lt"/>
+                <a:ea typeface="+mn-ea"/>
+                <a:cs typeface="+mn-cs"/>
+              </a:defRPr>
+            </a:lvl8pPr>
+            <a:lvl9pPr marL="3886200" indent="-228600" algn="l" defTabSz="914400" rtl="0" eaLnBrk="1" latinLnBrk="0" hangingPunct="1">
+              <a:lnSpc>
+                <a:spcPct val="90000"/>
+              </a:lnSpc>
+              <a:spcBef>
+                <a:spcPts val="500"/>
+              </a:spcBef>
+              <a:buFont typeface="Arial"/>
+              <a:buChar char="•"/>
+              <a:defRPr sz="1800" kern="1200">
+                <a:solidFill>
+                  <a:schemeClr val="tx1"/>
+                </a:solidFill>
+                <a:latin typeface="+mn-lt"/>
+                <a:ea typeface="+mn-ea"/>
+                <a:cs typeface="+mn-cs"/>
+              </a:defRPr>
+            </a:lvl9pPr>
+          </a:lstStyle>
+          <a:p>
+            <a:r>
+              <a:rPr lang="de-DE" dirty="0"/>
+              <a:t>Aber unser Augenmerk hier lag nicht auf dem Sortieralgorithmus, sondern auf</a:t>
+            </a:r>
+          </a:p>
+          <a:p>
+            <a:pPr marL="342900" indent="-342900">
+              <a:buFont typeface="Arial" panose="020B0604020202020204" pitchFamily="34" charset="0"/>
+              <a:buChar char="•"/>
+            </a:pPr>
+            <a:r>
+              <a:rPr lang="de-DE" dirty="0"/>
+              <a:t>der Lambda Funktion in einer Loop und</a:t>
+            </a:r>
+          </a:p>
+          <a:p>
+            <a:pPr marL="342900" indent="-342900">
+              <a:buFont typeface="Arial" panose="020B0604020202020204" pitchFamily="34" charset="0"/>
+              <a:buChar char="•"/>
+            </a:pPr>
+            <a:r>
+              <a:rPr lang="de-DE" dirty="0"/>
+              <a:t>Der Sortierreihenfolge.</a:t>
+            </a:r>
+          </a:p>
+        </p:txBody>
+      </p:sp>
+    </p:spTree>
+    <p:extLst>
+      <p:ext uri="{BB962C8B-B14F-4D97-AF65-F5344CB8AC3E}">
+        <p14:creationId xmlns:p14="http://schemas.microsoft.com/office/powerpoint/2010/main" val="3190427245"/>
       </p:ext>
     </p:extLst>
   </p:cSld>

--- a/TheStory/ProgrammierungII_Gruppe6Mün_EscapeRoom_Präsentation.pptx
+++ b/TheStory/ProgrammierungII_Gruppe6Mün_EscapeRoom_Präsentation.pptx
@@ -2811,7 +2811,7 @@
             <a:fld id="{1E11B3E1-2F11-664F-BDDB-AEF17C1F15BA}" type="datetimeFigureOut">
               <a:rPr lang="de-DE" smtClean="0"/>
               <a:pPr/>
-              <a:t>03.12.2020</a:t>
+              <a:t>04.12.2020</a:t>
             </a:fld>
             <a:endParaRPr lang="de-DE" dirty="0"/>
           </a:p>
@@ -40961,6 +40961,71 @@
           </a:extLst>
         </p:spPr>
       </p:pic>
+      <p:sp>
+        <p:nvSpPr>
+          <p:cNvPr id="6" name="Ellipse 5">
+            <a:extLst>
+              <a:ext uri="{FF2B5EF4-FFF2-40B4-BE49-F238E27FC236}">
+                <a16:creationId xmlns:a16="http://schemas.microsoft.com/office/drawing/2014/main" id="{A6239E96-BC9B-40FB-9B2E-24E53E752A52}"/>
+              </a:ext>
+            </a:extLst>
+          </p:cNvPr>
+          <p:cNvSpPr/>
+          <p:nvPr/>
+        </p:nvSpPr>
+        <p:spPr>
+          <a:xfrm>
+            <a:off x="10431602" y="518401"/>
+            <a:ext cx="961198" cy="961198"/>
+          </a:xfrm>
+          <a:prstGeom prst="ellipse">
+            <a:avLst/>
+          </a:prstGeom>
+          <a:blipFill>
+            <a:blip r:embed="rId3">
+              <a:extLst>
+                <a:ext uri="{28A0092B-C50C-407E-A947-70E740481C1C}">
+                  <a14:useLocalDpi xmlns:a14="http://schemas.microsoft.com/office/drawing/2010/main" val="0"/>
+                </a:ext>
+              </a:extLst>
+            </a:blip>
+            <a:srcRect/>
+            <a:stretch>
+              <a:fillRect/>
+            </a:stretch>
+          </a:blipFill>
+        </p:spPr>
+        <p:style>
+          <a:lnRef idx="2">
+            <a:schemeClr val="lt1">
+              <a:hueOff val="0"/>
+              <a:satOff val="0"/>
+              <a:lumOff val="0"/>
+              <a:alphaOff val="0"/>
+            </a:schemeClr>
+          </a:lnRef>
+          <a:fillRef idx="1">
+            <a:scrgbClr r="0" g="0" b="0"/>
+          </a:fillRef>
+          <a:effectRef idx="0">
+            <a:schemeClr val="accent1">
+              <a:tint val="50000"/>
+              <a:hueOff val="0"/>
+              <a:satOff val="0"/>
+              <a:lumOff val="0"/>
+              <a:alphaOff val="0"/>
+            </a:schemeClr>
+          </a:effectRef>
+          <a:fontRef idx="minor">
+            <a:schemeClr val="lt1">
+              <a:hueOff val="0"/>
+              <a:satOff val="0"/>
+              <a:lumOff val="0"/>
+              <a:alphaOff val="0"/>
+            </a:schemeClr>
+          </a:fontRef>
+        </p:style>
+      </p:sp>
     </p:spTree>
     <p:extLst>
       <p:ext uri="{BB962C8B-B14F-4D97-AF65-F5344CB8AC3E}">
@@ -41181,6 +41246,65 @@
           </a:extLst>
         </p:spPr>
       </p:pic>
+      <p:sp>
+        <p:nvSpPr>
+          <p:cNvPr id="6" name="Ellipse 5">
+            <a:extLst>
+              <a:ext uri="{FF2B5EF4-FFF2-40B4-BE49-F238E27FC236}">
+                <a16:creationId xmlns:a16="http://schemas.microsoft.com/office/drawing/2014/main" id="{437DA6BE-130D-4384-926F-AFC263436893}"/>
+              </a:ext>
+            </a:extLst>
+          </p:cNvPr>
+          <p:cNvSpPr/>
+          <p:nvPr/>
+        </p:nvSpPr>
+        <p:spPr>
+          <a:xfrm>
+            <a:off x="10431602" y="518401"/>
+            <a:ext cx="961198" cy="961198"/>
+          </a:xfrm>
+          <a:prstGeom prst="ellipse">
+            <a:avLst/>
+          </a:prstGeom>
+          <a:blipFill>
+            <a:blip r:embed="rId3"/>
+            <a:srcRect/>
+            <a:stretch>
+              <a:fillRect/>
+            </a:stretch>
+          </a:blipFill>
+        </p:spPr>
+        <p:style>
+          <a:lnRef idx="2">
+            <a:schemeClr val="lt1">
+              <a:hueOff val="0"/>
+              <a:satOff val="0"/>
+              <a:lumOff val="0"/>
+              <a:alphaOff val="0"/>
+            </a:schemeClr>
+          </a:lnRef>
+          <a:fillRef idx="1">
+            <a:scrgbClr r="0" g="0" b="0"/>
+          </a:fillRef>
+          <a:effectRef idx="0">
+            <a:schemeClr val="accent1">
+              <a:tint val="50000"/>
+              <a:hueOff val="0"/>
+              <a:satOff val="0"/>
+              <a:lumOff val="0"/>
+              <a:alphaOff val="0"/>
+            </a:schemeClr>
+          </a:effectRef>
+          <a:fontRef idx="minor">
+            <a:schemeClr val="lt1">
+              <a:hueOff val="0"/>
+              <a:satOff val="0"/>
+              <a:lumOff val="0"/>
+              <a:alphaOff val="0"/>
+            </a:schemeClr>
+          </a:fontRef>
+        </p:style>
+      </p:sp>
     </p:spTree>
     <p:extLst>
       <p:ext uri="{BB962C8B-B14F-4D97-AF65-F5344CB8AC3E}">
@@ -41312,6 +41436,65 @@
             <a:endParaRPr lang="en-GB" dirty="0"/>
           </a:p>
         </p:txBody>
+      </p:sp>
+      <p:sp>
+        <p:nvSpPr>
+          <p:cNvPr id="5" name="Ellipse 4">
+            <a:extLst>
+              <a:ext uri="{FF2B5EF4-FFF2-40B4-BE49-F238E27FC236}">
+                <a16:creationId xmlns:a16="http://schemas.microsoft.com/office/drawing/2014/main" id="{468C1DD4-8F79-4575-A1EC-8A36F612C152}"/>
+              </a:ext>
+            </a:extLst>
+          </p:cNvPr>
+          <p:cNvSpPr/>
+          <p:nvPr/>
+        </p:nvSpPr>
+        <p:spPr>
+          <a:xfrm>
+            <a:off x="10638002" y="518401"/>
+            <a:ext cx="961198" cy="961198"/>
+          </a:xfrm>
+          <a:prstGeom prst="ellipse">
+            <a:avLst/>
+          </a:prstGeom>
+          <a:blipFill>
+            <a:blip r:embed="rId2"/>
+            <a:srcRect/>
+            <a:stretch>
+              <a:fillRect/>
+            </a:stretch>
+          </a:blipFill>
+        </p:spPr>
+        <p:style>
+          <a:lnRef idx="2">
+            <a:schemeClr val="lt1">
+              <a:hueOff val="0"/>
+              <a:satOff val="0"/>
+              <a:lumOff val="0"/>
+              <a:alphaOff val="0"/>
+            </a:schemeClr>
+          </a:lnRef>
+          <a:fillRef idx="1">
+            <a:scrgbClr r="0" g="0" b="0"/>
+          </a:fillRef>
+          <a:effectRef idx="0">
+            <a:schemeClr val="accent1">
+              <a:tint val="50000"/>
+              <a:hueOff val="0"/>
+              <a:satOff val="0"/>
+              <a:lumOff val="0"/>
+              <a:alphaOff val="0"/>
+            </a:schemeClr>
+          </a:effectRef>
+          <a:fontRef idx="minor">
+            <a:schemeClr val="lt1">
+              <a:hueOff val="0"/>
+              <a:satOff val="0"/>
+              <a:lumOff val="0"/>
+              <a:alphaOff val="0"/>
+            </a:schemeClr>
+          </a:fontRef>
+        </p:style>
       </p:sp>
     </p:spTree>
     <p:extLst>
@@ -41604,6 +41787,65 @@
           </a:extLst>
         </p:spPr>
       </p:pic>
+      <p:sp>
+        <p:nvSpPr>
+          <p:cNvPr id="10" name="Ellipse 9">
+            <a:extLst>
+              <a:ext uri="{FF2B5EF4-FFF2-40B4-BE49-F238E27FC236}">
+                <a16:creationId xmlns:a16="http://schemas.microsoft.com/office/drawing/2014/main" id="{7C17E30A-3D1D-451A-B3FA-372E4E982207}"/>
+              </a:ext>
+            </a:extLst>
+          </p:cNvPr>
+          <p:cNvSpPr/>
+          <p:nvPr/>
+        </p:nvSpPr>
+        <p:spPr>
+          <a:xfrm>
+            <a:off x="10432290" y="520362"/>
+            <a:ext cx="961198" cy="961198"/>
+          </a:xfrm>
+          <a:prstGeom prst="ellipse">
+            <a:avLst/>
+          </a:prstGeom>
+          <a:blipFill>
+            <a:blip r:embed="rId3"/>
+            <a:srcRect/>
+            <a:stretch>
+              <a:fillRect/>
+            </a:stretch>
+          </a:blipFill>
+        </p:spPr>
+        <p:style>
+          <a:lnRef idx="2">
+            <a:schemeClr val="lt1">
+              <a:hueOff val="0"/>
+              <a:satOff val="0"/>
+              <a:lumOff val="0"/>
+              <a:alphaOff val="0"/>
+            </a:schemeClr>
+          </a:lnRef>
+          <a:fillRef idx="1">
+            <a:scrgbClr r="0" g="0" b="0"/>
+          </a:fillRef>
+          <a:effectRef idx="0">
+            <a:schemeClr val="accent1">
+              <a:tint val="50000"/>
+              <a:hueOff val="0"/>
+              <a:satOff val="0"/>
+              <a:lumOff val="0"/>
+              <a:alphaOff val="0"/>
+            </a:schemeClr>
+          </a:effectRef>
+          <a:fontRef idx="minor">
+            <a:schemeClr val="lt1">
+              <a:hueOff val="0"/>
+              <a:satOff val="0"/>
+              <a:lumOff val="0"/>
+              <a:alphaOff val="0"/>
+            </a:schemeClr>
+          </a:fontRef>
+        </p:style>
+      </p:sp>
     </p:spTree>
     <p:extLst>
       <p:ext uri="{BB962C8B-B14F-4D97-AF65-F5344CB8AC3E}">
@@ -41763,6 +42005,65 @@
             <a:endParaRPr lang="en-GB" dirty="0"/>
           </a:p>
         </p:txBody>
+      </p:sp>
+      <p:sp>
+        <p:nvSpPr>
+          <p:cNvPr id="5" name="Ellipse 4">
+            <a:extLst>
+              <a:ext uri="{FF2B5EF4-FFF2-40B4-BE49-F238E27FC236}">
+                <a16:creationId xmlns:a16="http://schemas.microsoft.com/office/drawing/2014/main" id="{1BA4FF43-DB7D-4EA1-97F8-29F5A9D2499A}"/>
+              </a:ext>
+            </a:extLst>
+          </p:cNvPr>
+          <p:cNvSpPr/>
+          <p:nvPr/>
+        </p:nvSpPr>
+        <p:spPr>
+          <a:xfrm>
+            <a:off x="10432290" y="518401"/>
+            <a:ext cx="961198" cy="961198"/>
+          </a:xfrm>
+          <a:prstGeom prst="ellipse">
+            <a:avLst/>
+          </a:prstGeom>
+          <a:blipFill>
+            <a:blip r:embed="rId2"/>
+            <a:srcRect/>
+            <a:stretch>
+              <a:fillRect/>
+            </a:stretch>
+          </a:blipFill>
+        </p:spPr>
+        <p:style>
+          <a:lnRef idx="2">
+            <a:schemeClr val="lt1">
+              <a:hueOff val="0"/>
+              <a:satOff val="0"/>
+              <a:lumOff val="0"/>
+              <a:alphaOff val="0"/>
+            </a:schemeClr>
+          </a:lnRef>
+          <a:fillRef idx="1">
+            <a:scrgbClr r="0" g="0" b="0"/>
+          </a:fillRef>
+          <a:effectRef idx="0">
+            <a:schemeClr val="accent1">
+              <a:tint val="50000"/>
+              <a:hueOff val="0"/>
+              <a:satOff val="0"/>
+              <a:lumOff val="0"/>
+              <a:alphaOff val="0"/>
+            </a:schemeClr>
+          </a:effectRef>
+          <a:fontRef idx="minor">
+            <a:schemeClr val="lt1">
+              <a:hueOff val="0"/>
+              <a:satOff val="0"/>
+              <a:lumOff val="0"/>
+              <a:alphaOff val="0"/>
+            </a:schemeClr>
+          </a:fontRef>
+        </p:style>
       </p:sp>
     </p:spTree>
     <p:extLst>
@@ -46630,6 +46931,71 @@
             </a:r>
           </a:p>
         </p:txBody>
+      </p:sp>
+      <p:sp>
+        <p:nvSpPr>
+          <p:cNvPr id="8" name="Ellipse 7">
+            <a:extLst>
+              <a:ext uri="{FF2B5EF4-FFF2-40B4-BE49-F238E27FC236}">
+                <a16:creationId xmlns:a16="http://schemas.microsoft.com/office/drawing/2014/main" id="{604DADEE-28EF-4A83-AEC4-88C1B796F295}"/>
+              </a:ext>
+            </a:extLst>
+          </p:cNvPr>
+          <p:cNvSpPr/>
+          <p:nvPr/>
+        </p:nvSpPr>
+        <p:spPr>
+          <a:xfrm>
+            <a:off x="10432290" y="512981"/>
+            <a:ext cx="961198" cy="961198"/>
+          </a:xfrm>
+          <a:prstGeom prst="ellipse">
+            <a:avLst/>
+          </a:prstGeom>
+          <a:blipFill>
+            <a:blip r:embed="rId3">
+              <a:extLst>
+                <a:ext uri="{28A0092B-C50C-407E-A947-70E740481C1C}">
+                  <a14:useLocalDpi xmlns:a14="http://schemas.microsoft.com/office/drawing/2010/main" val="0"/>
+                </a:ext>
+              </a:extLst>
+            </a:blip>
+            <a:srcRect/>
+            <a:stretch>
+              <a:fillRect/>
+            </a:stretch>
+          </a:blipFill>
+        </p:spPr>
+        <p:style>
+          <a:lnRef idx="2">
+            <a:schemeClr val="lt1">
+              <a:hueOff val="0"/>
+              <a:satOff val="0"/>
+              <a:lumOff val="0"/>
+              <a:alphaOff val="0"/>
+            </a:schemeClr>
+          </a:lnRef>
+          <a:fillRef idx="1">
+            <a:scrgbClr r="0" g="0" b="0"/>
+          </a:fillRef>
+          <a:effectRef idx="0">
+            <a:schemeClr val="accent1">
+              <a:tint val="50000"/>
+              <a:hueOff val="0"/>
+              <a:satOff val="0"/>
+              <a:lumOff val="0"/>
+              <a:alphaOff val="0"/>
+            </a:schemeClr>
+          </a:effectRef>
+          <a:fontRef idx="minor">
+            <a:schemeClr val="lt1">
+              <a:hueOff val="0"/>
+              <a:satOff val="0"/>
+              <a:lumOff val="0"/>
+              <a:alphaOff val="0"/>
+            </a:schemeClr>
+          </a:fontRef>
+        </p:style>
       </p:sp>
     </p:spTree>
     <p:extLst>

--- a/TheStory/ProgrammierungII_Gruppe6Mün_EscapeRoom_Präsentation.pptx
+++ b/TheStory/ProgrammierungII_Gruppe6Mün_EscapeRoom_Präsentation.pptx
@@ -8,7 +8,7 @@
     <p:sldMasterId id="2147483667" r:id="rId4"/>
   </p:sldMasterIdLst>
   <p:notesMasterIdLst>
-    <p:notesMasterId r:id="rId20"/>
+    <p:notesMasterId r:id="rId21"/>
   </p:notesMasterIdLst>
   <p:sldIdLst>
     <p:sldId id="273" r:id="rId5"/>
@@ -26,6 +26,7 @@
     <p:sldId id="284" r:id="rId17"/>
     <p:sldId id="285" r:id="rId18"/>
     <p:sldId id="286" r:id="rId19"/>
+    <p:sldId id="287" r:id="rId20"/>
   </p:sldIdLst>
   <p:sldSz cx="12192000" cy="6858000"/>
   <p:notesSz cx="6858000" cy="9144000"/>
@@ -41451,7 +41452,7 @@
         </p:nvSpPr>
         <p:spPr>
           <a:xfrm>
-            <a:off x="10638002" y="518401"/>
+            <a:off x="10432290" y="518401"/>
             <a:ext cx="961198" cy="961198"/>
           </a:xfrm>
           <a:prstGeom prst="ellipse">
@@ -42166,8 +42167,20 @@
           <a:lstStyle/>
           <a:p>
             <a:r>
+              <a:rPr lang="de-DE" dirty="0" err="1"/>
+              <a:t>It‘s</a:t>
+            </a:r>
+            <a:r>
               <a:rPr lang="de-DE" dirty="0"/>
-              <a:t>Ein Happy End</a:t>
+              <a:t> </a:t>
+            </a:r>
+            <a:r>
+              <a:rPr lang="de-DE" dirty="0" err="1"/>
+              <a:t>party</a:t>
+            </a:r>
+            <a:r>
+              <a:rPr lang="de-DE" dirty="0"/>
+              <a:t> time …</a:t>
             </a:r>
             <a:endParaRPr lang="en-GB" dirty="0"/>
           </a:p>
@@ -42610,6 +42623,645 @@
 </p:sld>
 </file>
 
+<file path=ppt/slides/slide16.xml><?xml version="1.0" encoding="utf-8"?>
+<p:sld xmlns:a="http://schemas.openxmlformats.org/drawingml/2006/main" xmlns:r="http://schemas.openxmlformats.org/officeDocument/2006/relationships" xmlns:p="http://schemas.openxmlformats.org/presentationml/2006/main">
+  <p:cSld>
+    <p:spTree>
+      <p:nvGrpSpPr>
+        <p:cNvPr id="1" name=""/>
+        <p:cNvGrpSpPr/>
+        <p:nvPr/>
+      </p:nvGrpSpPr>
+      <p:grpSpPr>
+        <a:xfrm>
+          <a:off x="0" y="0"/>
+          <a:ext cx="0" cy="0"/>
+          <a:chOff x="0" y="0"/>
+          <a:chExt cx="0" cy="0"/>
+        </a:xfrm>
+      </p:grpSpPr>
+      <p:sp>
+        <p:nvSpPr>
+          <p:cNvPr id="2" name="Textplatzhalter 1">
+            <a:extLst>
+              <a:ext uri="{FF2B5EF4-FFF2-40B4-BE49-F238E27FC236}">
+                <a16:creationId xmlns:a16="http://schemas.microsoft.com/office/drawing/2014/main" id="{9E630053-7422-4569-9D66-FDCBECC0A097}"/>
+              </a:ext>
+            </a:extLst>
+          </p:cNvPr>
+          <p:cNvSpPr>
+            <a:spLocks noGrp="1"/>
+          </p:cNvSpPr>
+          <p:nvPr>
+            <p:ph type="body" sz="quarter" idx="10"/>
+          </p:nvPr>
+        </p:nvSpPr>
+        <p:spPr/>
+        <p:txBody>
+          <a:bodyPr/>
+          <a:lstStyle/>
+          <a:p>
+            <a:r>
+              <a:rPr lang="de-DE" dirty="0"/>
+              <a:t>… und sie feierten die ganze Nacht.</a:t>
+            </a:r>
+            <a:endParaRPr lang="en-GB" dirty="0"/>
+          </a:p>
+        </p:txBody>
+      </p:sp>
+      <p:sp>
+        <p:nvSpPr>
+          <p:cNvPr id="3" name="Textplatzhalter 2">
+            <a:extLst>
+              <a:ext uri="{FF2B5EF4-FFF2-40B4-BE49-F238E27FC236}">
+                <a16:creationId xmlns:a16="http://schemas.microsoft.com/office/drawing/2014/main" id="{1813B5E2-B74F-47F3-B9E5-7F5168920611}"/>
+              </a:ext>
+            </a:extLst>
+          </p:cNvPr>
+          <p:cNvSpPr>
+            <a:spLocks noGrp="1"/>
+          </p:cNvSpPr>
+          <p:nvPr>
+            <p:ph type="body" sz="quarter" idx="11"/>
+          </p:nvPr>
+        </p:nvSpPr>
+        <p:spPr>
+          <a:xfrm>
+            <a:off x="799200" y="1598400"/>
+            <a:ext cx="10800000" cy="973350"/>
+          </a:xfrm>
+        </p:spPr>
+        <p:txBody>
+          <a:bodyPr/>
+          <a:lstStyle/>
+          <a:p>
+            <a:r>
+              <a:rPr lang="de-DE" dirty="0"/>
+              <a:t>Und zur Bewältigung dieser letzten Aufgabe musste das „acht Damen Problem“ gelöst werden:</a:t>
+            </a:r>
+          </a:p>
+          <a:p>
+            <a:endParaRPr lang="de-DE" dirty="0"/>
+          </a:p>
+          <a:p>
+            <a:endParaRPr lang="en-GB" dirty="0"/>
+          </a:p>
+        </p:txBody>
+      </p:sp>
+      <p:sp>
+        <p:nvSpPr>
+          <p:cNvPr id="4" name="Textplatzhalter 3">
+            <a:extLst>
+              <a:ext uri="{FF2B5EF4-FFF2-40B4-BE49-F238E27FC236}">
+                <a16:creationId xmlns:a16="http://schemas.microsoft.com/office/drawing/2014/main" id="{F765D3D6-C4C1-4D64-81EE-6A3017E6C358}"/>
+              </a:ext>
+            </a:extLst>
+          </p:cNvPr>
+          <p:cNvSpPr>
+            <a:spLocks noGrp="1"/>
+          </p:cNvSpPr>
+          <p:nvPr>
+            <p:ph type="body" sz="quarter" idx="12"/>
+          </p:nvPr>
+        </p:nvSpPr>
+        <p:spPr/>
+        <p:txBody>
+          <a:bodyPr/>
+          <a:lstStyle/>
+          <a:p>
+            <a:endParaRPr lang="en-GB"/>
+          </a:p>
+        </p:txBody>
+      </p:sp>
+      <p:sp>
+        <p:nvSpPr>
+          <p:cNvPr id="6" name="Textplatzhalter 2">
+            <a:extLst>
+              <a:ext uri="{FF2B5EF4-FFF2-40B4-BE49-F238E27FC236}">
+                <a16:creationId xmlns:a16="http://schemas.microsoft.com/office/drawing/2014/main" id="{7089CDB7-DF14-46CC-8F78-BC900968B8BD}"/>
+              </a:ext>
+            </a:extLst>
+          </p:cNvPr>
+          <p:cNvSpPr txBox="1">
+            <a:spLocks/>
+          </p:cNvSpPr>
+          <p:nvPr/>
+        </p:nvSpPr>
+        <p:spPr>
+          <a:xfrm>
+            <a:off x="696000" y="4557500"/>
+            <a:ext cx="10800000" cy="973350"/>
+          </a:xfrm>
+          <a:prstGeom prst="rect">
+            <a:avLst/>
+          </a:prstGeom>
+        </p:spPr>
+        <p:txBody>
+          <a:bodyPr/>
+          <a:lstStyle>
+            <a:lvl1pPr marL="0" marR="0" indent="0" algn="l" defTabSz="914400" rtl="0" eaLnBrk="1" fontAlgn="auto" latinLnBrk="0" hangingPunct="1">
+              <a:lnSpc>
+                <a:spcPct val="90000"/>
+              </a:lnSpc>
+              <a:spcBef>
+                <a:spcPts val="1000"/>
+              </a:spcBef>
+              <a:spcAft>
+                <a:spcPts val="0"/>
+              </a:spcAft>
+              <a:buClrTx/>
+              <a:buSzTx/>
+              <a:buFont typeface="Arial"/>
+              <a:buNone/>
+              <a:tabLst/>
+              <a:defRPr sz="2200" b="1" i="0" kern="1200">
+                <a:solidFill>
+                  <a:schemeClr val="bg1"/>
+                </a:solidFill>
+                <a:latin typeface="Arial Fett" charset="0"/>
+                <a:ea typeface="Arial Fett" charset="0"/>
+                <a:cs typeface="Arial Fett" charset="0"/>
+              </a:defRPr>
+            </a:lvl1pPr>
+            <a:lvl2pPr marL="685800" indent="-228600" algn="l" defTabSz="914400" rtl="0" eaLnBrk="1" latinLnBrk="0" hangingPunct="1">
+              <a:lnSpc>
+                <a:spcPct val="90000"/>
+              </a:lnSpc>
+              <a:spcBef>
+                <a:spcPts val="500"/>
+              </a:spcBef>
+              <a:buFont typeface="Arial"/>
+              <a:buChar char="•"/>
+              <a:defRPr sz="2400" kern="1200">
+                <a:solidFill>
+                  <a:schemeClr val="tx1"/>
+                </a:solidFill>
+                <a:latin typeface="+mn-lt"/>
+                <a:ea typeface="+mn-ea"/>
+                <a:cs typeface="+mn-cs"/>
+              </a:defRPr>
+            </a:lvl2pPr>
+            <a:lvl3pPr marL="1143000" indent="-228600" algn="l" defTabSz="914400" rtl="0" eaLnBrk="1" latinLnBrk="0" hangingPunct="1">
+              <a:lnSpc>
+                <a:spcPct val="90000"/>
+              </a:lnSpc>
+              <a:spcBef>
+                <a:spcPts val="500"/>
+              </a:spcBef>
+              <a:buFont typeface="Arial"/>
+              <a:buChar char="•"/>
+              <a:defRPr sz="2000" kern="1200">
+                <a:solidFill>
+                  <a:schemeClr val="tx1"/>
+                </a:solidFill>
+                <a:latin typeface="+mn-lt"/>
+                <a:ea typeface="+mn-ea"/>
+                <a:cs typeface="+mn-cs"/>
+              </a:defRPr>
+            </a:lvl3pPr>
+            <a:lvl4pPr marL="1600200" indent="-228600" algn="l" defTabSz="914400" rtl="0" eaLnBrk="1" latinLnBrk="0" hangingPunct="1">
+              <a:lnSpc>
+                <a:spcPct val="90000"/>
+              </a:lnSpc>
+              <a:spcBef>
+                <a:spcPts val="500"/>
+              </a:spcBef>
+              <a:buFont typeface="Arial"/>
+              <a:buChar char="•"/>
+              <a:defRPr sz="1800" kern="1200">
+                <a:solidFill>
+                  <a:schemeClr val="tx1"/>
+                </a:solidFill>
+                <a:latin typeface="+mn-lt"/>
+                <a:ea typeface="+mn-ea"/>
+                <a:cs typeface="+mn-cs"/>
+              </a:defRPr>
+            </a:lvl4pPr>
+            <a:lvl5pPr marL="2057400" indent="-228600" algn="l" defTabSz="914400" rtl="0" eaLnBrk="1" latinLnBrk="0" hangingPunct="1">
+              <a:lnSpc>
+                <a:spcPct val="90000"/>
+              </a:lnSpc>
+              <a:spcBef>
+                <a:spcPts val="500"/>
+              </a:spcBef>
+              <a:buFont typeface="Arial"/>
+              <a:buChar char="•"/>
+              <a:defRPr sz="1800" kern="1200">
+                <a:solidFill>
+                  <a:schemeClr val="tx1"/>
+                </a:solidFill>
+                <a:latin typeface="+mn-lt"/>
+                <a:ea typeface="+mn-ea"/>
+                <a:cs typeface="+mn-cs"/>
+              </a:defRPr>
+            </a:lvl5pPr>
+            <a:lvl6pPr marL="2514600" indent="-228600" algn="l" defTabSz="914400" rtl="0" eaLnBrk="1" latinLnBrk="0" hangingPunct="1">
+              <a:lnSpc>
+                <a:spcPct val="90000"/>
+              </a:lnSpc>
+              <a:spcBef>
+                <a:spcPts val="500"/>
+              </a:spcBef>
+              <a:buFont typeface="Arial"/>
+              <a:buChar char="•"/>
+              <a:defRPr sz="1800" kern="1200">
+                <a:solidFill>
+                  <a:schemeClr val="tx1"/>
+                </a:solidFill>
+                <a:latin typeface="+mn-lt"/>
+                <a:ea typeface="+mn-ea"/>
+                <a:cs typeface="+mn-cs"/>
+              </a:defRPr>
+            </a:lvl6pPr>
+            <a:lvl7pPr marL="2971800" indent="-228600" algn="l" defTabSz="914400" rtl="0" eaLnBrk="1" latinLnBrk="0" hangingPunct="1">
+              <a:lnSpc>
+                <a:spcPct val="90000"/>
+              </a:lnSpc>
+              <a:spcBef>
+                <a:spcPts val="500"/>
+              </a:spcBef>
+              <a:buFont typeface="Arial"/>
+              <a:buChar char="•"/>
+              <a:defRPr sz="1800" kern="1200">
+                <a:solidFill>
+                  <a:schemeClr val="tx1"/>
+                </a:solidFill>
+                <a:latin typeface="+mn-lt"/>
+                <a:ea typeface="+mn-ea"/>
+                <a:cs typeface="+mn-cs"/>
+              </a:defRPr>
+            </a:lvl7pPr>
+            <a:lvl8pPr marL="3429000" indent="-228600" algn="l" defTabSz="914400" rtl="0" eaLnBrk="1" latinLnBrk="0" hangingPunct="1">
+              <a:lnSpc>
+                <a:spcPct val="90000"/>
+              </a:lnSpc>
+              <a:spcBef>
+                <a:spcPts val="500"/>
+              </a:spcBef>
+              <a:buFont typeface="Arial"/>
+              <a:buChar char="•"/>
+              <a:defRPr sz="1800" kern="1200">
+                <a:solidFill>
+                  <a:schemeClr val="tx1"/>
+                </a:solidFill>
+                <a:latin typeface="+mn-lt"/>
+                <a:ea typeface="+mn-ea"/>
+                <a:cs typeface="+mn-cs"/>
+              </a:defRPr>
+            </a:lvl8pPr>
+            <a:lvl9pPr marL="3886200" indent="-228600" algn="l" defTabSz="914400" rtl="0" eaLnBrk="1" latinLnBrk="0" hangingPunct="1">
+              <a:lnSpc>
+                <a:spcPct val="90000"/>
+              </a:lnSpc>
+              <a:spcBef>
+                <a:spcPts val="500"/>
+              </a:spcBef>
+              <a:buFont typeface="Arial"/>
+              <a:buChar char="•"/>
+              <a:defRPr sz="1800" kern="1200">
+                <a:solidFill>
+                  <a:schemeClr val="tx1"/>
+                </a:solidFill>
+                <a:latin typeface="+mn-lt"/>
+                <a:ea typeface="+mn-ea"/>
+                <a:cs typeface="+mn-cs"/>
+              </a:defRPr>
+            </a:lvl9pPr>
+          </a:lstStyle>
+          <a:p>
+            <a:r>
+              <a:rPr lang="de-DE" dirty="0"/>
+              <a:t>Und dank Euch hatten die alle Freunde so viel Spaß, dass die Party ein riesiger Erfolg wurde.</a:t>
+            </a:r>
+          </a:p>
+          <a:p>
+            <a:endParaRPr lang="de-DE" dirty="0"/>
+          </a:p>
+          <a:p>
+            <a:endParaRPr lang="de-DE" dirty="0"/>
+          </a:p>
+          <a:p>
+            <a:endParaRPr lang="en-GB" dirty="0"/>
+          </a:p>
+        </p:txBody>
+      </p:sp>
+      <p:pic>
+        <p:nvPicPr>
+          <p:cNvPr id="1030" name="Picture 6" descr="Quellbild anzeigen">
+            <a:extLst>
+              <a:ext uri="{FF2B5EF4-FFF2-40B4-BE49-F238E27FC236}">
+                <a16:creationId xmlns:a16="http://schemas.microsoft.com/office/drawing/2014/main" id="{7549B538-4D48-4975-822F-0FCCF39CFA6C}"/>
+              </a:ext>
+            </a:extLst>
+          </p:cNvPr>
+          <p:cNvPicPr>
+            <a:picLocks noChangeAspect="1" noChangeArrowheads="1"/>
+          </p:cNvPicPr>
+          <p:nvPr/>
+        </p:nvPicPr>
+        <p:blipFill>
+          <a:blip r:embed="rId2">
+            <a:extLst>
+              <a:ext uri="{28A0092B-C50C-407E-A947-70E740481C1C}">
+                <a14:useLocalDpi xmlns:a14="http://schemas.microsoft.com/office/drawing/2010/main" val="0"/>
+              </a:ext>
+            </a:extLst>
+          </a:blip>
+          <a:srcRect/>
+          <a:stretch>
+            <a:fillRect/>
+          </a:stretch>
+        </p:blipFill>
+        <p:spPr bwMode="auto">
+          <a:xfrm>
+            <a:off x="5214154" y="2445950"/>
+            <a:ext cx="1763692" cy="1768941"/>
+          </a:xfrm>
+          <a:prstGeom prst="rect">
+            <a:avLst/>
+          </a:prstGeom>
+          <a:noFill/>
+          <a:extLst>
+            <a:ext uri="{909E8E84-426E-40DD-AFC4-6F175D3DCCD1}">
+              <a14:hiddenFill xmlns:a14="http://schemas.microsoft.com/office/drawing/2010/main">
+                <a:solidFill>
+                  <a:srgbClr val="FFFFFF"/>
+                </a:solidFill>
+              </a14:hiddenFill>
+            </a:ext>
+          </a:extLst>
+        </p:spPr>
+      </p:pic>
+      <p:sp>
+        <p:nvSpPr>
+          <p:cNvPr id="9" name="Textplatzhalter 1">
+            <a:extLst>
+              <a:ext uri="{FF2B5EF4-FFF2-40B4-BE49-F238E27FC236}">
+                <a16:creationId xmlns:a16="http://schemas.microsoft.com/office/drawing/2014/main" id="{78CCF28E-2DF7-4A52-91BE-F057212F9E63}"/>
+              </a:ext>
+            </a:extLst>
+          </p:cNvPr>
+          <p:cNvSpPr txBox="1">
+            <a:spLocks/>
+          </p:cNvSpPr>
+          <p:nvPr/>
+        </p:nvSpPr>
+        <p:spPr>
+          <a:xfrm>
+            <a:off x="5669212" y="5145775"/>
+            <a:ext cx="5929988" cy="1198800"/>
+          </a:xfrm>
+          <a:prstGeom prst="rect">
+            <a:avLst/>
+          </a:prstGeom>
+        </p:spPr>
+        <p:txBody>
+          <a:bodyPr/>
+          <a:lstStyle>
+            <a:lvl1pPr marL="0" indent="0" algn="l" defTabSz="914400" rtl="0" eaLnBrk="1" latinLnBrk="0" hangingPunct="1">
+              <a:lnSpc>
+                <a:spcPct val="100000"/>
+              </a:lnSpc>
+              <a:spcBef>
+                <a:spcPts val="0"/>
+              </a:spcBef>
+              <a:buFont typeface="Arial" charset="0"/>
+              <a:buNone/>
+              <a:defRPr sz="3300" b="1" i="0" kern="1200">
+                <a:solidFill>
+                  <a:srgbClr val="56DBFD"/>
+                </a:solidFill>
+                <a:latin typeface="Arial Fett" charset="0"/>
+                <a:ea typeface="Arial Fett" charset="0"/>
+                <a:cs typeface="Arial Fett" charset="0"/>
+              </a:defRPr>
+            </a:lvl1pPr>
+            <a:lvl2pPr marL="457200" indent="0" algn="l" defTabSz="914400" rtl="0" eaLnBrk="1" latinLnBrk="0" hangingPunct="1">
+              <a:lnSpc>
+                <a:spcPct val="90000"/>
+              </a:lnSpc>
+              <a:spcBef>
+                <a:spcPts val="500"/>
+              </a:spcBef>
+              <a:buFont typeface="Arial" charset="0"/>
+              <a:buNone/>
+              <a:defRPr sz="3300" kern="1200">
+                <a:solidFill>
+                  <a:srgbClr val="56DBFD"/>
+                </a:solidFill>
+                <a:latin typeface="MetaBold-Roman" charset="0"/>
+                <a:ea typeface="MetaBold-Roman" charset="0"/>
+                <a:cs typeface="MetaBold-Roman" charset="0"/>
+              </a:defRPr>
+            </a:lvl2pPr>
+            <a:lvl3pPr marL="914400" indent="0" algn="l" defTabSz="914400" rtl="0" eaLnBrk="1" latinLnBrk="0" hangingPunct="1">
+              <a:lnSpc>
+                <a:spcPct val="90000"/>
+              </a:lnSpc>
+              <a:spcBef>
+                <a:spcPts val="500"/>
+              </a:spcBef>
+              <a:buFont typeface="Arial" charset="0"/>
+              <a:buNone/>
+              <a:defRPr sz="3300" kern="1200">
+                <a:solidFill>
+                  <a:srgbClr val="56DBFD"/>
+                </a:solidFill>
+                <a:latin typeface="MetaBold-Roman" charset="0"/>
+                <a:ea typeface="MetaBold-Roman" charset="0"/>
+                <a:cs typeface="MetaBold-Roman" charset="0"/>
+              </a:defRPr>
+            </a:lvl3pPr>
+            <a:lvl4pPr marL="1371600" indent="0" algn="l" defTabSz="914400" rtl="0" eaLnBrk="1" latinLnBrk="0" hangingPunct="1">
+              <a:lnSpc>
+                <a:spcPct val="90000"/>
+              </a:lnSpc>
+              <a:spcBef>
+                <a:spcPts val="500"/>
+              </a:spcBef>
+              <a:buFont typeface="Arial" charset="0"/>
+              <a:buNone/>
+              <a:defRPr sz="3300" kern="1200">
+                <a:solidFill>
+                  <a:srgbClr val="56DBFD"/>
+                </a:solidFill>
+                <a:latin typeface="MetaBold-Roman" charset="0"/>
+                <a:ea typeface="MetaBold-Roman" charset="0"/>
+                <a:cs typeface="MetaBold-Roman" charset="0"/>
+              </a:defRPr>
+            </a:lvl4pPr>
+            <a:lvl5pPr marL="1828800" indent="0" algn="l" defTabSz="914400" rtl="0" eaLnBrk="1" latinLnBrk="0" hangingPunct="1">
+              <a:lnSpc>
+                <a:spcPct val="90000"/>
+              </a:lnSpc>
+              <a:spcBef>
+                <a:spcPts val="500"/>
+              </a:spcBef>
+              <a:buFont typeface="Arial" charset="0"/>
+              <a:buNone/>
+              <a:defRPr sz="3300" kern="1200">
+                <a:solidFill>
+                  <a:srgbClr val="56DBFD"/>
+                </a:solidFill>
+                <a:latin typeface="MetaBold-Roman" charset="0"/>
+                <a:ea typeface="MetaBold-Roman" charset="0"/>
+                <a:cs typeface="MetaBold-Roman" charset="0"/>
+              </a:defRPr>
+            </a:lvl5pPr>
+            <a:lvl6pPr marL="2514600" indent="-228600" algn="l" defTabSz="914400" rtl="0" eaLnBrk="1" latinLnBrk="0" hangingPunct="1">
+              <a:lnSpc>
+                <a:spcPct val="90000"/>
+              </a:lnSpc>
+              <a:spcBef>
+                <a:spcPts val="500"/>
+              </a:spcBef>
+              <a:buFont typeface="Arial"/>
+              <a:buChar char="•"/>
+              <a:defRPr sz="1800" kern="1200">
+                <a:solidFill>
+                  <a:schemeClr val="tx1"/>
+                </a:solidFill>
+                <a:latin typeface="+mn-lt"/>
+                <a:ea typeface="+mn-ea"/>
+                <a:cs typeface="+mn-cs"/>
+              </a:defRPr>
+            </a:lvl6pPr>
+            <a:lvl7pPr marL="2971800" indent="-228600" algn="l" defTabSz="914400" rtl="0" eaLnBrk="1" latinLnBrk="0" hangingPunct="1">
+              <a:lnSpc>
+                <a:spcPct val="90000"/>
+              </a:lnSpc>
+              <a:spcBef>
+                <a:spcPts val="500"/>
+              </a:spcBef>
+              <a:buFont typeface="Arial"/>
+              <a:buChar char="•"/>
+              <a:defRPr sz="1800" kern="1200">
+                <a:solidFill>
+                  <a:schemeClr val="tx1"/>
+                </a:solidFill>
+                <a:latin typeface="+mn-lt"/>
+                <a:ea typeface="+mn-ea"/>
+                <a:cs typeface="+mn-cs"/>
+              </a:defRPr>
+            </a:lvl7pPr>
+            <a:lvl8pPr marL="3429000" indent="-228600" algn="l" defTabSz="914400" rtl="0" eaLnBrk="1" latinLnBrk="0" hangingPunct="1">
+              <a:lnSpc>
+                <a:spcPct val="90000"/>
+              </a:lnSpc>
+              <a:spcBef>
+                <a:spcPts val="500"/>
+              </a:spcBef>
+              <a:buFont typeface="Arial"/>
+              <a:buChar char="•"/>
+              <a:defRPr sz="1800" kern="1200">
+                <a:solidFill>
+                  <a:schemeClr val="tx1"/>
+                </a:solidFill>
+                <a:latin typeface="+mn-lt"/>
+                <a:ea typeface="+mn-ea"/>
+                <a:cs typeface="+mn-cs"/>
+              </a:defRPr>
+            </a:lvl8pPr>
+            <a:lvl9pPr marL="3886200" indent="-228600" algn="l" defTabSz="914400" rtl="0" eaLnBrk="1" latinLnBrk="0" hangingPunct="1">
+              <a:lnSpc>
+                <a:spcPct val="90000"/>
+              </a:lnSpc>
+              <a:spcBef>
+                <a:spcPts val="500"/>
+              </a:spcBef>
+              <a:buFont typeface="Arial"/>
+              <a:buChar char="•"/>
+              <a:defRPr sz="1800" kern="1200">
+                <a:solidFill>
+                  <a:schemeClr val="tx1"/>
+                </a:solidFill>
+                <a:latin typeface="+mn-lt"/>
+                <a:ea typeface="+mn-ea"/>
+                <a:cs typeface="+mn-cs"/>
+              </a:defRPr>
+            </a:lvl9pPr>
+          </a:lstStyle>
+          <a:p>
+            <a:r>
+              <a:rPr lang="de-DE" dirty="0"/>
+              <a:t>Das war die Geschichte von Charlie und dem Happy End.</a:t>
+            </a:r>
+            <a:endParaRPr lang="en-GB" dirty="0"/>
+          </a:p>
+        </p:txBody>
+      </p:sp>
+      <p:sp>
+        <p:nvSpPr>
+          <p:cNvPr id="10" name="Ellipse 9">
+            <a:extLst>
+              <a:ext uri="{FF2B5EF4-FFF2-40B4-BE49-F238E27FC236}">
+                <a16:creationId xmlns:a16="http://schemas.microsoft.com/office/drawing/2014/main" id="{33468CD7-EA2C-4135-9E1B-0F0B325683C0}"/>
+              </a:ext>
+            </a:extLst>
+          </p:cNvPr>
+          <p:cNvSpPr/>
+          <p:nvPr/>
+        </p:nvSpPr>
+        <p:spPr>
+          <a:xfrm>
+            <a:off x="10432290" y="518401"/>
+            <a:ext cx="961198" cy="961198"/>
+          </a:xfrm>
+          <a:prstGeom prst="ellipse">
+            <a:avLst/>
+          </a:prstGeom>
+          <a:blipFill>
+            <a:blip r:embed="rId3"/>
+            <a:srcRect/>
+            <a:stretch>
+              <a:fillRect/>
+            </a:stretch>
+          </a:blipFill>
+        </p:spPr>
+        <p:style>
+          <a:lnRef idx="2">
+            <a:schemeClr val="lt1">
+              <a:hueOff val="0"/>
+              <a:satOff val="0"/>
+              <a:lumOff val="0"/>
+              <a:alphaOff val="0"/>
+            </a:schemeClr>
+          </a:lnRef>
+          <a:fillRef idx="1">
+            <a:scrgbClr r="0" g="0" b="0"/>
+          </a:fillRef>
+          <a:effectRef idx="0">
+            <a:schemeClr val="accent1">
+              <a:tint val="50000"/>
+              <a:hueOff val="0"/>
+              <a:satOff val="0"/>
+              <a:lumOff val="0"/>
+              <a:alphaOff val="0"/>
+            </a:schemeClr>
+          </a:effectRef>
+          <a:fontRef idx="minor">
+            <a:schemeClr val="lt1">
+              <a:hueOff val="0"/>
+              <a:satOff val="0"/>
+              <a:lumOff val="0"/>
+              <a:alphaOff val="0"/>
+            </a:schemeClr>
+          </a:fontRef>
+        </p:style>
+      </p:sp>
+    </p:spTree>
+    <p:extLst>
+      <p:ext uri="{BB962C8B-B14F-4D97-AF65-F5344CB8AC3E}">
+        <p14:creationId xmlns:p14="http://schemas.microsoft.com/office/powerpoint/2010/main" val="3315072037"/>
+      </p:ext>
+    </p:extLst>
+  </p:cSld>
+  <p:clrMapOvr>
+    <a:masterClrMapping/>
+  </p:clrMapOvr>
+</p:sld>
+</file>
+
 <file path=ppt/slides/slide2.xml><?xml version="1.0" encoding="utf-8"?>
 <p:sld xmlns:a="http://schemas.openxmlformats.org/drawingml/2006/main" xmlns:r="http://schemas.openxmlformats.org/officeDocument/2006/relationships" xmlns:p="http://schemas.openxmlformats.org/presentationml/2006/main">
   <p:cSld>
@@ -46946,7 +47598,7 @@
         </p:nvSpPr>
         <p:spPr>
           <a:xfrm>
-            <a:off x="10432290" y="512981"/>
+            <a:off x="10432290" y="518401"/>
             <a:ext cx="961198" cy="961198"/>
           </a:xfrm>
           <a:prstGeom prst="ellipse">
